--- a/Presentations/IF16 - Soutenance (2012-12-13).pptx
+++ b/Presentations/IF16 - Soutenance (2012-12-13).pptx
@@ -5,10 +5,10 @@
     <p:sldMasterId id="2147483672" r:id="rId1"/>
   </p:sldMasterIdLst>
   <p:notesMasterIdLst>
-    <p:notesMasterId r:id="rId15"/>
+    <p:notesMasterId r:id="rId23"/>
   </p:notesMasterIdLst>
   <p:handoutMasterIdLst>
-    <p:handoutMasterId r:id="rId16"/>
+    <p:handoutMasterId r:id="rId24"/>
   </p:handoutMasterIdLst>
   <p:sldIdLst>
     <p:sldId id="256" r:id="rId2"/>
@@ -20,10 +20,18 @@
     <p:sldId id="274" r:id="rId8"/>
     <p:sldId id="279" r:id="rId9"/>
     <p:sldId id="278" r:id="rId10"/>
-    <p:sldId id="267" r:id="rId11"/>
-    <p:sldId id="268" r:id="rId12"/>
-    <p:sldId id="269" r:id="rId13"/>
-    <p:sldId id="280" r:id="rId14"/>
+    <p:sldId id="281" r:id="rId11"/>
+    <p:sldId id="285" r:id="rId12"/>
+    <p:sldId id="282" r:id="rId13"/>
+    <p:sldId id="287" r:id="rId14"/>
+    <p:sldId id="288" r:id="rId15"/>
+    <p:sldId id="289" r:id="rId16"/>
+    <p:sldId id="290" r:id="rId17"/>
+    <p:sldId id="291" r:id="rId18"/>
+    <p:sldId id="292" r:id="rId19"/>
+    <p:sldId id="283" r:id="rId20"/>
+    <p:sldId id="284" r:id="rId21"/>
+    <p:sldId id="280" r:id="rId22"/>
   </p:sldIdLst>
   <p:sldSz cx="9144000" cy="6858000" type="screen4x3"/>
   <p:notesSz cx="6858000" cy="9144000"/>
@@ -4566,33 +4574,7 @@
                 </a:effectLst>
                 <a:latin typeface="Garamond" pitchFamily="18" charset="0"/>
               </a:rPr>
-              <a:t>FELIZARD Cédric / </a:t>
-            </a:r>
-            <a:r>
-              <a:rPr lang="fr-FR" sz="1600" b="1" dirty="0" smtClean="0">
-                <a:effectLst>
-                  <a:outerShdw blurRad="38100" dist="38100" dir="2700000" algn="tl">
-                    <a:srgbClr val="000000">
-                      <a:alpha val="43137"/>
-                    </a:srgbClr>
-                  </a:outerShdw>
-                </a:effectLst>
-                <a:latin typeface="Garamond" pitchFamily="18" charset="0"/>
-              </a:rPr>
-              <a:t>FOURTI Anouar / GUENNICH </a:t>
-            </a:r>
-            <a:r>
-              <a:rPr lang="fr-FR" sz="1600" b="1" dirty="0" smtClean="0">
-                <a:effectLst>
-                  <a:outerShdw blurRad="38100" dist="38100" dir="2700000" algn="tl">
-                    <a:srgbClr val="000000">
-                      <a:alpha val="43137"/>
-                    </a:srgbClr>
-                  </a:outerShdw>
-                </a:effectLst>
-                <a:latin typeface="Garamond" pitchFamily="18" charset="0"/>
-              </a:rPr>
-              <a:t>Ismail /</a:t>
+              <a:t>FELIZARD Cédric / FOURTI Anouar / GUENNICH Ismail /</a:t>
             </a:r>
           </a:p>
           <a:p>
@@ -4649,8 +4631,11 @@
                 </a:effectLst>
                 <a:latin typeface="Garamond" pitchFamily="18" charset="0"/>
               </a:rPr>
-              <a:t>Soutenance de </a:t>
-            </a:r>
+              <a:t>Soutenance de projet IF16</a:t>
+            </a:r>
+          </a:p>
+          <a:p>
+            <a:pPr algn="ctr"/>
             <a:r>
               <a:rPr lang="fr-FR" sz="2400" b="1" i="1" dirty="0" smtClean="0">
                 <a:solidFill>
@@ -4665,74 +4650,7 @@
                 </a:effectLst>
                 <a:latin typeface="Garamond" pitchFamily="18" charset="0"/>
               </a:rPr>
-              <a:t>projet </a:t>
-            </a:r>
-            <a:r>
-              <a:rPr lang="fr-FR" sz="2400" b="1" i="1" dirty="0" smtClean="0">
-                <a:solidFill>
-                  <a:schemeClr val="tx2"/>
-                </a:solidFill>
-                <a:effectLst>
-                  <a:outerShdw blurRad="38100" dist="38100" dir="2700000" algn="tl">
-                    <a:srgbClr val="000000">
-                      <a:alpha val="43137"/>
-                    </a:srgbClr>
-                  </a:outerShdw>
-                </a:effectLst>
-                <a:latin typeface="Garamond" pitchFamily="18" charset="0"/>
-              </a:rPr>
-              <a:t>IF16</a:t>
-            </a:r>
-          </a:p>
-          <a:p>
-            <a:pPr algn="ctr"/>
-            <a:r>
-              <a:rPr lang="fr-FR" sz="2400" b="1" i="1" dirty="0" smtClean="0">
-                <a:solidFill>
-                  <a:schemeClr val="tx2"/>
-                </a:solidFill>
-                <a:effectLst>
-                  <a:outerShdw blurRad="38100" dist="38100" dir="2700000" algn="tl">
-                    <a:srgbClr val="000000">
-                      <a:alpha val="43137"/>
-                    </a:srgbClr>
-                  </a:outerShdw>
-                </a:effectLst>
-                <a:latin typeface="Garamond" pitchFamily="18" charset="0"/>
-              </a:rPr>
-              <a:t>1</a:t>
-            </a:r>
-            <a:r>
-              <a:rPr lang="fr-FR" sz="2400" b="1" i="1" dirty="0" smtClean="0">
-                <a:solidFill>
-                  <a:schemeClr val="tx2"/>
-                </a:solidFill>
-                <a:effectLst>
-                  <a:outerShdw blurRad="38100" dist="38100" dir="2700000" algn="tl">
-                    <a:srgbClr val="000000">
-                      <a:alpha val="43137"/>
-                    </a:srgbClr>
-                  </a:outerShdw>
-                </a:effectLst>
-                <a:latin typeface="Garamond" pitchFamily="18" charset="0"/>
-              </a:rPr>
-              <a:t>3</a:t>
-            </a:r>
-            <a:r>
-              <a:rPr lang="fr-FR" sz="2400" b="1" i="1" dirty="0" smtClean="0">
-                <a:solidFill>
-                  <a:schemeClr val="tx2"/>
-                </a:solidFill>
-                <a:effectLst>
-                  <a:outerShdw blurRad="38100" dist="38100" dir="2700000" algn="tl">
-                    <a:srgbClr val="000000">
-                      <a:alpha val="43137"/>
-                    </a:srgbClr>
-                  </a:outerShdw>
-                </a:effectLst>
-                <a:latin typeface="Garamond" pitchFamily="18" charset="0"/>
-              </a:rPr>
-              <a:t> Décembre 2012</a:t>
+              <a:t>13 Décembre 2012</a:t>
             </a:r>
             <a:endParaRPr lang="fr-FR" sz="2400" b="1" i="1" dirty="0">
               <a:solidFill>
@@ -4791,6 +4709,129 @@
           </a:extLst>
         </p:spPr>
       </p:pic>
+      <p:pic>
+        <p:nvPicPr>
+          <p:cNvPr id="3076" name="Picture 4" descr="C:\Users\Jeremie\Documents\Etudes\2011 - Diplome Ingenieur Informatique (UTT)\Semestre 4\IF16 - Groupware et workflow - concepts et mise en oeuvre\Projet\Maquettes\Screenshots Balsamiq\Entreprise+-+Partenariats.png"/>
+          <p:cNvPicPr>
+            <a:picLocks noChangeAspect="1" noChangeArrowheads="1"/>
+          </p:cNvPicPr>
+          <p:nvPr/>
+        </p:nvPicPr>
+        <p:blipFill>
+          <a:blip r:embed="rId4" cstate="print">
+            <a:extLst>
+              <a:ext uri="{28A0092B-C50C-407E-A947-70E740481C1C}">
+                <a14:useLocalDpi xmlns:a14="http://schemas.microsoft.com/office/drawing/2010/main" val="0"/>
+              </a:ext>
+            </a:extLst>
+          </a:blip>
+          <a:srcRect/>
+          <a:stretch>
+            <a:fillRect/>
+          </a:stretch>
+        </p:blipFill>
+        <p:spPr bwMode="auto">
+          <a:xfrm>
+            <a:off x="6012160" y="1340768"/>
+            <a:ext cx="2400000" cy="1800000"/>
+          </a:xfrm>
+          <a:prstGeom prst="rect">
+            <a:avLst/>
+          </a:prstGeom>
+          <a:noFill/>
+          <a:extLst>
+            <a:ext uri="{909E8E84-426E-40DD-AFC4-6F175D3DCCD1}">
+              <a14:hiddenFill xmlns:a14="http://schemas.microsoft.com/office/drawing/2010/main">
+                <a:solidFill>
+                  <a:srgbClr val="FFFFFF"/>
+                </a:solidFill>
+              </a14:hiddenFill>
+            </a:ext>
+          </a:extLst>
+        </p:spPr>
+      </p:pic>
+      <p:pic>
+        <p:nvPicPr>
+          <p:cNvPr id="3077" name="Picture 5" descr="C:\Users\Jeremie\Documents\Etudes\2011 - Diplome Ingenieur Informatique (UTT)\Semestre 4\IF16 - Groupware et workflow - concepts et mise en oeuvre\Projet\Maquettes\Screenshots Balsamiq\Entreprise+-+Informations.png"/>
+          <p:cNvPicPr>
+            <a:picLocks noChangeAspect="1" noChangeArrowheads="1"/>
+          </p:cNvPicPr>
+          <p:nvPr/>
+        </p:nvPicPr>
+        <p:blipFill>
+          <a:blip r:embed="rId5" cstate="print">
+            <a:extLst>
+              <a:ext uri="{28A0092B-C50C-407E-A947-70E740481C1C}">
+                <a14:useLocalDpi xmlns:a14="http://schemas.microsoft.com/office/drawing/2010/main" val="0"/>
+              </a:ext>
+            </a:extLst>
+          </a:blip>
+          <a:srcRect/>
+          <a:stretch>
+            <a:fillRect/>
+          </a:stretch>
+        </p:blipFill>
+        <p:spPr bwMode="auto">
+          <a:xfrm>
+            <a:off x="3282457" y="1556792"/>
+            <a:ext cx="2400000" cy="1800000"/>
+          </a:xfrm>
+          <a:prstGeom prst="rect">
+            <a:avLst/>
+          </a:prstGeom>
+          <a:noFill/>
+          <a:extLst>
+            <a:ext uri="{909E8E84-426E-40DD-AFC4-6F175D3DCCD1}">
+              <a14:hiddenFill xmlns:a14="http://schemas.microsoft.com/office/drawing/2010/main">
+                <a:solidFill>
+                  <a:srgbClr val="FFFFFF"/>
+                </a:solidFill>
+              </a14:hiddenFill>
+            </a:ext>
+          </a:extLst>
+        </p:spPr>
+      </p:pic>
+      <p:pic>
+        <p:nvPicPr>
+          <p:cNvPr id="3078" name="Picture 6" descr="C:\Users\Jeremie\Documents\Etudes\2011 - Diplome Ingenieur Informatique (UTT)\Semestre 4\IF16 - Groupware et workflow - concepts et mise en oeuvre\Projet\Maquettes\Screenshots Balsamiq\A+REVOIR+-+Exemple+de+flux.png"/>
+          <p:cNvPicPr>
+            <a:picLocks noChangeAspect="1" noChangeArrowheads="1"/>
+          </p:cNvPicPr>
+          <p:nvPr/>
+        </p:nvPicPr>
+        <p:blipFill>
+          <a:blip r:embed="rId6" cstate="print">
+            <a:extLst>
+              <a:ext uri="{28A0092B-C50C-407E-A947-70E740481C1C}">
+                <a14:useLocalDpi xmlns:a14="http://schemas.microsoft.com/office/drawing/2010/main" val="0"/>
+              </a:ext>
+            </a:extLst>
+          </a:blip>
+          <a:srcRect/>
+          <a:stretch>
+            <a:fillRect/>
+          </a:stretch>
+        </p:blipFill>
+        <p:spPr bwMode="auto">
+          <a:xfrm>
+            <a:off x="554843" y="1337846"/>
+            <a:ext cx="2400000" cy="1800000"/>
+          </a:xfrm>
+          <a:prstGeom prst="rect">
+            <a:avLst/>
+          </a:prstGeom>
+          <a:noFill/>
+          <a:extLst>
+            <a:ext uri="{909E8E84-426E-40DD-AFC4-6F175D3DCCD1}">
+              <a14:hiddenFill xmlns:a14="http://schemas.microsoft.com/office/drawing/2010/main">
+                <a:solidFill>
+                  <a:srgbClr val="FFFFFF"/>
+                </a:solidFill>
+              </a14:hiddenFill>
+            </a:ext>
+          </a:extLst>
+        </p:spPr>
+      </p:pic>
     </p:spTree>
     <p:extLst>
       <p:ext uri="{BB962C8B-B14F-4D97-AF65-F5344CB8AC3E}">
@@ -4812,7 +4853,7 @@
 </file>
 
 <file path=ppt/slides/slide10.xml><?xml version="1.0" encoding="utf-8"?>
-<p:sld xmlns:a="http://schemas.openxmlformats.org/drawingml/2006/main" xmlns:r="http://schemas.openxmlformats.org/officeDocument/2006/relationships" xmlns:p="http://schemas.openxmlformats.org/presentationml/2006/main">
+<p:sld xmlns:a="http://schemas.openxmlformats.org/drawingml/2006/main" xmlns:r="http://schemas.openxmlformats.org/officeDocument/2006/relationships" xmlns:p="http://schemas.openxmlformats.org/presentationml/2006/main" showMasterSp="0">
   <p:cSld>
     <p:spTree>
       <p:nvGrpSpPr>
@@ -4830,225 +4871,7 @@
       </p:grpSpPr>
       <p:sp>
         <p:nvSpPr>
-          <p:cNvPr id="2" name="Titre 1"/>
-          <p:cNvSpPr>
-            <a:spLocks noGrp="1"/>
-          </p:cNvSpPr>
-          <p:nvPr>
-            <p:ph type="title"/>
-          </p:nvPr>
-        </p:nvSpPr>
-        <p:spPr>
-          <a:xfrm>
-            <a:off x="500034" y="0"/>
-            <a:ext cx="8229600" cy="1143000"/>
-          </a:xfrm>
-        </p:spPr>
-        <p:txBody>
-          <a:bodyPr/>
-          <a:lstStyle/>
-          <a:p>
-            <a:r>
-              <a:rPr lang="fr-FR" dirty="0" smtClean="0"/>
-              <a:t>Les principales fonctionnalités</a:t>
-            </a:r>
-            <a:endParaRPr lang="fr-FR" dirty="0"/>
-          </a:p>
-        </p:txBody>
-      </p:sp>
-      <p:sp>
-        <p:nvSpPr>
-          <p:cNvPr id="3" name="Espace réservé du contenu 2"/>
-          <p:cNvSpPr>
-            <a:spLocks noGrp="1"/>
-          </p:cNvSpPr>
-          <p:nvPr>
-            <p:ph idx="1"/>
-          </p:nvPr>
-        </p:nvSpPr>
-        <p:spPr>
-          <a:xfrm>
-            <a:off x="428596" y="1071546"/>
-            <a:ext cx="8229600" cy="5786454"/>
-          </a:xfrm>
-        </p:spPr>
-        <p:txBody>
-          <a:bodyPr>
-            <a:normAutofit/>
-          </a:bodyPr>
-          <a:lstStyle/>
-          <a:p>
-            <a:r>
-              <a:rPr lang="fr-FR" u="sng" dirty="0" smtClean="0"/>
-              <a:t>Mots-clés (Tags) :</a:t>
-            </a:r>
-          </a:p>
-          <a:p>
-            <a:pPr lvl="1">
-              <a:buFont typeface="Courier New" pitchFamily="49" charset="0"/>
-              <a:buChar char="o"/>
-            </a:pPr>
-            <a:r>
-              <a:rPr lang="fr-FR" dirty="0"/>
-              <a:t> </a:t>
-            </a:r>
-            <a:r>
-              <a:rPr lang="fr-FR" dirty="0" smtClean="0"/>
-              <a:t>Classés par thème :</a:t>
-            </a:r>
-          </a:p>
-          <a:p>
-            <a:pPr lvl="2">
-              <a:buFont typeface="Wingdings" pitchFamily="2" charset="2"/>
-              <a:buChar char="Ø"/>
-            </a:pPr>
-            <a:r>
-              <a:rPr lang="fr-FR" dirty="0"/>
-              <a:t> </a:t>
-            </a:r>
-            <a:r>
-              <a:rPr lang="fr-FR" dirty="0" smtClean="0"/>
-              <a:t>Secteur d’activité :</a:t>
-            </a:r>
-          </a:p>
-          <a:p>
-            <a:pPr lvl="3">
-              <a:buFont typeface="Wingdings" pitchFamily="2" charset="2"/>
-              <a:buChar char="Ø"/>
-            </a:pPr>
-            <a:r>
-              <a:rPr lang="fr-FR" dirty="0" smtClean="0"/>
-              <a:t>Industries environnementales</a:t>
-            </a:r>
-          </a:p>
-          <a:p>
-            <a:pPr lvl="3">
-              <a:buFont typeface="Wingdings" pitchFamily="2" charset="2"/>
-              <a:buChar char="Ø"/>
-            </a:pPr>
-            <a:r>
-              <a:rPr lang="fr-FR" dirty="0" smtClean="0"/>
-              <a:t>Agriculture</a:t>
-            </a:r>
-          </a:p>
-          <a:p>
-            <a:pPr lvl="3">
-              <a:buFont typeface="Wingdings" pitchFamily="2" charset="2"/>
-              <a:buChar char="Ø"/>
-            </a:pPr>
-            <a:r>
-              <a:rPr lang="fr-FR" dirty="0" smtClean="0"/>
-              <a:t>Logistique et transports</a:t>
-            </a:r>
-          </a:p>
-          <a:p>
-            <a:pPr lvl="3">
-              <a:buFont typeface="Wingdings" pitchFamily="2" charset="2"/>
-              <a:buChar char="Ø"/>
-            </a:pPr>
-            <a:r>
-              <a:rPr lang="fr-FR" dirty="0" smtClean="0"/>
-              <a:t>Chimie</a:t>
-            </a:r>
-          </a:p>
-          <a:p>
-            <a:pPr lvl="3">
-              <a:buFont typeface="Wingdings" pitchFamily="2" charset="2"/>
-              <a:buChar char="Ø"/>
-            </a:pPr>
-            <a:r>
-              <a:rPr lang="fr-FR" dirty="0" smtClean="0"/>
-              <a:t>…</a:t>
-            </a:r>
-          </a:p>
-          <a:p>
-            <a:pPr marL="1169988" lvl="3" indent="-269875">
-              <a:buFont typeface="Wingdings" pitchFamily="2" charset="2"/>
-              <a:buChar char="Ø"/>
-            </a:pPr>
-            <a:r>
-              <a:rPr lang="fr-FR" sz="2400" dirty="0" smtClean="0"/>
-              <a:t>Type :</a:t>
-            </a:r>
-          </a:p>
-          <a:p>
-            <a:pPr marL="1627188" lvl="4" indent="-269875">
-              <a:buFont typeface="Wingdings" pitchFamily="2" charset="2"/>
-              <a:buChar char="Ø"/>
-            </a:pPr>
-            <a:r>
-              <a:rPr lang="fr-FR" dirty="0" smtClean="0"/>
-              <a:t>Produit ou service</a:t>
-            </a:r>
-          </a:p>
-          <a:p>
-            <a:pPr marL="1627188" lvl="4" indent="-269875">
-              <a:buFont typeface="Wingdings" pitchFamily="2" charset="2"/>
-              <a:buChar char="Ø"/>
-            </a:pPr>
-            <a:r>
-              <a:rPr lang="fr-FR" dirty="0" smtClean="0"/>
-              <a:t>Initiative</a:t>
-            </a:r>
-          </a:p>
-          <a:p>
-            <a:pPr marL="1627188" lvl="4" indent="-269875">
-              <a:buFont typeface="Wingdings" pitchFamily="2" charset="2"/>
-              <a:buChar char="Ø"/>
-            </a:pPr>
-            <a:r>
-              <a:rPr lang="fr-FR" dirty="0" smtClean="0"/>
-              <a:t>Site industriel</a:t>
-            </a:r>
-          </a:p>
-          <a:p>
-            <a:pPr marL="1627188" lvl="4" indent="-269875">
-              <a:buFont typeface="Wingdings" pitchFamily="2" charset="2"/>
-              <a:buChar char="Ø"/>
-            </a:pPr>
-            <a:r>
-              <a:rPr lang="fr-FR" dirty="0" smtClean="0"/>
-              <a:t>Site non-industriel</a:t>
-            </a:r>
-          </a:p>
-          <a:p>
-            <a:pPr marL="1627188" lvl="4" indent="-269875">
-              <a:buFont typeface="Wingdings" pitchFamily="2" charset="2"/>
-              <a:buChar char="Ø"/>
-            </a:pPr>
-            <a:r>
-              <a:rPr lang="fr-FR" dirty="0" smtClean="0"/>
-              <a:t>Risque</a:t>
-            </a:r>
-          </a:p>
-          <a:p>
-            <a:pPr marL="1627188" lvl="4" indent="-269875">
-              <a:buNone/>
-            </a:pPr>
-            <a:endParaRPr lang="fr-FR" dirty="0" smtClean="0"/>
-          </a:p>
-          <a:p>
-            <a:pPr marL="269875" lvl="4" indent="-269875" algn="r">
-              <a:buNone/>
-            </a:pPr>
-            <a:r>
-              <a:rPr lang="fr-FR" sz="2600" i="1" dirty="0" smtClean="0"/>
-              <a:t>Voir</a:t>
-            </a:r>
-            <a:r>
-              <a:rPr lang="fr-FR" sz="2800" i="1" dirty="0" smtClean="0"/>
-              <a:t> </a:t>
-            </a:r>
-            <a:r>
-              <a:rPr lang="fr-FR" sz="2600" i="1" dirty="0" smtClean="0"/>
-              <a:t>http://indus.agorae.hypertopic.org</a:t>
-            </a:r>
-          </a:p>
-        </p:txBody>
-      </p:sp>
-      <p:sp>
-        <p:nvSpPr>
-          <p:cNvPr id="4" name="Titre 1"/>
+          <p:cNvPr id="7" name="Titre 1"/>
           <p:cNvSpPr txBox="1">
             <a:spLocks/>
           </p:cNvSpPr>
@@ -5056,8 +4879,8 @@
         </p:nvSpPr>
         <p:spPr>
           <a:xfrm>
-            <a:off x="480368" y="6381327"/>
-            <a:ext cx="8229600" cy="360042"/>
+            <a:off x="806896" y="6497958"/>
+            <a:ext cx="8229600" cy="319845"/>
           </a:xfrm>
           <a:prstGeom prst="rect">
             <a:avLst/>
@@ -5065,7 +4888,7 @@
         </p:spPr>
         <p:txBody>
           <a:bodyPr vert="horz" anchor="b" anchorCtr="0">
-            <a:normAutofit/>
+            <a:normAutofit lnSpcReduction="10000"/>
           </a:bodyPr>
           <a:lstStyle>
             <a:lvl1pPr algn="l" rtl="0" eaLnBrk="1" latinLnBrk="0" hangingPunct="1">
@@ -5087,109 +4910,329 @@
             <a:pPr algn="r"/>
             <a:r>
               <a:rPr lang="fr-FR" sz="1600" i="1" dirty="0" smtClean="0">
+                <a:effectLst>
+                  <a:outerShdw blurRad="38100" dist="38100" dir="2700000" algn="tl">
+                    <a:srgbClr val="000000">
+                      <a:alpha val="43137"/>
+                    </a:srgbClr>
+                  </a:outerShdw>
+                </a:effectLst>
                 <a:latin typeface="+mn-lt"/>
               </a:rPr>
-              <a:t>Soutenance de </a:t>
-            </a:r>
-            <a:r>
-              <a:rPr lang="fr-FR" sz="1600" i="1" dirty="0" smtClean="0">
-                <a:latin typeface="+mn-lt"/>
-              </a:rPr>
-              <a:t>projet IF16 – </a:t>
-            </a:r>
-            <a:r>
-              <a:rPr lang="fr-FR" sz="1600" i="1" dirty="0" err="1" smtClean="0">
-                <a:latin typeface="+mn-lt"/>
-              </a:rPr>
-              <a:t>Observ’Indus</a:t>
-            </a:r>
-            <a:r>
-              <a:rPr lang="fr-FR" sz="1600" i="1" dirty="0" smtClean="0">
-                <a:latin typeface="+mn-lt"/>
-              </a:rPr>
-              <a:t> (</a:t>
-            </a:r>
-            <a:r>
-              <a:rPr lang="fr-FR" sz="1600" i="1" dirty="0" err="1" smtClean="0">
-                <a:latin typeface="+mn-lt"/>
-              </a:rPr>
-              <a:t>HiLal</a:t>
-            </a:r>
-            <a:r>
-              <a:rPr lang="fr-FR" sz="1600" i="1" dirty="0" smtClean="0">
-                <a:latin typeface="+mn-lt"/>
-              </a:rPr>
-              <a:t>) – </a:t>
-            </a:r>
-            <a:r>
-              <a:rPr lang="fr-FR" sz="1600" i="1" dirty="0" smtClean="0">
-                <a:latin typeface="+mn-lt"/>
-              </a:rPr>
-              <a:t>13 Décembre </a:t>
-            </a:r>
-            <a:r>
-              <a:rPr lang="fr-FR" sz="1600" i="1" dirty="0" smtClean="0">
-                <a:latin typeface="+mn-lt"/>
-              </a:rPr>
-              <a:t>2012</a:t>
+              <a:t>Soutenance de projet IF16 – 13 Décembre 2012</a:t>
             </a:r>
             <a:endParaRPr lang="fr-FR" sz="1600" i="1" dirty="0">
+              <a:effectLst>
+                <a:outerShdw blurRad="38100" dist="38100" dir="2700000" algn="tl">
+                  <a:srgbClr val="000000">
+                    <a:alpha val="43137"/>
+                  </a:srgbClr>
+                </a:outerShdw>
+              </a:effectLst>
               <a:latin typeface="+mn-lt"/>
             </a:endParaRPr>
           </a:p>
         </p:txBody>
       </p:sp>
-    </p:spTree>
-    <p:extLst>
-      <p:ext uri="{BB962C8B-B14F-4D97-AF65-F5344CB8AC3E}">
-        <p14:creationId xmlns:p14="http://schemas.microsoft.com/office/powerpoint/2010/main" val="2912462556"/>
-      </p:ext>
-    </p:extLst>
-  </p:cSld>
-  <p:clrMapOvr>
-    <a:masterClrMapping/>
-  </p:clrMapOvr>
-  <p:timing>
-    <p:tnLst>
-      <p:par>
-        <p:cTn id="1" dur="indefinite" restart="never" nodeType="tmRoot"/>
-      </p:par>
-    </p:tnLst>
-  </p:timing>
-</p:sld>
-</file>
-
-<file path=ppt/slides/slide11.xml><?xml version="1.0" encoding="utf-8"?>
-<p:sld xmlns:a="http://schemas.openxmlformats.org/drawingml/2006/main" xmlns:r="http://schemas.openxmlformats.org/officeDocument/2006/relationships" xmlns:p="http://schemas.openxmlformats.org/presentationml/2006/main">
-  <p:cSld>
-    <p:spTree>
-      <p:nvGrpSpPr>
-        <p:cNvPr id="1" name=""/>
-        <p:cNvGrpSpPr/>
-        <p:nvPr/>
-      </p:nvGrpSpPr>
-      <p:grpSpPr>
-        <a:xfrm>
-          <a:off x="0" y="0"/>
-          <a:ext cx="0" cy="0"/>
-          <a:chOff x="0" y="0"/>
-          <a:chExt cx="0" cy="0"/>
-        </a:xfrm>
-      </p:grpSpPr>
-      <p:sp>
-        <p:nvSpPr>
-          <p:cNvPr id="3" name="Espace réservé du contenu 2"/>
+      <p:sp>
+        <p:nvSpPr>
+          <p:cNvPr id="2" name="Rectangle à coins arrondis 1"/>
+          <p:cNvSpPr/>
+          <p:nvPr/>
+        </p:nvSpPr>
+        <p:spPr>
+          <a:xfrm>
+            <a:off x="107504" y="116632"/>
+            <a:ext cx="3600400" cy="432048"/>
+          </a:xfrm>
+          <a:prstGeom prst="roundRect">
+            <a:avLst/>
+          </a:prstGeom>
+        </p:spPr>
+        <p:style>
+          <a:lnRef idx="1">
+            <a:schemeClr val="accent4"/>
+          </a:lnRef>
+          <a:fillRef idx="3">
+            <a:schemeClr val="accent4"/>
+          </a:fillRef>
+          <a:effectRef idx="2">
+            <a:schemeClr val="accent4"/>
+          </a:effectRef>
+          <a:fontRef idx="minor">
+            <a:schemeClr val="lt1"/>
+          </a:fontRef>
+        </p:style>
+        <p:txBody>
+          <a:bodyPr rtlCol="0" anchor="ctr"/>
+          <a:lstStyle/>
+          <a:p>
+            <a:pPr algn="ctr"/>
+            <a:r>
+              <a:rPr lang="fr-FR" sz="2800" b="1" dirty="0" smtClean="0">
+                <a:effectLst>
+                  <a:outerShdw blurRad="38100" dist="38100" dir="2700000" algn="tl">
+                    <a:srgbClr val="000000">
+                      <a:alpha val="43137"/>
+                    </a:srgbClr>
+                  </a:outerShdw>
+                </a:effectLst>
+                <a:latin typeface="Garamond" pitchFamily="18" charset="0"/>
+              </a:rPr>
+              <a:t>III) Solution proposée</a:t>
+            </a:r>
+            <a:endParaRPr lang="fr-FR" sz="2800" b="1" dirty="0">
+              <a:effectLst>
+                <a:outerShdw blurRad="38100" dist="38100" dir="2700000" algn="tl">
+                  <a:srgbClr val="000000">
+                    <a:alpha val="43137"/>
+                  </a:srgbClr>
+                </a:outerShdw>
+              </a:effectLst>
+              <a:latin typeface="Garamond" pitchFamily="18" charset="0"/>
+            </a:endParaRPr>
+          </a:p>
+        </p:txBody>
+      </p:sp>
+      <p:sp>
+        <p:nvSpPr>
+          <p:cNvPr id="9" name="Rectangle à coins arrondis 8"/>
+          <p:cNvSpPr/>
+          <p:nvPr/>
+        </p:nvSpPr>
+        <p:spPr>
+          <a:xfrm>
+            <a:off x="3851920" y="116632"/>
+            <a:ext cx="5184576" cy="432048"/>
+          </a:xfrm>
+          <a:prstGeom prst="roundRect">
+            <a:avLst/>
+          </a:prstGeom>
+        </p:spPr>
+        <p:style>
+          <a:lnRef idx="1">
+            <a:schemeClr val="accent1"/>
+          </a:lnRef>
+          <a:fillRef idx="3">
+            <a:schemeClr val="accent1"/>
+          </a:fillRef>
+          <a:effectRef idx="2">
+            <a:schemeClr val="accent1"/>
+          </a:effectRef>
+          <a:fontRef idx="minor">
+            <a:schemeClr val="lt1"/>
+          </a:fontRef>
+        </p:style>
+        <p:txBody>
+          <a:bodyPr rtlCol="0" anchor="ctr"/>
+          <a:lstStyle/>
+          <a:p>
+            <a:pPr algn="ctr"/>
+            <a:r>
+              <a:rPr lang="fr-FR" sz="2800" b="1" dirty="0" smtClean="0">
+                <a:effectLst>
+                  <a:outerShdw blurRad="38100" dist="38100" dir="2700000" algn="tl">
+                    <a:srgbClr val="000000">
+                      <a:alpha val="43137"/>
+                    </a:srgbClr>
+                  </a:outerShdw>
+                </a:effectLst>
+                <a:latin typeface="Garamond" pitchFamily="18" charset="0"/>
+              </a:rPr>
+              <a:t>Mots-clés / Thèmes / Tags</a:t>
+            </a:r>
+            <a:endParaRPr lang="fr-FR" sz="2800" b="1" dirty="0">
+              <a:effectLst>
+                <a:outerShdw blurRad="38100" dist="38100" dir="2700000" algn="tl">
+                  <a:srgbClr val="000000">
+                    <a:alpha val="43137"/>
+                  </a:srgbClr>
+                </a:outerShdw>
+              </a:effectLst>
+              <a:latin typeface="Garamond" pitchFamily="18" charset="0"/>
+            </a:endParaRPr>
+          </a:p>
+        </p:txBody>
+      </p:sp>
+      <p:cxnSp>
+        <p:nvCxnSpPr>
+          <p:cNvPr id="5" name="Connecteur droit 4"/>
+          <p:cNvCxnSpPr/>
+          <p:nvPr/>
+        </p:nvCxnSpPr>
+        <p:spPr>
+          <a:xfrm>
+            <a:off x="107504" y="692696"/>
+            <a:ext cx="8928992" cy="0"/>
+          </a:xfrm>
+          <a:prstGeom prst="line">
+            <a:avLst/>
+          </a:prstGeom>
+          <a:ln w="12700">
+            <a:prstDash val="dash"/>
+          </a:ln>
+        </p:spPr>
+        <p:style>
+          <a:lnRef idx="1">
+            <a:schemeClr val="accent1"/>
+          </a:lnRef>
+          <a:fillRef idx="0">
+            <a:schemeClr val="accent1"/>
+          </a:fillRef>
+          <a:effectRef idx="0">
+            <a:schemeClr val="accent1"/>
+          </a:effectRef>
+          <a:fontRef idx="minor">
+            <a:schemeClr val="tx1"/>
+          </a:fontRef>
+        </p:style>
+      </p:cxnSp>
+      <p:cxnSp>
+        <p:nvCxnSpPr>
+          <p:cNvPr id="12" name="Connecteur droit 11"/>
+          <p:cNvCxnSpPr/>
+          <p:nvPr/>
+        </p:nvCxnSpPr>
+        <p:spPr>
+          <a:xfrm>
+            <a:off x="107504" y="6453336"/>
+            <a:ext cx="8928992" cy="0"/>
+          </a:xfrm>
+          <a:prstGeom prst="line">
+            <a:avLst/>
+          </a:prstGeom>
+          <a:ln w="12700">
+            <a:prstDash val="dash"/>
+          </a:ln>
+        </p:spPr>
+        <p:style>
+          <a:lnRef idx="1">
+            <a:schemeClr val="accent1"/>
+          </a:lnRef>
+          <a:fillRef idx="0">
+            <a:schemeClr val="accent1"/>
+          </a:fillRef>
+          <a:effectRef idx="0">
+            <a:schemeClr val="accent1"/>
+          </a:effectRef>
+          <a:fontRef idx="minor">
+            <a:schemeClr val="tx1"/>
+          </a:fontRef>
+        </p:style>
+      </p:cxnSp>
+      <p:sp>
+        <p:nvSpPr>
+          <p:cNvPr id="13" name="Rectangle à coins arrondis 12"/>
+          <p:cNvSpPr/>
+          <p:nvPr/>
+        </p:nvSpPr>
+        <p:spPr>
+          <a:xfrm>
+            <a:off x="96893" y="6518056"/>
+            <a:ext cx="2448272" cy="279648"/>
+          </a:xfrm>
+          <a:prstGeom prst="roundRect">
+            <a:avLst/>
+          </a:prstGeom>
+        </p:spPr>
+        <p:style>
+          <a:lnRef idx="1">
+            <a:schemeClr val="accent3"/>
+          </a:lnRef>
+          <a:fillRef idx="2">
+            <a:schemeClr val="accent3"/>
+          </a:fillRef>
+          <a:effectRef idx="1">
+            <a:schemeClr val="accent3"/>
+          </a:effectRef>
+          <a:fontRef idx="minor">
+            <a:schemeClr val="dk1"/>
+          </a:fontRef>
+        </p:style>
+        <p:txBody>
+          <a:bodyPr rtlCol="0" anchor="ctr"/>
+          <a:lstStyle/>
+          <a:p>
+            <a:pPr algn="ctr"/>
+            <a:r>
+              <a:rPr lang="fr-FR" dirty="0" err="1" smtClean="0">
+                <a:effectLst>
+                  <a:outerShdw blurRad="38100" dist="38100" dir="2700000" algn="tl">
+                    <a:srgbClr val="000000">
+                      <a:alpha val="43137"/>
+                    </a:srgbClr>
+                  </a:outerShdw>
+                </a:effectLst>
+                <a:latin typeface="Garamond" pitchFamily="18" charset="0"/>
+              </a:rPr>
+              <a:t>Observ’Indus</a:t>
+            </a:r>
+            <a:r>
+              <a:rPr lang="fr-FR" dirty="0" smtClean="0">
+                <a:effectLst>
+                  <a:outerShdw blurRad="38100" dist="38100" dir="2700000" algn="tl">
+                    <a:srgbClr val="000000">
+                      <a:alpha val="43137"/>
+                    </a:srgbClr>
+                  </a:outerShdw>
+                </a:effectLst>
+                <a:latin typeface="Garamond" pitchFamily="18" charset="0"/>
+              </a:rPr>
+              <a:t> (</a:t>
+            </a:r>
+            <a:r>
+              <a:rPr lang="fr-FR" dirty="0" err="1" smtClean="0">
+                <a:effectLst>
+                  <a:outerShdw blurRad="38100" dist="38100" dir="2700000" algn="tl">
+                    <a:srgbClr val="000000">
+                      <a:alpha val="43137"/>
+                    </a:srgbClr>
+                  </a:outerShdw>
+                </a:effectLst>
+                <a:latin typeface="Garamond" pitchFamily="18" charset="0"/>
+              </a:rPr>
+              <a:t>HiLaL</a:t>
+            </a:r>
+            <a:r>
+              <a:rPr lang="fr-FR" dirty="0" smtClean="0">
+                <a:effectLst>
+                  <a:outerShdw blurRad="38100" dist="38100" dir="2700000" algn="tl">
+                    <a:srgbClr val="000000">
+                      <a:alpha val="43137"/>
+                    </a:srgbClr>
+                  </a:outerShdw>
+                </a:effectLst>
+                <a:latin typeface="Garamond" pitchFamily="18" charset="0"/>
+              </a:rPr>
+              <a:t>)</a:t>
+            </a:r>
+            <a:endParaRPr lang="fr-FR" dirty="0">
+              <a:effectLst>
+                <a:outerShdw blurRad="38100" dist="38100" dir="2700000" algn="tl">
+                  <a:srgbClr val="000000">
+                    <a:alpha val="43137"/>
+                  </a:srgbClr>
+                </a:outerShdw>
+              </a:effectLst>
+              <a:latin typeface="Garamond" pitchFamily="18" charset="0"/>
+            </a:endParaRPr>
+          </a:p>
+        </p:txBody>
+      </p:sp>
+      <p:sp>
+        <p:nvSpPr>
+          <p:cNvPr id="11" name="Espace réservé du contenu 2"/>
           <p:cNvSpPr>
             <a:spLocks noGrp="1"/>
           </p:cNvSpPr>
           <p:nvPr>
-            <p:ph idx="1"/>
+            <p:ph sz="quarter" idx="1"/>
           </p:nvPr>
         </p:nvSpPr>
         <p:spPr>
           <a:xfrm>
-            <a:off x="500034" y="1357298"/>
-            <a:ext cx="8229600" cy="4572032"/>
+            <a:off x="107504" y="764704"/>
+            <a:ext cx="8928992" cy="5616624"/>
           </a:xfrm>
         </p:spPr>
         <p:txBody>
@@ -5198,51 +5241,342 @@
           </a:bodyPr>
           <a:lstStyle/>
           <a:p>
-            <a:pPr lvl="1">
-              <a:buFont typeface="Courier New" pitchFamily="49" charset="0"/>
-              <a:buChar char="o"/>
+            <a:r>
+              <a:rPr lang="fr-FR" b="1" dirty="0" smtClean="0">
+                <a:solidFill>
+                  <a:schemeClr val="tx2"/>
+                </a:solidFill>
+                <a:effectLst>
+                  <a:outerShdw blurRad="38100" dist="38100" dir="2700000" algn="tl">
+                    <a:srgbClr val="000000">
+                      <a:alpha val="43137"/>
+                    </a:srgbClr>
+                  </a:outerShdw>
+                </a:effectLst>
+              </a:rPr>
+              <a:t>Mots-clés</a:t>
+            </a:r>
+            <a:r>
+              <a:rPr lang="fr-FR" dirty="0" smtClean="0">
+                <a:solidFill>
+                  <a:schemeClr val="tx2"/>
+                </a:solidFill>
+                <a:effectLst>
+                  <a:outerShdw blurRad="38100" dist="38100" dir="2700000" algn="tl">
+                    <a:srgbClr val="000000">
+                      <a:alpha val="43137"/>
+                    </a:srgbClr>
+                  </a:outerShdw>
+                </a:effectLst>
+              </a:rPr>
+              <a:t> permettent de </a:t>
+            </a:r>
+            <a:r>
+              <a:rPr lang="fr-FR" i="1" dirty="0" smtClean="0">
+                <a:solidFill>
+                  <a:schemeClr val="tx2"/>
+                </a:solidFill>
+                <a:effectLst>
+                  <a:outerShdw blurRad="38100" dist="38100" dir="2700000" algn="tl">
+                    <a:srgbClr val="000000">
+                      <a:alpha val="43137"/>
+                    </a:srgbClr>
+                  </a:outerShdw>
+                </a:effectLst>
+              </a:rPr>
+              <a:t>catégoriser</a:t>
+            </a:r>
+            <a:r>
+              <a:rPr lang="fr-FR" dirty="0" smtClean="0">
+                <a:solidFill>
+                  <a:schemeClr val="tx2"/>
+                </a:solidFill>
+                <a:effectLst>
+                  <a:outerShdw blurRad="38100" dist="38100" dir="2700000" algn="tl">
+                    <a:srgbClr val="000000">
+                      <a:alpha val="43137"/>
+                    </a:srgbClr>
+                  </a:outerShdw>
+                </a:effectLst>
+              </a:rPr>
+              <a:t> une entreprise et ses items :</a:t>
+            </a:r>
+          </a:p>
+          <a:p>
+            <a:pPr lvl="1"/>
+            <a:r>
+              <a:rPr lang="fr-FR" dirty="0" smtClean="0">
+                <a:solidFill>
+                  <a:schemeClr val="tx2"/>
+                </a:solidFill>
+                <a:effectLst>
+                  <a:outerShdw blurRad="38100" dist="38100" dir="2700000" algn="tl">
+                    <a:srgbClr val="000000">
+                      <a:alpha val="43137"/>
+                    </a:srgbClr>
+                  </a:outerShdw>
+                </a:effectLst>
+              </a:rPr>
+              <a:t>Thèmes</a:t>
+            </a:r>
+          </a:p>
+          <a:p>
+            <a:pPr lvl="1"/>
+            <a:r>
+              <a:rPr lang="fr-FR" dirty="0" smtClean="0">
+                <a:effectLst>
+                  <a:outerShdw blurRad="38100" dist="38100" dir="2700000" algn="tl">
+                    <a:srgbClr val="000000">
+                      <a:alpha val="43137"/>
+                    </a:srgbClr>
+                  </a:outerShdw>
+                </a:effectLst>
+              </a:rPr>
+              <a:t>Secteur d’activités </a:t>
+            </a:r>
+            <a:r>
+              <a:rPr lang="fr-FR" sz="2000" i="1" dirty="0" smtClean="0">
+                <a:effectLst>
+                  <a:outerShdw blurRad="38100" dist="38100" dir="2700000" algn="tl">
+                    <a:srgbClr val="000000">
+                      <a:alpha val="43137"/>
+                    </a:srgbClr>
+                  </a:outerShdw>
+                </a:effectLst>
+              </a:rPr>
+              <a:t>(agriculture, industrie environnementale, chimie, …)</a:t>
+            </a:r>
+          </a:p>
+          <a:p>
+            <a:pPr lvl="1"/>
+            <a:r>
+              <a:rPr lang="fr-FR" dirty="0" smtClean="0">
+                <a:solidFill>
+                  <a:schemeClr val="tx2"/>
+                </a:solidFill>
+                <a:effectLst>
+                  <a:outerShdw blurRad="38100" dist="38100" dir="2700000" algn="tl">
+                    <a:srgbClr val="000000">
+                      <a:alpha val="43137"/>
+                    </a:srgbClr>
+                  </a:outerShdw>
+                </a:effectLst>
+              </a:rPr>
+              <a:t>Type</a:t>
+            </a:r>
+            <a:r>
+              <a:rPr lang="fr-FR" dirty="0" smtClean="0">
+                <a:effectLst>
+                  <a:outerShdw blurRad="38100" dist="38100" dir="2700000" algn="tl">
+                    <a:srgbClr val="000000">
+                      <a:alpha val="43137"/>
+                    </a:srgbClr>
+                  </a:outerShdw>
+                </a:effectLst>
+              </a:rPr>
+              <a:t> </a:t>
+            </a:r>
+            <a:r>
+              <a:rPr lang="fr-FR" sz="2000" i="1" dirty="0" smtClean="0">
+                <a:effectLst>
+                  <a:outerShdw blurRad="38100" dist="38100" dir="2700000" algn="tl">
+                    <a:srgbClr val="000000">
+                      <a:alpha val="43137"/>
+                    </a:srgbClr>
+                  </a:outerShdw>
+                </a:effectLst>
+              </a:rPr>
+              <a:t>(Site, produit, service, …)</a:t>
+            </a:r>
+          </a:p>
+          <a:p>
+            <a:pPr lvl="1"/>
+            <a:endParaRPr lang="fr-FR" sz="2000" i="1" dirty="0" smtClean="0">
+              <a:effectLst>
+                <a:outerShdw blurRad="38100" dist="38100" dir="2700000" algn="tl">
+                  <a:srgbClr val="000000">
+                    <a:alpha val="43137"/>
+                  </a:srgbClr>
+                </a:outerShdw>
+              </a:effectLst>
+            </a:endParaRPr>
+          </a:p>
+          <a:p>
+            <a:r>
+              <a:rPr lang="fr-FR" b="1" dirty="0" smtClean="0">
+                <a:solidFill>
+                  <a:schemeClr val="tx2"/>
+                </a:solidFill>
+                <a:effectLst>
+                  <a:outerShdw blurRad="38100" dist="38100" dir="2700000" algn="tl">
+                    <a:srgbClr val="000000">
+                      <a:alpha val="43137"/>
+                    </a:srgbClr>
+                  </a:outerShdw>
+                </a:effectLst>
+              </a:rPr>
+              <a:t>Ajout de tags :</a:t>
+            </a:r>
+          </a:p>
+          <a:p>
+            <a:pPr lvl="1"/>
+            <a:r>
+              <a:rPr lang="fr-FR" dirty="0" smtClean="0">
+                <a:effectLst>
+                  <a:outerShdw blurRad="38100" dist="38100" dir="2700000" algn="tl">
+                    <a:srgbClr val="000000">
+                      <a:alpha val="43137"/>
+                    </a:srgbClr>
+                  </a:outerShdw>
+                </a:effectLst>
+              </a:rPr>
+              <a:t>Par l’entreprise : à l’inscription, ou modification</a:t>
+            </a:r>
+          </a:p>
+          <a:p>
+            <a:pPr lvl="1"/>
+            <a:r>
+              <a:rPr lang="fr-FR" dirty="0" smtClean="0">
+                <a:solidFill>
+                  <a:schemeClr val="tx2"/>
+                </a:solidFill>
+                <a:effectLst>
+                  <a:outerShdw blurRad="38100" dist="38100" dir="2700000" algn="tl">
+                    <a:srgbClr val="000000">
+                      <a:alpha val="43137"/>
+                    </a:srgbClr>
+                  </a:outerShdw>
+                </a:effectLst>
+              </a:rPr>
+              <a:t>Par les particuliers : proposition de mots-clés, puis modération par l’entreprise </a:t>
+            </a:r>
+            <a:r>
+              <a:rPr lang="fr-FR" i="1" dirty="0" smtClean="0">
+                <a:solidFill>
+                  <a:schemeClr val="tx2"/>
+                </a:solidFill>
+                <a:effectLst>
+                  <a:outerShdw blurRad="38100" dist="38100" dir="2700000" algn="tl">
+                    <a:srgbClr val="000000">
+                      <a:alpha val="43137"/>
+                    </a:srgbClr>
+                  </a:outerShdw>
+                </a:effectLst>
+              </a:rPr>
+              <a:t>(</a:t>
+            </a:r>
+            <a:r>
+              <a:rPr lang="fr-FR" i="1" dirty="0" smtClean="0">
+                <a:effectLst>
+                  <a:outerShdw blurRad="38100" dist="38100" dir="2700000" algn="tl">
+                    <a:srgbClr val="000000">
+                      <a:alpha val="43137"/>
+                    </a:srgbClr>
+                  </a:outerShdw>
+                </a:effectLst>
+              </a:rPr>
+              <a:t>validation / refus)</a:t>
+            </a:r>
+          </a:p>
+          <a:p>
+            <a:pPr lvl="1"/>
+            <a:endParaRPr lang="fr-FR" i="1" dirty="0">
+              <a:solidFill>
+                <a:schemeClr val="tx2"/>
+              </a:solidFill>
+              <a:effectLst>
+                <a:outerShdw blurRad="38100" dist="38100" dir="2700000" algn="tl">
+                  <a:srgbClr val="000000">
+                    <a:alpha val="43137"/>
+                  </a:srgbClr>
+                </a:outerShdw>
+              </a:effectLst>
+            </a:endParaRPr>
+          </a:p>
+          <a:p>
+            <a:r>
+              <a:rPr lang="fr-FR" b="1" dirty="0" smtClean="0">
+                <a:solidFill>
+                  <a:schemeClr val="tx2"/>
+                </a:solidFill>
+                <a:effectLst>
+                  <a:outerShdw blurRad="38100" dist="38100" dir="2700000" algn="tl">
+                    <a:srgbClr val="000000">
+                      <a:alpha val="43137"/>
+                    </a:srgbClr>
+                  </a:outerShdw>
+                </a:effectLst>
+              </a:rPr>
+              <a:t>Nuage de tags / Liste de tags </a:t>
+            </a:r>
+            <a:r>
+              <a:rPr lang="fr-FR" dirty="0" smtClean="0">
+                <a:solidFill>
+                  <a:schemeClr val="tx2"/>
+                </a:solidFill>
+                <a:effectLst>
+                  <a:outerShdw blurRad="38100" dist="38100" dir="2700000" algn="tl">
+                    <a:srgbClr val="000000">
+                      <a:alpha val="43137"/>
+                    </a:srgbClr>
+                  </a:outerShdw>
+                </a:effectLst>
+              </a:rPr>
+              <a:t>disponible</a:t>
+            </a:r>
+          </a:p>
+          <a:p>
+            <a:pPr marL="0" indent="0">
+              <a:buNone/>
             </a:pPr>
             <a:r>
-              <a:rPr lang="fr-FR" sz="2600" dirty="0" smtClean="0"/>
-              <a:t>Attribution des tags lorsque l’entreprise s’inscrit</a:t>
-            </a:r>
-          </a:p>
-          <a:p>
-            <a:pPr lvl="1">
-              <a:buFont typeface="Courier New" pitchFamily="49" charset="0"/>
-              <a:buChar char="o"/>
-            </a:pPr>
-            <a:r>
-              <a:rPr lang="fr-FR" sz="2600" dirty="0" smtClean="0"/>
-              <a:t>Modération des nouveaux tags ajoutés par les visiteurs </a:t>
-            </a:r>
-          </a:p>
-          <a:p>
-            <a:pPr lvl="1">
-              <a:buFont typeface="Courier New" pitchFamily="49" charset="0"/>
-              <a:buChar char="o"/>
-            </a:pPr>
-            <a:r>
-              <a:rPr lang="fr-FR" sz="2600" dirty="0" smtClean="0"/>
-              <a:t>Modération des tags associés aux entreprises par les visiteurs</a:t>
-            </a:r>
-          </a:p>
-          <a:p>
-            <a:pPr lvl="1">
-              <a:buFont typeface="Courier New" pitchFamily="49" charset="0"/>
-              <a:buChar char="o"/>
-            </a:pPr>
-            <a:r>
-              <a:rPr lang="fr-FR" sz="2600" dirty="0" smtClean="0"/>
-              <a:t>Nuage de tags disponible pour la recherche d’entreprises</a:t>
-            </a:r>
-            <a:endParaRPr lang="fr-FR" sz="2600" dirty="0"/>
+              <a:rPr lang="fr-FR" dirty="0">
+                <a:solidFill>
+                  <a:schemeClr val="tx2"/>
+                </a:solidFill>
+                <a:effectLst>
+                  <a:outerShdw blurRad="38100" dist="38100" dir="2700000" algn="tl">
+                    <a:srgbClr val="000000">
+                      <a:alpha val="43137"/>
+                    </a:srgbClr>
+                  </a:outerShdw>
+                </a:effectLst>
+              </a:rPr>
+              <a:t>	</a:t>
+            </a:r>
+            <a:r>
+              <a:rPr lang="fr-FR" dirty="0" smtClean="0">
+                <a:solidFill>
+                  <a:schemeClr val="tx2"/>
+                </a:solidFill>
+                <a:effectLst>
+                  <a:outerShdw blurRad="38100" dist="38100" dir="2700000" algn="tl">
+                    <a:srgbClr val="000000">
+                      <a:alpha val="43137"/>
+                    </a:srgbClr>
+                  </a:outerShdw>
+                </a:effectLst>
+              </a:rPr>
+              <a:t>pour la recherche d’entreprise</a:t>
+            </a:r>
+            <a:endParaRPr lang="fr-FR" dirty="0">
+              <a:solidFill>
+                <a:schemeClr val="tx2"/>
+              </a:solidFill>
+              <a:effectLst>
+                <a:outerShdw blurRad="38100" dist="38100" dir="2700000" algn="tl">
+                  <a:srgbClr val="000000">
+                    <a:alpha val="43137"/>
+                  </a:srgbClr>
+                </a:outerShdw>
+              </a:effectLst>
+            </a:endParaRPr>
           </a:p>
         </p:txBody>
       </p:sp>
       <p:pic>
         <p:nvPicPr>
-          <p:cNvPr id="4" name="Picture 3"/>
+          <p:cNvPr id="22" name="Picture 3"/>
           <p:cNvPicPr>
             <a:picLocks noChangeAspect="1" noChangeArrowheads="1"/>
           </p:cNvPicPr>
@@ -5263,8 +5597,8 @@
         </p:blipFill>
         <p:spPr bwMode="auto">
           <a:xfrm>
-            <a:off x="5500694" y="4000504"/>
-            <a:ext cx="3317760" cy="2488581"/>
+            <a:off x="6588224" y="4653136"/>
+            <a:ext cx="2185843" cy="1639554"/>
           </a:xfrm>
           <a:prstGeom prst="rect">
             <a:avLst/>
@@ -5309,9 +5643,46 @@
           </a:extLst>
         </p:spPr>
       </p:pic>
-      <p:sp>
-        <p:nvSpPr>
-          <p:cNvPr id="5" name="Titre 1"/>
+    </p:spTree>
+    <p:extLst>
+      <p:ext uri="{BB962C8B-B14F-4D97-AF65-F5344CB8AC3E}">
+        <p14:creationId xmlns:p14="http://schemas.microsoft.com/office/powerpoint/2010/main" val="71383519"/>
+      </p:ext>
+    </p:extLst>
+  </p:cSld>
+  <p:clrMapOvr>
+    <a:masterClrMapping/>
+  </p:clrMapOvr>
+  <p:timing>
+    <p:tnLst>
+      <p:par>
+        <p:cTn id="1" dur="indefinite" restart="never" nodeType="tmRoot"/>
+      </p:par>
+    </p:tnLst>
+  </p:timing>
+</p:sld>
+</file>
+
+<file path=ppt/slides/slide11.xml><?xml version="1.0" encoding="utf-8"?>
+<p:sld xmlns:a="http://schemas.openxmlformats.org/drawingml/2006/main" xmlns:r="http://schemas.openxmlformats.org/officeDocument/2006/relationships" xmlns:p="http://schemas.openxmlformats.org/presentationml/2006/main" showMasterSp="0">
+  <p:cSld>
+    <p:spTree>
+      <p:nvGrpSpPr>
+        <p:cNvPr id="1" name=""/>
+        <p:cNvGrpSpPr/>
+        <p:nvPr/>
+      </p:nvGrpSpPr>
+      <p:grpSpPr>
+        <a:xfrm>
+          <a:off x="0" y="0"/>
+          <a:ext cx="0" cy="0"/>
+          <a:chOff x="0" y="0"/>
+          <a:chExt cx="0" cy="0"/>
+        </a:xfrm>
+      </p:grpSpPr>
+      <p:sp>
+        <p:nvSpPr>
+          <p:cNvPr id="7" name="Titre 1"/>
           <p:cNvSpPr txBox="1">
             <a:spLocks/>
           </p:cNvSpPr>
@@ -5319,8 +5690,8 @@
         </p:nvSpPr>
         <p:spPr>
           <a:xfrm>
-            <a:off x="480368" y="6381327"/>
-            <a:ext cx="8229600" cy="360042"/>
+            <a:off x="806896" y="6497958"/>
+            <a:ext cx="8229600" cy="319845"/>
           </a:xfrm>
           <a:prstGeom prst="rect">
             <a:avLst/>
@@ -5328,7 +5699,7 @@
         </p:spPr>
         <p:txBody>
           <a:bodyPr vert="horz" anchor="b" anchorCtr="0">
-            <a:normAutofit/>
+            <a:normAutofit lnSpcReduction="10000"/>
           </a:bodyPr>
           <a:lstStyle>
             <a:lvl1pPr algn="l" rtl="0" eaLnBrk="1" latinLnBrk="0" hangingPunct="1">
@@ -5350,62 +5721,824 @@
             <a:pPr algn="r"/>
             <a:r>
               <a:rPr lang="fr-FR" sz="1600" i="1" dirty="0" smtClean="0">
+                <a:effectLst>
+                  <a:outerShdw blurRad="38100" dist="38100" dir="2700000" algn="tl">
+                    <a:srgbClr val="000000">
+                      <a:alpha val="43137"/>
+                    </a:srgbClr>
+                  </a:outerShdw>
+                </a:effectLst>
                 <a:latin typeface="+mn-lt"/>
               </a:rPr>
-              <a:t>Soutenance de </a:t>
-            </a:r>
-            <a:r>
-              <a:rPr lang="fr-FR" sz="1600" i="1" dirty="0" smtClean="0">
-                <a:latin typeface="+mn-lt"/>
-              </a:rPr>
-              <a:t>projet IF16 – </a:t>
-            </a:r>
-            <a:r>
-              <a:rPr lang="fr-FR" sz="1600" i="1" dirty="0" err="1" smtClean="0">
-                <a:latin typeface="+mn-lt"/>
-              </a:rPr>
-              <a:t>Observ’Indus</a:t>
-            </a:r>
-            <a:r>
-              <a:rPr lang="fr-FR" sz="1600" i="1" dirty="0" smtClean="0">
-                <a:latin typeface="+mn-lt"/>
-              </a:rPr>
-              <a:t> (</a:t>
-            </a:r>
-            <a:r>
-              <a:rPr lang="fr-FR" sz="1600" i="1" dirty="0" err="1" smtClean="0">
-                <a:latin typeface="+mn-lt"/>
-              </a:rPr>
-              <a:t>HiLal</a:t>
-            </a:r>
-            <a:r>
-              <a:rPr lang="fr-FR" sz="1600" i="1" dirty="0" smtClean="0">
-                <a:latin typeface="+mn-lt"/>
-              </a:rPr>
-              <a:t>) – </a:t>
-            </a:r>
-            <a:r>
-              <a:rPr lang="fr-FR" sz="1600" i="1" dirty="0" smtClean="0">
-                <a:latin typeface="+mn-lt"/>
-              </a:rPr>
-              <a:t>13 Décembre </a:t>
-            </a:r>
-            <a:r>
-              <a:rPr lang="fr-FR" sz="1600" i="1" dirty="0" smtClean="0">
-                <a:latin typeface="+mn-lt"/>
-              </a:rPr>
-              <a:t>2012</a:t>
+              <a:t>Soutenance de projet IF16 – 13 Décembre 2012</a:t>
             </a:r>
             <a:endParaRPr lang="fr-FR" sz="1600" i="1" dirty="0">
+              <a:effectLst>
+                <a:outerShdw blurRad="38100" dist="38100" dir="2700000" algn="tl">
+                  <a:srgbClr val="000000">
+                    <a:alpha val="43137"/>
+                  </a:srgbClr>
+                </a:outerShdw>
+              </a:effectLst>
               <a:latin typeface="+mn-lt"/>
             </a:endParaRPr>
+          </a:p>
+        </p:txBody>
+      </p:sp>
+      <p:sp>
+        <p:nvSpPr>
+          <p:cNvPr id="2" name="Rectangle à coins arrondis 1"/>
+          <p:cNvSpPr/>
+          <p:nvPr/>
+        </p:nvSpPr>
+        <p:spPr>
+          <a:xfrm>
+            <a:off x="107504" y="116632"/>
+            <a:ext cx="3600400" cy="432048"/>
+          </a:xfrm>
+          <a:prstGeom prst="roundRect">
+            <a:avLst/>
+          </a:prstGeom>
+        </p:spPr>
+        <p:style>
+          <a:lnRef idx="1">
+            <a:schemeClr val="accent4"/>
+          </a:lnRef>
+          <a:fillRef idx="3">
+            <a:schemeClr val="accent4"/>
+          </a:fillRef>
+          <a:effectRef idx="2">
+            <a:schemeClr val="accent4"/>
+          </a:effectRef>
+          <a:fontRef idx="minor">
+            <a:schemeClr val="lt1"/>
+          </a:fontRef>
+        </p:style>
+        <p:txBody>
+          <a:bodyPr rtlCol="0" anchor="ctr"/>
+          <a:lstStyle/>
+          <a:p>
+            <a:pPr algn="ctr"/>
+            <a:r>
+              <a:rPr lang="fr-FR" sz="2800" b="1" dirty="0" smtClean="0">
+                <a:effectLst>
+                  <a:outerShdw blurRad="38100" dist="38100" dir="2700000" algn="tl">
+                    <a:srgbClr val="000000">
+                      <a:alpha val="43137"/>
+                    </a:srgbClr>
+                  </a:outerShdw>
+                </a:effectLst>
+                <a:latin typeface="Garamond" pitchFamily="18" charset="0"/>
+              </a:rPr>
+              <a:t>III) Solution proposée</a:t>
+            </a:r>
+            <a:endParaRPr lang="fr-FR" sz="2800" b="1" dirty="0">
+              <a:effectLst>
+                <a:outerShdw blurRad="38100" dist="38100" dir="2700000" algn="tl">
+                  <a:srgbClr val="000000">
+                    <a:alpha val="43137"/>
+                  </a:srgbClr>
+                </a:outerShdw>
+              </a:effectLst>
+              <a:latin typeface="Garamond" pitchFamily="18" charset="0"/>
+            </a:endParaRPr>
+          </a:p>
+        </p:txBody>
+      </p:sp>
+      <p:sp>
+        <p:nvSpPr>
+          <p:cNvPr id="9" name="Rectangle à coins arrondis 8"/>
+          <p:cNvSpPr/>
+          <p:nvPr/>
+        </p:nvSpPr>
+        <p:spPr>
+          <a:xfrm>
+            <a:off x="3851920" y="116632"/>
+            <a:ext cx="5184576" cy="432048"/>
+          </a:xfrm>
+          <a:prstGeom prst="roundRect">
+            <a:avLst/>
+          </a:prstGeom>
+        </p:spPr>
+        <p:style>
+          <a:lnRef idx="1">
+            <a:schemeClr val="accent1"/>
+          </a:lnRef>
+          <a:fillRef idx="3">
+            <a:schemeClr val="accent1"/>
+          </a:fillRef>
+          <a:effectRef idx="2">
+            <a:schemeClr val="accent1"/>
+          </a:effectRef>
+          <a:fontRef idx="minor">
+            <a:schemeClr val="lt1"/>
+          </a:fontRef>
+        </p:style>
+        <p:txBody>
+          <a:bodyPr rtlCol="0" anchor="ctr"/>
+          <a:lstStyle/>
+          <a:p>
+            <a:pPr algn="ctr"/>
+            <a:r>
+              <a:rPr lang="fr-FR" sz="2800" b="1" dirty="0" smtClean="0">
+                <a:effectLst>
+                  <a:outerShdw blurRad="38100" dist="38100" dir="2700000" algn="tl">
+                    <a:srgbClr val="000000">
+                      <a:alpha val="43137"/>
+                    </a:srgbClr>
+                  </a:outerShdw>
+                </a:effectLst>
+                <a:latin typeface="Garamond" pitchFamily="18" charset="0"/>
+              </a:rPr>
+              <a:t>Coopération</a:t>
+            </a:r>
+            <a:endParaRPr lang="fr-FR" sz="2800" b="1" dirty="0">
+              <a:effectLst>
+                <a:outerShdw blurRad="38100" dist="38100" dir="2700000" algn="tl">
+                  <a:srgbClr val="000000">
+                    <a:alpha val="43137"/>
+                  </a:srgbClr>
+                </a:outerShdw>
+              </a:effectLst>
+              <a:latin typeface="Garamond" pitchFamily="18" charset="0"/>
+            </a:endParaRPr>
+          </a:p>
+        </p:txBody>
+      </p:sp>
+      <p:cxnSp>
+        <p:nvCxnSpPr>
+          <p:cNvPr id="5" name="Connecteur droit 4"/>
+          <p:cNvCxnSpPr/>
+          <p:nvPr/>
+        </p:nvCxnSpPr>
+        <p:spPr>
+          <a:xfrm>
+            <a:off x="107504" y="692696"/>
+            <a:ext cx="8928992" cy="0"/>
+          </a:xfrm>
+          <a:prstGeom prst="line">
+            <a:avLst/>
+          </a:prstGeom>
+          <a:ln w="12700">
+            <a:prstDash val="dash"/>
+          </a:ln>
+        </p:spPr>
+        <p:style>
+          <a:lnRef idx="1">
+            <a:schemeClr val="accent1"/>
+          </a:lnRef>
+          <a:fillRef idx="0">
+            <a:schemeClr val="accent1"/>
+          </a:fillRef>
+          <a:effectRef idx="0">
+            <a:schemeClr val="accent1"/>
+          </a:effectRef>
+          <a:fontRef idx="minor">
+            <a:schemeClr val="tx1"/>
+          </a:fontRef>
+        </p:style>
+      </p:cxnSp>
+      <p:cxnSp>
+        <p:nvCxnSpPr>
+          <p:cNvPr id="12" name="Connecteur droit 11"/>
+          <p:cNvCxnSpPr/>
+          <p:nvPr/>
+        </p:nvCxnSpPr>
+        <p:spPr>
+          <a:xfrm>
+            <a:off x="107504" y="6453336"/>
+            <a:ext cx="8928992" cy="0"/>
+          </a:xfrm>
+          <a:prstGeom prst="line">
+            <a:avLst/>
+          </a:prstGeom>
+          <a:ln w="12700">
+            <a:prstDash val="dash"/>
+          </a:ln>
+        </p:spPr>
+        <p:style>
+          <a:lnRef idx="1">
+            <a:schemeClr val="accent1"/>
+          </a:lnRef>
+          <a:fillRef idx="0">
+            <a:schemeClr val="accent1"/>
+          </a:fillRef>
+          <a:effectRef idx="0">
+            <a:schemeClr val="accent1"/>
+          </a:effectRef>
+          <a:fontRef idx="minor">
+            <a:schemeClr val="tx1"/>
+          </a:fontRef>
+        </p:style>
+      </p:cxnSp>
+      <p:sp>
+        <p:nvSpPr>
+          <p:cNvPr id="13" name="Rectangle à coins arrondis 12"/>
+          <p:cNvSpPr/>
+          <p:nvPr/>
+        </p:nvSpPr>
+        <p:spPr>
+          <a:xfrm>
+            <a:off x="96893" y="6518056"/>
+            <a:ext cx="2448272" cy="279648"/>
+          </a:xfrm>
+          <a:prstGeom prst="roundRect">
+            <a:avLst/>
+          </a:prstGeom>
+        </p:spPr>
+        <p:style>
+          <a:lnRef idx="1">
+            <a:schemeClr val="accent3"/>
+          </a:lnRef>
+          <a:fillRef idx="2">
+            <a:schemeClr val="accent3"/>
+          </a:fillRef>
+          <a:effectRef idx="1">
+            <a:schemeClr val="accent3"/>
+          </a:effectRef>
+          <a:fontRef idx="minor">
+            <a:schemeClr val="dk1"/>
+          </a:fontRef>
+        </p:style>
+        <p:txBody>
+          <a:bodyPr rtlCol="0" anchor="ctr"/>
+          <a:lstStyle/>
+          <a:p>
+            <a:pPr algn="ctr"/>
+            <a:r>
+              <a:rPr lang="fr-FR" dirty="0" err="1" smtClean="0">
+                <a:effectLst>
+                  <a:outerShdw blurRad="38100" dist="38100" dir="2700000" algn="tl">
+                    <a:srgbClr val="000000">
+                      <a:alpha val="43137"/>
+                    </a:srgbClr>
+                  </a:outerShdw>
+                </a:effectLst>
+                <a:latin typeface="Garamond" pitchFamily="18" charset="0"/>
+              </a:rPr>
+              <a:t>Observ’Indus</a:t>
+            </a:r>
+            <a:r>
+              <a:rPr lang="fr-FR" dirty="0" smtClean="0">
+                <a:effectLst>
+                  <a:outerShdw blurRad="38100" dist="38100" dir="2700000" algn="tl">
+                    <a:srgbClr val="000000">
+                      <a:alpha val="43137"/>
+                    </a:srgbClr>
+                  </a:outerShdw>
+                </a:effectLst>
+                <a:latin typeface="Garamond" pitchFamily="18" charset="0"/>
+              </a:rPr>
+              <a:t> (</a:t>
+            </a:r>
+            <a:r>
+              <a:rPr lang="fr-FR" dirty="0" err="1" smtClean="0">
+                <a:effectLst>
+                  <a:outerShdw blurRad="38100" dist="38100" dir="2700000" algn="tl">
+                    <a:srgbClr val="000000">
+                      <a:alpha val="43137"/>
+                    </a:srgbClr>
+                  </a:outerShdw>
+                </a:effectLst>
+                <a:latin typeface="Garamond" pitchFamily="18" charset="0"/>
+              </a:rPr>
+              <a:t>HiLaL</a:t>
+            </a:r>
+            <a:r>
+              <a:rPr lang="fr-FR" dirty="0" smtClean="0">
+                <a:effectLst>
+                  <a:outerShdw blurRad="38100" dist="38100" dir="2700000" algn="tl">
+                    <a:srgbClr val="000000">
+                      <a:alpha val="43137"/>
+                    </a:srgbClr>
+                  </a:outerShdw>
+                </a:effectLst>
+                <a:latin typeface="Garamond" pitchFamily="18" charset="0"/>
+              </a:rPr>
+              <a:t>)</a:t>
+            </a:r>
+            <a:endParaRPr lang="fr-FR" dirty="0">
+              <a:effectLst>
+                <a:outerShdw blurRad="38100" dist="38100" dir="2700000" algn="tl">
+                  <a:srgbClr val="000000">
+                    <a:alpha val="43137"/>
+                  </a:srgbClr>
+                </a:outerShdw>
+              </a:effectLst>
+              <a:latin typeface="Garamond" pitchFamily="18" charset="0"/>
+            </a:endParaRPr>
+          </a:p>
+        </p:txBody>
+      </p:sp>
+      <p:sp>
+        <p:nvSpPr>
+          <p:cNvPr id="11" name="Espace réservé du contenu 2"/>
+          <p:cNvSpPr>
+            <a:spLocks noGrp="1"/>
+          </p:cNvSpPr>
+          <p:nvPr>
+            <p:ph sz="quarter" idx="1"/>
+          </p:nvPr>
+        </p:nvSpPr>
+        <p:spPr>
+          <a:xfrm>
+            <a:off x="107504" y="764704"/>
+            <a:ext cx="8928992" cy="5616624"/>
+          </a:xfrm>
+        </p:spPr>
+        <p:txBody>
+          <a:bodyPr>
+            <a:normAutofit fontScale="77500" lnSpcReduction="20000"/>
+          </a:bodyPr>
+          <a:lstStyle/>
+          <a:p>
+            <a:r>
+              <a:rPr lang="fr-FR" b="1" dirty="0">
+                <a:solidFill>
+                  <a:schemeClr val="tx2"/>
+                </a:solidFill>
+                <a:effectLst>
+                  <a:outerShdw blurRad="38100" dist="38100" dir="2700000" algn="tl">
+                    <a:srgbClr val="000000">
+                      <a:alpha val="43137"/>
+                    </a:srgbClr>
+                  </a:outerShdw>
+                </a:effectLst>
+              </a:rPr>
+              <a:t>Visualiser </a:t>
+            </a:r>
+            <a:r>
+              <a:rPr lang="fr-FR" b="1" dirty="0" smtClean="0">
+                <a:solidFill>
+                  <a:schemeClr val="tx2"/>
+                </a:solidFill>
+                <a:effectLst>
+                  <a:outerShdw blurRad="38100" dist="38100" dir="2700000" algn="tl">
+                    <a:srgbClr val="000000">
+                      <a:alpha val="43137"/>
+                    </a:srgbClr>
+                  </a:outerShdw>
+                </a:effectLst>
+              </a:rPr>
+              <a:t>les flux </a:t>
+            </a:r>
+            <a:r>
+              <a:rPr lang="fr-FR" dirty="0" smtClean="0">
+                <a:solidFill>
+                  <a:schemeClr val="tx2"/>
+                </a:solidFill>
+                <a:effectLst>
+                  <a:outerShdw blurRad="38100" dist="38100" dir="2700000" algn="tl">
+                    <a:srgbClr val="000000">
+                      <a:alpha val="43137"/>
+                    </a:srgbClr>
+                  </a:outerShdw>
+                </a:effectLst>
+              </a:rPr>
+              <a:t>(ce </a:t>
+            </a:r>
+            <a:r>
+              <a:rPr lang="fr-FR" dirty="0">
+                <a:solidFill>
+                  <a:schemeClr val="tx2"/>
+                </a:solidFill>
+                <a:effectLst>
+                  <a:outerShdw blurRad="38100" dist="38100" dir="2700000" algn="tl">
+                    <a:srgbClr val="000000">
+                      <a:alpha val="43137"/>
+                    </a:srgbClr>
+                  </a:outerShdw>
+                </a:effectLst>
+              </a:rPr>
+              <a:t>qui sort et ce qui rentre dans une </a:t>
+            </a:r>
+            <a:r>
+              <a:rPr lang="fr-FR" dirty="0" smtClean="0">
+                <a:solidFill>
+                  <a:schemeClr val="tx2"/>
+                </a:solidFill>
+                <a:effectLst>
+                  <a:outerShdw blurRad="38100" dist="38100" dir="2700000" algn="tl">
+                    <a:srgbClr val="000000">
+                      <a:alpha val="43137"/>
+                    </a:srgbClr>
+                  </a:outerShdw>
+                </a:effectLst>
+              </a:rPr>
+              <a:t>entreprise) </a:t>
+            </a:r>
+            <a:r>
+              <a:rPr lang="fr-FR" dirty="0">
+                <a:solidFill>
+                  <a:schemeClr val="tx2"/>
+                </a:solidFill>
+                <a:effectLst>
+                  <a:outerShdw blurRad="38100" dist="38100" dir="2700000" algn="tl">
+                    <a:srgbClr val="000000">
+                      <a:alpha val="43137"/>
+                    </a:srgbClr>
+                  </a:outerShdw>
+                </a:effectLst>
+              </a:rPr>
+              <a:t>en cliquant dessus sur la carte :</a:t>
+            </a:r>
+          </a:p>
+          <a:p>
+            <a:pPr lvl="1"/>
+            <a:r>
+              <a:rPr lang="fr-FR" dirty="0">
+                <a:solidFill>
+                  <a:schemeClr val="tx2"/>
+                </a:solidFill>
+                <a:effectLst>
+                  <a:outerShdw blurRad="38100" dist="38100" dir="2700000" algn="tl">
+                    <a:srgbClr val="000000">
+                      <a:alpha val="43137"/>
+                    </a:srgbClr>
+                  </a:outerShdw>
+                </a:effectLst>
+              </a:rPr>
+              <a:t>Matières premières</a:t>
+            </a:r>
+          </a:p>
+          <a:p>
+            <a:pPr lvl="1"/>
+            <a:r>
+              <a:rPr lang="fr-FR" dirty="0">
+                <a:solidFill>
+                  <a:schemeClr val="tx2"/>
+                </a:solidFill>
+                <a:effectLst>
+                  <a:outerShdw blurRad="38100" dist="38100" dir="2700000" algn="tl">
+                    <a:srgbClr val="000000">
+                      <a:alpha val="43137"/>
+                    </a:srgbClr>
+                  </a:outerShdw>
+                </a:effectLst>
+              </a:rPr>
+              <a:t>Déchets de l’entreprise</a:t>
+            </a:r>
+          </a:p>
+          <a:p>
+            <a:endParaRPr lang="fr-FR" dirty="0">
+              <a:solidFill>
+                <a:schemeClr val="tx2"/>
+              </a:solidFill>
+              <a:effectLst>
+                <a:outerShdw blurRad="38100" dist="38100" dir="2700000" algn="tl">
+                  <a:srgbClr val="000000">
+                    <a:alpha val="43137"/>
+                  </a:srgbClr>
+                </a:outerShdw>
+              </a:effectLst>
+            </a:endParaRPr>
+          </a:p>
+          <a:p>
+            <a:r>
+              <a:rPr lang="fr-FR" b="1" dirty="0">
+                <a:solidFill>
+                  <a:schemeClr val="tx2"/>
+                </a:solidFill>
+                <a:effectLst>
+                  <a:outerShdw blurRad="38100" dist="38100" dir="2700000" algn="tl">
+                    <a:srgbClr val="000000">
+                      <a:alpha val="43137"/>
+                    </a:srgbClr>
+                  </a:outerShdw>
+                </a:effectLst>
+              </a:rPr>
+              <a:t>Demander un partenariat/une coopération </a:t>
+            </a:r>
+            <a:r>
+              <a:rPr lang="fr-FR" dirty="0">
+                <a:solidFill>
+                  <a:schemeClr val="tx2"/>
+                </a:solidFill>
+                <a:effectLst>
+                  <a:outerShdw blurRad="38100" dist="38100" dir="2700000" algn="tl">
+                    <a:srgbClr val="000000">
+                      <a:alpha val="43137"/>
+                    </a:srgbClr>
+                  </a:outerShdw>
+                </a:effectLst>
+              </a:rPr>
+              <a:t>avec une autre entreprise en sélectionnant un </a:t>
+            </a:r>
+            <a:r>
+              <a:rPr lang="fr-FR" dirty="0" smtClean="0">
+                <a:solidFill>
+                  <a:schemeClr val="tx2"/>
+                </a:solidFill>
+                <a:effectLst>
+                  <a:outerShdw blurRad="38100" dist="38100" dir="2700000" algn="tl">
+                    <a:srgbClr val="000000">
+                      <a:alpha val="43137"/>
+                    </a:srgbClr>
+                  </a:outerShdw>
+                </a:effectLst>
+              </a:rPr>
+              <a:t>item :</a:t>
+            </a:r>
+            <a:endParaRPr lang="fr-FR" dirty="0">
+              <a:solidFill>
+                <a:schemeClr val="tx2"/>
+              </a:solidFill>
+              <a:effectLst>
+                <a:outerShdw blurRad="38100" dist="38100" dir="2700000" algn="tl">
+                  <a:srgbClr val="000000">
+                    <a:alpha val="43137"/>
+                  </a:srgbClr>
+                </a:outerShdw>
+              </a:effectLst>
+            </a:endParaRPr>
+          </a:p>
+          <a:p>
+            <a:pPr lvl="1"/>
+            <a:r>
+              <a:rPr lang="fr-FR" dirty="0" smtClean="0">
+                <a:solidFill>
+                  <a:schemeClr val="tx2"/>
+                </a:solidFill>
+                <a:effectLst>
+                  <a:outerShdw blurRad="38100" dist="38100" dir="2700000" algn="tl">
+                    <a:srgbClr val="000000">
+                      <a:alpha val="43137"/>
+                    </a:srgbClr>
+                  </a:outerShdw>
+                </a:effectLst>
+              </a:rPr>
+              <a:t>Définir le type de flux</a:t>
+            </a:r>
+            <a:endParaRPr lang="fr-FR" dirty="0">
+              <a:solidFill>
+                <a:schemeClr val="tx2"/>
+              </a:solidFill>
+              <a:effectLst>
+                <a:outerShdw blurRad="38100" dist="38100" dir="2700000" algn="tl">
+                  <a:srgbClr val="000000">
+                    <a:alpha val="43137"/>
+                  </a:srgbClr>
+                </a:outerShdw>
+              </a:effectLst>
+            </a:endParaRPr>
+          </a:p>
+          <a:p>
+            <a:pPr lvl="1"/>
+            <a:r>
+              <a:rPr lang="fr-FR" dirty="0" smtClean="0">
+                <a:solidFill>
+                  <a:schemeClr val="tx2"/>
+                </a:solidFill>
+                <a:effectLst>
+                  <a:outerShdw blurRad="38100" dist="38100" dir="2700000" algn="tl">
+                    <a:srgbClr val="000000">
+                      <a:alpha val="43137"/>
+                    </a:srgbClr>
+                  </a:outerShdw>
+                </a:effectLst>
+              </a:rPr>
+              <a:t>Ajouter une description</a:t>
+            </a:r>
+            <a:endParaRPr lang="fr-FR" dirty="0">
+              <a:solidFill>
+                <a:schemeClr val="tx2"/>
+              </a:solidFill>
+              <a:effectLst>
+                <a:outerShdw blurRad="38100" dist="38100" dir="2700000" algn="tl">
+                  <a:srgbClr val="000000">
+                    <a:alpha val="43137"/>
+                  </a:srgbClr>
+                </a:outerShdw>
+              </a:effectLst>
+            </a:endParaRPr>
+          </a:p>
+          <a:p>
+            <a:endParaRPr lang="fr-FR" dirty="0">
+              <a:solidFill>
+                <a:schemeClr val="tx2"/>
+              </a:solidFill>
+              <a:effectLst>
+                <a:outerShdw blurRad="38100" dist="38100" dir="2700000" algn="tl">
+                  <a:srgbClr val="000000">
+                    <a:alpha val="43137"/>
+                  </a:srgbClr>
+                </a:outerShdw>
+              </a:effectLst>
+            </a:endParaRPr>
+          </a:p>
+          <a:p>
+            <a:r>
+              <a:rPr lang="fr-FR" b="1" dirty="0">
+                <a:solidFill>
+                  <a:schemeClr val="tx2"/>
+                </a:solidFill>
+                <a:effectLst>
+                  <a:outerShdw blurRad="38100" dist="38100" dir="2700000" algn="tl">
+                    <a:srgbClr val="000000">
+                      <a:alpha val="43137"/>
+                    </a:srgbClr>
+                  </a:outerShdw>
+                </a:effectLst>
+              </a:rPr>
+              <a:t>Filtres sur la carte</a:t>
+            </a:r>
+          </a:p>
+          <a:p>
+            <a:pPr lvl="1"/>
+            <a:r>
+              <a:rPr lang="fr-FR" dirty="0">
+                <a:solidFill>
+                  <a:schemeClr val="tx2"/>
+                </a:solidFill>
+                <a:effectLst>
+                  <a:outerShdw blurRad="38100" dist="38100" dir="2700000" algn="tl">
+                    <a:srgbClr val="000000">
+                      <a:alpha val="43137"/>
+                    </a:srgbClr>
+                  </a:outerShdw>
+                </a:effectLst>
+              </a:rPr>
+              <a:t>Afficher les clients </a:t>
+            </a:r>
+            <a:r>
+              <a:rPr lang="fr-FR" i="1" dirty="0">
+                <a:solidFill>
+                  <a:schemeClr val="tx2"/>
+                </a:solidFill>
+                <a:effectLst>
+                  <a:outerShdw blurRad="38100" dist="38100" dir="2700000" algn="tl">
+                    <a:srgbClr val="000000">
+                      <a:alpha val="43137"/>
+                    </a:srgbClr>
+                  </a:outerShdw>
+                </a:effectLst>
+              </a:rPr>
+              <a:t>(flèches sortantes)</a:t>
+            </a:r>
+          </a:p>
+          <a:p>
+            <a:pPr lvl="1"/>
+            <a:r>
+              <a:rPr lang="fr-FR" dirty="0">
+                <a:solidFill>
+                  <a:schemeClr val="tx2"/>
+                </a:solidFill>
+                <a:effectLst>
+                  <a:outerShdw blurRad="38100" dist="38100" dir="2700000" algn="tl">
+                    <a:srgbClr val="000000">
+                      <a:alpha val="43137"/>
+                    </a:srgbClr>
+                  </a:outerShdw>
+                </a:effectLst>
+              </a:rPr>
+              <a:t>Afficher les fournisseurs </a:t>
+            </a:r>
+            <a:r>
+              <a:rPr lang="fr-FR" i="1" dirty="0">
+                <a:solidFill>
+                  <a:schemeClr val="tx2"/>
+                </a:solidFill>
+                <a:effectLst>
+                  <a:outerShdw blurRad="38100" dist="38100" dir="2700000" algn="tl">
+                    <a:srgbClr val="000000">
+                      <a:alpha val="43137"/>
+                    </a:srgbClr>
+                  </a:outerShdw>
+                </a:effectLst>
+              </a:rPr>
+              <a:t>(flèches entrantes</a:t>
+            </a:r>
+            <a:r>
+              <a:rPr lang="fr-FR" i="1" dirty="0" smtClean="0">
+                <a:solidFill>
+                  <a:schemeClr val="tx2"/>
+                </a:solidFill>
+                <a:effectLst>
+                  <a:outerShdw blurRad="38100" dist="38100" dir="2700000" algn="tl">
+                    <a:srgbClr val="000000">
+                      <a:alpha val="43137"/>
+                    </a:srgbClr>
+                  </a:outerShdw>
+                </a:effectLst>
+              </a:rPr>
+              <a:t>)</a:t>
+            </a:r>
+            <a:endParaRPr lang="fr-FR" i="1" dirty="0">
+              <a:solidFill>
+                <a:schemeClr val="tx2"/>
+              </a:solidFill>
+              <a:effectLst>
+                <a:outerShdw blurRad="38100" dist="38100" dir="2700000" algn="tl">
+                  <a:srgbClr val="000000">
+                    <a:alpha val="43137"/>
+                  </a:srgbClr>
+                </a:outerShdw>
+              </a:effectLst>
+            </a:endParaRPr>
+          </a:p>
+          <a:p>
+            <a:endParaRPr lang="fr-FR" dirty="0">
+              <a:solidFill>
+                <a:schemeClr val="tx2"/>
+              </a:solidFill>
+              <a:effectLst>
+                <a:outerShdw blurRad="38100" dist="38100" dir="2700000" algn="tl">
+                  <a:srgbClr val="000000">
+                    <a:alpha val="43137"/>
+                  </a:srgbClr>
+                </a:outerShdw>
+              </a:effectLst>
+            </a:endParaRPr>
+          </a:p>
+          <a:p>
+            <a:r>
+              <a:rPr lang="fr-FR" b="1" dirty="0" smtClean="0">
+                <a:solidFill>
+                  <a:schemeClr val="tx2"/>
+                </a:solidFill>
+                <a:effectLst>
+                  <a:outerShdw blurRad="38100" dist="38100" dir="2700000" algn="tl">
+                    <a:srgbClr val="000000">
+                      <a:alpha val="43137"/>
+                    </a:srgbClr>
+                  </a:outerShdw>
+                </a:effectLst>
+              </a:rPr>
+              <a:t>Ajout de commentaires</a:t>
+            </a:r>
+            <a:endParaRPr lang="fr-FR" dirty="0">
+              <a:solidFill>
+                <a:schemeClr val="tx2"/>
+              </a:solidFill>
+              <a:effectLst>
+                <a:outerShdw blurRad="38100" dist="38100" dir="2700000" algn="tl">
+                  <a:srgbClr val="000000">
+                    <a:alpha val="43137"/>
+                  </a:srgbClr>
+                </a:outerShdw>
+              </a:effectLst>
+            </a:endParaRPr>
+          </a:p>
+          <a:p>
+            <a:pPr lvl="1"/>
+            <a:r>
+              <a:rPr lang="fr-FR" dirty="0">
+                <a:solidFill>
+                  <a:schemeClr val="tx2"/>
+                </a:solidFill>
+                <a:effectLst>
+                  <a:outerShdw blurRad="38100" dist="38100" dir="2700000" algn="tl">
+                    <a:srgbClr val="000000">
+                      <a:alpha val="43137"/>
+                    </a:srgbClr>
+                  </a:outerShdw>
+                </a:effectLst>
+              </a:rPr>
+              <a:t>Par des particuliers</a:t>
+            </a:r>
+          </a:p>
+          <a:p>
+            <a:pPr lvl="1"/>
+            <a:r>
+              <a:rPr lang="fr-FR" dirty="0">
+                <a:solidFill>
+                  <a:schemeClr val="tx2"/>
+                </a:solidFill>
+                <a:effectLst>
+                  <a:outerShdw blurRad="38100" dist="38100" dir="2700000" algn="tl">
+                    <a:srgbClr val="000000">
+                      <a:alpha val="43137"/>
+                    </a:srgbClr>
+                  </a:outerShdw>
+                </a:effectLst>
+              </a:rPr>
+              <a:t>Par des entreprises</a:t>
+            </a:r>
+          </a:p>
+          <a:p>
+            <a:pPr lvl="1"/>
+            <a:r>
+              <a:rPr lang="fr-FR" dirty="0">
+                <a:solidFill>
+                  <a:schemeClr val="tx2"/>
+                </a:solidFill>
+                <a:effectLst>
+                  <a:outerShdw blurRad="38100" dist="38100" dir="2700000" algn="tl">
+                    <a:srgbClr val="000000">
+                      <a:alpha val="43137"/>
+                    </a:srgbClr>
+                  </a:outerShdw>
+                </a:effectLst>
+              </a:rPr>
+              <a:t>Modérés par un administrateur et rendus publics si validés</a:t>
+            </a:r>
           </a:p>
         </p:txBody>
       </p:sp>
     </p:spTree>
     <p:extLst>
       <p:ext uri="{BB962C8B-B14F-4D97-AF65-F5344CB8AC3E}">
-        <p14:creationId xmlns:p14="http://schemas.microsoft.com/office/powerpoint/2010/main" val="3317143833"/>
+        <p14:creationId xmlns:p14="http://schemas.microsoft.com/office/powerpoint/2010/main" val="1837917203"/>
       </p:ext>
     </p:extLst>
   </p:cSld>
@@ -5423,7 +6556,7 @@
 </file>
 
 <file path=ppt/slides/slide12.xml><?xml version="1.0" encoding="utf-8"?>
-<p:sld xmlns:a="http://schemas.openxmlformats.org/drawingml/2006/main" xmlns:r="http://schemas.openxmlformats.org/officeDocument/2006/relationships" xmlns:p="http://schemas.openxmlformats.org/presentationml/2006/main">
+<p:sld xmlns:a="http://schemas.openxmlformats.org/drawingml/2006/main" xmlns:r="http://schemas.openxmlformats.org/officeDocument/2006/relationships" xmlns:p="http://schemas.openxmlformats.org/presentationml/2006/main" showMasterSp="0">
   <p:cSld>
     <p:spTree>
       <p:nvGrpSpPr>
@@ -5441,226 +6574,7 @@
       </p:grpSpPr>
       <p:sp>
         <p:nvSpPr>
-          <p:cNvPr id="3" name="Espace réservé du contenu 2"/>
-          <p:cNvSpPr>
-            <a:spLocks noGrp="1"/>
-          </p:cNvSpPr>
-          <p:nvPr>
-            <p:ph idx="1"/>
-          </p:nvPr>
-        </p:nvSpPr>
-        <p:spPr>
-          <a:xfrm>
-            <a:off x="428596" y="214290"/>
-            <a:ext cx="8215370" cy="6429420"/>
-          </a:xfrm>
-        </p:spPr>
-        <p:txBody>
-          <a:bodyPr>
-            <a:normAutofit fontScale="47500" lnSpcReduction="20000"/>
-          </a:bodyPr>
-          <a:lstStyle/>
-          <a:p>
-            <a:r>
-              <a:rPr lang="fr-FR" sz="5100" u="sng" dirty="0" smtClean="0"/>
-              <a:t>Coopération :</a:t>
-            </a:r>
-          </a:p>
-          <a:p>
-            <a:pPr>
-              <a:buNone/>
-            </a:pPr>
-            <a:endParaRPr lang="fr-FR" sz="3500" u="sng" dirty="0" smtClean="0"/>
-          </a:p>
-          <a:p>
-            <a:pPr lvl="1">
-              <a:buFont typeface="Courier New" pitchFamily="49" charset="0"/>
-              <a:buChar char="o"/>
-            </a:pPr>
-            <a:r>
-              <a:rPr lang="fr-FR" sz="4000" dirty="0" smtClean="0"/>
-              <a:t>Visualiser ce qui sort et ce qui rentre dans une entreprise en cliquant dessus sur la carte :</a:t>
-            </a:r>
-          </a:p>
-          <a:p>
-            <a:pPr lvl="2">
-              <a:buFont typeface="Wingdings" pitchFamily="2" charset="2"/>
-              <a:buChar char="Ø"/>
-            </a:pPr>
-            <a:r>
-              <a:rPr lang="fr-FR" sz="3300" dirty="0" smtClean="0"/>
-              <a:t>Matières premières</a:t>
-            </a:r>
-          </a:p>
-          <a:p>
-            <a:pPr lvl="2">
-              <a:buFont typeface="Wingdings" pitchFamily="2" charset="2"/>
-              <a:buChar char="Ø"/>
-            </a:pPr>
-            <a:r>
-              <a:rPr lang="fr-FR" sz="3300" dirty="0" smtClean="0"/>
-              <a:t>Déchets de l’entreprise</a:t>
-            </a:r>
-          </a:p>
-          <a:p>
-            <a:pPr lvl="2">
-              <a:buNone/>
-            </a:pPr>
-            <a:endParaRPr lang="fr-FR" dirty="0" smtClean="0"/>
-          </a:p>
-          <a:p>
-            <a:pPr lvl="1">
-              <a:buFont typeface="Courier New" pitchFamily="49" charset="0"/>
-              <a:buChar char="o"/>
-            </a:pPr>
-            <a:r>
-              <a:rPr lang="fr-FR" sz="4000" dirty="0" smtClean="0"/>
-              <a:t>Demander un partenariat/une coopération avec une autre entreprise en sélectionnant un objet :</a:t>
-            </a:r>
-          </a:p>
-          <a:p>
-            <a:pPr lvl="2">
-              <a:buFont typeface="Wingdings" pitchFamily="2" charset="2"/>
-              <a:buChar char="Ø"/>
-            </a:pPr>
-            <a:r>
-              <a:rPr lang="fr-FR" sz="3300" dirty="0" smtClean="0"/>
-              <a:t>Remplir un formulaire</a:t>
-            </a:r>
-          </a:p>
-          <a:p>
-            <a:pPr lvl="2">
-              <a:buFont typeface="Wingdings" pitchFamily="2" charset="2"/>
-              <a:buChar char="Ø"/>
-            </a:pPr>
-            <a:r>
-              <a:rPr lang="fr-FR" sz="3300" dirty="0" smtClean="0"/>
-              <a:t>Soumettre la demande de partenariat/coopération</a:t>
-            </a:r>
-          </a:p>
-          <a:p>
-            <a:pPr lvl="2">
-              <a:buNone/>
-            </a:pPr>
-            <a:endParaRPr lang="fr-FR" sz="2600" dirty="0" smtClean="0"/>
-          </a:p>
-          <a:p>
-            <a:pPr lvl="1">
-              <a:buFont typeface="Courier New" pitchFamily="49" charset="0"/>
-              <a:buChar char="o"/>
-            </a:pPr>
-            <a:r>
-              <a:rPr lang="fr-FR" sz="4000" dirty="0" smtClean="0"/>
-              <a:t>Filtres sur la carte</a:t>
-            </a:r>
-          </a:p>
-          <a:p>
-            <a:pPr lvl="2">
-              <a:buFont typeface="Wingdings" pitchFamily="2" charset="2"/>
-              <a:buChar char="Ø"/>
-            </a:pPr>
-            <a:r>
-              <a:rPr lang="fr-FR" sz="3300" dirty="0" smtClean="0"/>
-              <a:t>Afficher les clients (flèches sortantes)</a:t>
-            </a:r>
-          </a:p>
-          <a:p>
-            <a:pPr lvl="2">
-              <a:buFont typeface="Wingdings" pitchFamily="2" charset="2"/>
-              <a:buChar char="Ø"/>
-            </a:pPr>
-            <a:r>
-              <a:rPr lang="fr-FR" sz="3300" dirty="0" smtClean="0"/>
-              <a:t>Afficher les fournisseurs (flèches entrantes)</a:t>
-            </a:r>
-          </a:p>
-          <a:p>
-            <a:pPr lvl="2">
-              <a:buNone/>
-            </a:pPr>
-            <a:endParaRPr lang="fr-FR" sz="2800" dirty="0" smtClean="0"/>
-          </a:p>
-          <a:p>
-            <a:pPr lvl="1">
-              <a:buFont typeface="Courier New" pitchFamily="49" charset="0"/>
-              <a:buChar char="o"/>
-            </a:pPr>
-            <a:r>
-              <a:rPr lang="fr-FR" sz="4000" dirty="0" smtClean="0">
-                <a:solidFill>
-                  <a:prstClr val="black"/>
-                </a:solidFill>
-              </a:rPr>
-              <a:t>Commentaires en cliquant sur une icône de la carte</a:t>
-            </a:r>
-          </a:p>
-          <a:p>
-            <a:pPr lvl="2">
-              <a:buFont typeface="Wingdings" pitchFamily="2" charset="2"/>
-              <a:buChar char="Ø"/>
-            </a:pPr>
-            <a:r>
-              <a:rPr lang="fr-FR" sz="3300" dirty="0" smtClean="0">
-                <a:solidFill>
-                  <a:prstClr val="black"/>
-                </a:solidFill>
-              </a:rPr>
-              <a:t>Par des particuliers</a:t>
-            </a:r>
-          </a:p>
-          <a:p>
-            <a:pPr lvl="2">
-              <a:buFont typeface="Wingdings" pitchFamily="2" charset="2"/>
-              <a:buChar char="Ø"/>
-            </a:pPr>
-            <a:r>
-              <a:rPr lang="fr-FR" sz="3300" dirty="0" smtClean="0">
-                <a:solidFill>
-                  <a:prstClr val="black"/>
-                </a:solidFill>
-              </a:rPr>
-              <a:t>Par des entreprises</a:t>
-            </a:r>
-          </a:p>
-          <a:p>
-            <a:pPr lvl="2">
-              <a:buFont typeface="Wingdings" pitchFamily="2" charset="2"/>
-              <a:buChar char="Ø"/>
-            </a:pPr>
-            <a:r>
-              <a:rPr lang="fr-FR" sz="3300" dirty="0" smtClean="0">
-                <a:solidFill>
-                  <a:prstClr val="black"/>
-                </a:solidFill>
-              </a:rPr>
-              <a:t>Modérés par un administrateur et rendus publics si validés</a:t>
-            </a:r>
-          </a:p>
-          <a:p>
-            <a:pPr lvl="2" indent="-603250">
-              <a:buNone/>
-            </a:pPr>
-            <a:endParaRPr lang="fr-FR" sz="2600" dirty="0" smtClean="0"/>
-          </a:p>
-          <a:p>
-            <a:pPr lvl="1"/>
-            <a:endParaRPr lang="fr-FR" u="sng" dirty="0" smtClean="0"/>
-          </a:p>
-          <a:p>
-            <a:pPr>
-              <a:buNone/>
-            </a:pPr>
-            <a:r>
-              <a:rPr lang="fr-FR" dirty="0" smtClean="0"/>
-              <a:t>	</a:t>
-            </a:r>
-            <a:endParaRPr lang="fr-FR" dirty="0"/>
-          </a:p>
-        </p:txBody>
-      </p:sp>
-      <p:sp>
-        <p:nvSpPr>
-          <p:cNvPr id="4" name="Titre 1"/>
+          <p:cNvPr id="7" name="Titre 1"/>
           <p:cNvSpPr txBox="1">
             <a:spLocks/>
           </p:cNvSpPr>
@@ -5668,8 +6582,8 @@
         </p:nvSpPr>
         <p:spPr>
           <a:xfrm>
-            <a:off x="480368" y="6381327"/>
-            <a:ext cx="8229600" cy="360042"/>
+            <a:off x="806896" y="6497958"/>
+            <a:ext cx="8229600" cy="319845"/>
           </a:xfrm>
           <a:prstGeom prst="rect">
             <a:avLst/>
@@ -5677,7 +6591,7 @@
         </p:spPr>
         <p:txBody>
           <a:bodyPr vert="horz" anchor="b" anchorCtr="0">
-            <a:normAutofit/>
+            <a:normAutofit lnSpcReduction="10000"/>
           </a:bodyPr>
           <a:lstStyle>
             <a:lvl1pPr algn="l" rtl="0" eaLnBrk="1" latinLnBrk="0" hangingPunct="1">
@@ -5699,62 +6613,360 @@
             <a:pPr algn="r"/>
             <a:r>
               <a:rPr lang="fr-FR" sz="1600" i="1" dirty="0" smtClean="0">
+                <a:effectLst>
+                  <a:outerShdw blurRad="38100" dist="38100" dir="2700000" algn="tl">
+                    <a:srgbClr val="000000">
+                      <a:alpha val="43137"/>
+                    </a:srgbClr>
+                  </a:outerShdw>
+                </a:effectLst>
                 <a:latin typeface="+mn-lt"/>
               </a:rPr>
-              <a:t>Soutenance de </a:t>
-            </a:r>
-            <a:r>
-              <a:rPr lang="fr-FR" sz="1600" i="1" dirty="0" smtClean="0">
-                <a:latin typeface="+mn-lt"/>
-              </a:rPr>
-              <a:t>projet IF16 – </a:t>
-            </a:r>
-            <a:r>
-              <a:rPr lang="fr-FR" sz="1600" i="1" dirty="0" err="1" smtClean="0">
-                <a:latin typeface="+mn-lt"/>
-              </a:rPr>
-              <a:t>Observ’Indus</a:t>
-            </a:r>
-            <a:r>
-              <a:rPr lang="fr-FR" sz="1600" i="1" dirty="0" smtClean="0">
-                <a:latin typeface="+mn-lt"/>
-              </a:rPr>
-              <a:t> (</a:t>
-            </a:r>
-            <a:r>
-              <a:rPr lang="fr-FR" sz="1600" i="1" dirty="0" err="1" smtClean="0">
-                <a:latin typeface="+mn-lt"/>
-              </a:rPr>
-              <a:t>HiLal</a:t>
-            </a:r>
-            <a:r>
-              <a:rPr lang="fr-FR" sz="1600" i="1" dirty="0" smtClean="0">
-                <a:latin typeface="+mn-lt"/>
-              </a:rPr>
-              <a:t>) – </a:t>
-            </a:r>
-            <a:r>
-              <a:rPr lang="fr-FR" sz="1600" i="1" dirty="0" smtClean="0">
-                <a:latin typeface="+mn-lt"/>
-              </a:rPr>
-              <a:t>13 Décembre </a:t>
-            </a:r>
-            <a:r>
-              <a:rPr lang="fr-FR" sz="1600" i="1" dirty="0" smtClean="0">
-                <a:latin typeface="+mn-lt"/>
-              </a:rPr>
-              <a:t>2012</a:t>
+              <a:t>Soutenance de projet IF16 – 13 Décembre 2012</a:t>
             </a:r>
             <a:endParaRPr lang="fr-FR" sz="1600" i="1" dirty="0">
+              <a:effectLst>
+                <a:outerShdw blurRad="38100" dist="38100" dir="2700000" algn="tl">
+                  <a:srgbClr val="000000">
+                    <a:alpha val="43137"/>
+                  </a:srgbClr>
+                </a:outerShdw>
+              </a:effectLst>
               <a:latin typeface="+mn-lt"/>
             </a:endParaRPr>
           </a:p>
         </p:txBody>
       </p:sp>
+      <p:sp>
+        <p:nvSpPr>
+          <p:cNvPr id="2" name="Rectangle à coins arrondis 1"/>
+          <p:cNvSpPr/>
+          <p:nvPr/>
+        </p:nvSpPr>
+        <p:spPr>
+          <a:xfrm>
+            <a:off x="107505" y="116632"/>
+            <a:ext cx="2304255" cy="432048"/>
+          </a:xfrm>
+          <a:prstGeom prst="roundRect">
+            <a:avLst/>
+          </a:prstGeom>
+        </p:spPr>
+        <p:style>
+          <a:lnRef idx="1">
+            <a:schemeClr val="accent4"/>
+          </a:lnRef>
+          <a:fillRef idx="3">
+            <a:schemeClr val="accent4"/>
+          </a:fillRef>
+          <a:effectRef idx="2">
+            <a:schemeClr val="accent4"/>
+          </a:effectRef>
+          <a:fontRef idx="minor">
+            <a:schemeClr val="lt1"/>
+          </a:fontRef>
+        </p:style>
+        <p:txBody>
+          <a:bodyPr rtlCol="0" anchor="ctr"/>
+          <a:lstStyle/>
+          <a:p>
+            <a:pPr algn="ctr"/>
+            <a:r>
+              <a:rPr lang="fr-FR" sz="2800" b="1" dirty="0" smtClean="0">
+                <a:effectLst>
+                  <a:outerShdw blurRad="38100" dist="38100" dir="2700000" algn="tl">
+                    <a:srgbClr val="000000">
+                      <a:alpha val="43137"/>
+                    </a:srgbClr>
+                  </a:outerShdw>
+                </a:effectLst>
+                <a:latin typeface="Garamond" pitchFamily="18" charset="0"/>
+              </a:rPr>
+              <a:t>IV) Prototype</a:t>
+            </a:r>
+            <a:endParaRPr lang="fr-FR" sz="2800" b="1" dirty="0">
+              <a:effectLst>
+                <a:outerShdw blurRad="38100" dist="38100" dir="2700000" algn="tl">
+                  <a:srgbClr val="000000">
+                    <a:alpha val="43137"/>
+                  </a:srgbClr>
+                </a:outerShdw>
+              </a:effectLst>
+              <a:latin typeface="Garamond" pitchFamily="18" charset="0"/>
+            </a:endParaRPr>
+          </a:p>
+        </p:txBody>
+      </p:sp>
+      <p:sp>
+        <p:nvSpPr>
+          <p:cNvPr id="9" name="Rectangle à coins arrondis 8"/>
+          <p:cNvSpPr/>
+          <p:nvPr/>
+        </p:nvSpPr>
+        <p:spPr>
+          <a:xfrm>
+            <a:off x="2545165" y="116632"/>
+            <a:ext cx="6491331" cy="432048"/>
+          </a:xfrm>
+          <a:prstGeom prst="roundRect">
+            <a:avLst/>
+          </a:prstGeom>
+        </p:spPr>
+        <p:style>
+          <a:lnRef idx="1">
+            <a:schemeClr val="accent1"/>
+          </a:lnRef>
+          <a:fillRef idx="3">
+            <a:schemeClr val="accent1"/>
+          </a:fillRef>
+          <a:effectRef idx="2">
+            <a:schemeClr val="accent1"/>
+          </a:effectRef>
+          <a:fontRef idx="minor">
+            <a:schemeClr val="lt1"/>
+          </a:fontRef>
+        </p:style>
+        <p:txBody>
+          <a:bodyPr rtlCol="0" anchor="ctr"/>
+          <a:lstStyle/>
+          <a:p>
+            <a:pPr algn="ctr"/>
+            <a:r>
+              <a:rPr lang="fr-FR" sz="2800" b="1" dirty="0" smtClean="0">
+                <a:effectLst>
+                  <a:outerShdw blurRad="38100" dist="38100" dir="2700000" algn="tl">
+                    <a:srgbClr val="000000">
+                      <a:alpha val="43137"/>
+                    </a:srgbClr>
+                  </a:outerShdw>
+                </a:effectLst>
+                <a:latin typeface="Garamond" pitchFamily="18" charset="0"/>
+              </a:rPr>
+              <a:t>Particulier : proposer un mot-clé</a:t>
+            </a:r>
+            <a:endParaRPr lang="fr-FR" sz="2800" b="1" dirty="0">
+              <a:effectLst>
+                <a:outerShdw blurRad="38100" dist="38100" dir="2700000" algn="tl">
+                  <a:srgbClr val="000000">
+                    <a:alpha val="43137"/>
+                  </a:srgbClr>
+                </a:outerShdw>
+              </a:effectLst>
+              <a:latin typeface="Garamond" pitchFamily="18" charset="0"/>
+            </a:endParaRPr>
+          </a:p>
+        </p:txBody>
+      </p:sp>
+      <p:cxnSp>
+        <p:nvCxnSpPr>
+          <p:cNvPr id="5" name="Connecteur droit 4"/>
+          <p:cNvCxnSpPr/>
+          <p:nvPr/>
+        </p:nvCxnSpPr>
+        <p:spPr>
+          <a:xfrm>
+            <a:off x="107504" y="692696"/>
+            <a:ext cx="8928992" cy="0"/>
+          </a:xfrm>
+          <a:prstGeom prst="line">
+            <a:avLst/>
+          </a:prstGeom>
+          <a:ln w="12700">
+            <a:prstDash val="dash"/>
+          </a:ln>
+        </p:spPr>
+        <p:style>
+          <a:lnRef idx="1">
+            <a:schemeClr val="accent1"/>
+          </a:lnRef>
+          <a:fillRef idx="0">
+            <a:schemeClr val="accent1"/>
+          </a:fillRef>
+          <a:effectRef idx="0">
+            <a:schemeClr val="accent1"/>
+          </a:effectRef>
+          <a:fontRef idx="minor">
+            <a:schemeClr val="tx1"/>
+          </a:fontRef>
+        </p:style>
+      </p:cxnSp>
+      <p:cxnSp>
+        <p:nvCxnSpPr>
+          <p:cNvPr id="12" name="Connecteur droit 11"/>
+          <p:cNvCxnSpPr/>
+          <p:nvPr/>
+        </p:nvCxnSpPr>
+        <p:spPr>
+          <a:xfrm>
+            <a:off x="107504" y="6453336"/>
+            <a:ext cx="8928992" cy="0"/>
+          </a:xfrm>
+          <a:prstGeom prst="line">
+            <a:avLst/>
+          </a:prstGeom>
+          <a:ln w="12700">
+            <a:prstDash val="dash"/>
+          </a:ln>
+        </p:spPr>
+        <p:style>
+          <a:lnRef idx="1">
+            <a:schemeClr val="accent1"/>
+          </a:lnRef>
+          <a:fillRef idx="0">
+            <a:schemeClr val="accent1"/>
+          </a:fillRef>
+          <a:effectRef idx="0">
+            <a:schemeClr val="accent1"/>
+          </a:effectRef>
+          <a:fontRef idx="minor">
+            <a:schemeClr val="tx1"/>
+          </a:fontRef>
+        </p:style>
+      </p:cxnSp>
+      <p:sp>
+        <p:nvSpPr>
+          <p:cNvPr id="13" name="Rectangle à coins arrondis 12"/>
+          <p:cNvSpPr/>
+          <p:nvPr/>
+        </p:nvSpPr>
+        <p:spPr>
+          <a:xfrm>
+            <a:off x="96893" y="6518056"/>
+            <a:ext cx="2448272" cy="279648"/>
+          </a:xfrm>
+          <a:prstGeom prst="roundRect">
+            <a:avLst/>
+          </a:prstGeom>
+        </p:spPr>
+        <p:style>
+          <a:lnRef idx="1">
+            <a:schemeClr val="accent3"/>
+          </a:lnRef>
+          <a:fillRef idx="2">
+            <a:schemeClr val="accent3"/>
+          </a:fillRef>
+          <a:effectRef idx="1">
+            <a:schemeClr val="accent3"/>
+          </a:effectRef>
+          <a:fontRef idx="minor">
+            <a:schemeClr val="dk1"/>
+          </a:fontRef>
+        </p:style>
+        <p:txBody>
+          <a:bodyPr rtlCol="0" anchor="ctr"/>
+          <a:lstStyle/>
+          <a:p>
+            <a:pPr algn="ctr"/>
+            <a:r>
+              <a:rPr lang="fr-FR" dirty="0" err="1" smtClean="0">
+                <a:effectLst>
+                  <a:outerShdw blurRad="38100" dist="38100" dir="2700000" algn="tl">
+                    <a:srgbClr val="000000">
+                      <a:alpha val="43137"/>
+                    </a:srgbClr>
+                  </a:outerShdw>
+                </a:effectLst>
+                <a:latin typeface="Garamond" pitchFamily="18" charset="0"/>
+              </a:rPr>
+              <a:t>Observ’Indus</a:t>
+            </a:r>
+            <a:r>
+              <a:rPr lang="fr-FR" dirty="0" smtClean="0">
+                <a:effectLst>
+                  <a:outerShdw blurRad="38100" dist="38100" dir="2700000" algn="tl">
+                    <a:srgbClr val="000000">
+                      <a:alpha val="43137"/>
+                    </a:srgbClr>
+                  </a:outerShdw>
+                </a:effectLst>
+                <a:latin typeface="Garamond" pitchFamily="18" charset="0"/>
+              </a:rPr>
+              <a:t> (</a:t>
+            </a:r>
+            <a:r>
+              <a:rPr lang="fr-FR" dirty="0" err="1" smtClean="0">
+                <a:effectLst>
+                  <a:outerShdw blurRad="38100" dist="38100" dir="2700000" algn="tl">
+                    <a:srgbClr val="000000">
+                      <a:alpha val="43137"/>
+                    </a:srgbClr>
+                  </a:outerShdw>
+                </a:effectLst>
+                <a:latin typeface="Garamond" pitchFamily="18" charset="0"/>
+              </a:rPr>
+              <a:t>HiLaL</a:t>
+            </a:r>
+            <a:r>
+              <a:rPr lang="fr-FR" dirty="0" smtClean="0">
+                <a:effectLst>
+                  <a:outerShdw blurRad="38100" dist="38100" dir="2700000" algn="tl">
+                    <a:srgbClr val="000000">
+                      <a:alpha val="43137"/>
+                    </a:srgbClr>
+                  </a:outerShdw>
+                </a:effectLst>
+                <a:latin typeface="Garamond" pitchFamily="18" charset="0"/>
+              </a:rPr>
+              <a:t>)</a:t>
+            </a:r>
+            <a:endParaRPr lang="fr-FR" dirty="0">
+              <a:effectLst>
+                <a:outerShdw blurRad="38100" dist="38100" dir="2700000" algn="tl">
+                  <a:srgbClr val="000000">
+                    <a:alpha val="43137"/>
+                  </a:srgbClr>
+                </a:outerShdw>
+              </a:effectLst>
+              <a:latin typeface="Garamond" pitchFamily="18" charset="0"/>
+            </a:endParaRPr>
+          </a:p>
+        </p:txBody>
+      </p:sp>
+      <p:pic>
+        <p:nvPicPr>
+          <p:cNvPr id="4098" name="Picture 2" descr="C:\Users\Jeremie\Documents\Etudes\2011 - Diplome Ingenieur Informatique (UTT)\Semestre 4\IF16 - Groupware et workflow - concepts et mise en oeuvre\Projet\Maquettes\Screenshots Balsamiq\VISITEUR+-+Accueil.png"/>
+          <p:cNvPicPr>
+            <a:picLocks noChangeAspect="1" noChangeArrowheads="1"/>
+          </p:cNvPicPr>
+          <p:nvPr/>
+        </p:nvPicPr>
+        <p:blipFill>
+          <a:blip r:embed="rId2">
+            <a:extLst>
+              <a:ext uri="{28A0092B-C50C-407E-A947-70E740481C1C}">
+                <a14:useLocalDpi xmlns:a14="http://schemas.microsoft.com/office/drawing/2010/main" val="0"/>
+              </a:ext>
+            </a:extLst>
+          </a:blip>
+          <a:srcRect/>
+          <a:stretch>
+            <a:fillRect/>
+          </a:stretch>
+        </p:blipFill>
+        <p:spPr bwMode="auto">
+          <a:xfrm>
+            <a:off x="775538" y="763731"/>
+            <a:ext cx="7540878" cy="5655659"/>
+          </a:xfrm>
+          <a:prstGeom prst="rect">
+            <a:avLst/>
+          </a:prstGeom>
+          <a:noFill/>
+          <a:extLst>
+            <a:ext uri="{909E8E84-426E-40DD-AFC4-6F175D3DCCD1}">
+              <a14:hiddenFill xmlns:a14="http://schemas.microsoft.com/office/drawing/2010/main">
+                <a:solidFill>
+                  <a:srgbClr val="FFFFFF"/>
+                </a:solidFill>
+              </a14:hiddenFill>
+            </a:ext>
+          </a:extLst>
+        </p:spPr>
+      </p:pic>
     </p:spTree>
     <p:extLst>
       <p:ext uri="{BB962C8B-B14F-4D97-AF65-F5344CB8AC3E}">
-        <p14:creationId xmlns:p14="http://schemas.microsoft.com/office/powerpoint/2010/main" val="1416532263"/>
+        <p14:creationId xmlns:p14="http://schemas.microsoft.com/office/powerpoint/2010/main" val="870574876"/>
       </p:ext>
     </p:extLst>
   </p:cSld>
@@ -5838,46 +7050,7 @@
                 </a:effectLst>
                 <a:latin typeface="+mn-lt"/>
               </a:rPr>
-              <a:t>Soutenance de </a:t>
-            </a:r>
-            <a:r>
-              <a:rPr lang="fr-FR" sz="1600" i="1" dirty="0" smtClean="0">
-                <a:effectLst>
-                  <a:outerShdw blurRad="38100" dist="38100" dir="2700000" algn="tl">
-                    <a:srgbClr val="000000">
-                      <a:alpha val="43137"/>
-                    </a:srgbClr>
-                  </a:outerShdw>
-                </a:effectLst>
-                <a:latin typeface="+mn-lt"/>
-              </a:rPr>
-              <a:t>projet IF16 </a:t>
-            </a:r>
-            <a:r>
-              <a:rPr lang="fr-FR" sz="1600" i="1" dirty="0" smtClean="0">
-                <a:effectLst>
-                  <a:outerShdw blurRad="38100" dist="38100" dir="2700000" algn="tl">
-                    <a:srgbClr val="000000">
-                      <a:alpha val="43137"/>
-                    </a:srgbClr>
-                  </a:outerShdw>
-                </a:effectLst>
-                <a:latin typeface="+mn-lt"/>
-              </a:rPr>
-              <a:t>– 13 Décembre </a:t>
-            </a:r>
-            <a:r>
-              <a:rPr lang="fr-FR" sz="1600" i="1" dirty="0" smtClean="0">
-                <a:effectLst>
-                  <a:outerShdw blurRad="38100" dist="38100" dir="2700000" algn="tl">
-                    <a:srgbClr val="000000">
-                      <a:alpha val="43137"/>
-                    </a:srgbClr>
-                  </a:outerShdw>
-                </a:effectLst>
-                <a:latin typeface="+mn-lt"/>
-              </a:rPr>
-              <a:t>2012</a:t>
+              <a:t>Soutenance de projet IF16 – 13 Décembre 2012</a:t>
             </a:r>
             <a:endParaRPr lang="fr-FR" sz="1600" i="1" dirty="0">
               <a:effectLst>
@@ -5900,8 +7073,8 @@
         </p:nvSpPr>
         <p:spPr>
           <a:xfrm>
-            <a:off x="107504" y="116632"/>
-            <a:ext cx="1944216" cy="432048"/>
+            <a:off x="107505" y="116632"/>
+            <a:ext cx="2304255" cy="432048"/>
           </a:xfrm>
           <a:prstGeom prst="roundRect">
             <a:avLst/>
@@ -5937,7 +7110,67 @@
                 </a:effectLst>
                 <a:latin typeface="Garamond" pitchFamily="18" charset="0"/>
               </a:rPr>
-              <a:t>Conclusion</a:t>
+              <a:t>IV) Prototype</a:t>
+            </a:r>
+            <a:endParaRPr lang="fr-FR" sz="2800" b="1" dirty="0">
+              <a:effectLst>
+                <a:outerShdw blurRad="38100" dist="38100" dir="2700000" algn="tl">
+                  <a:srgbClr val="000000">
+                    <a:alpha val="43137"/>
+                  </a:srgbClr>
+                </a:outerShdw>
+              </a:effectLst>
+              <a:latin typeface="Garamond" pitchFamily="18" charset="0"/>
+            </a:endParaRPr>
+          </a:p>
+        </p:txBody>
+      </p:sp>
+      <p:sp>
+        <p:nvSpPr>
+          <p:cNvPr id="9" name="Rectangle à coins arrondis 8"/>
+          <p:cNvSpPr/>
+          <p:nvPr/>
+        </p:nvSpPr>
+        <p:spPr>
+          <a:xfrm>
+            <a:off x="2545165" y="116632"/>
+            <a:ext cx="6491331" cy="432048"/>
+          </a:xfrm>
+          <a:prstGeom prst="roundRect">
+            <a:avLst/>
+          </a:prstGeom>
+        </p:spPr>
+        <p:style>
+          <a:lnRef idx="1">
+            <a:schemeClr val="accent1"/>
+          </a:lnRef>
+          <a:fillRef idx="3">
+            <a:schemeClr val="accent1"/>
+          </a:fillRef>
+          <a:effectRef idx="2">
+            <a:schemeClr val="accent1"/>
+          </a:effectRef>
+          <a:fontRef idx="minor">
+            <a:schemeClr val="lt1"/>
+          </a:fontRef>
+        </p:style>
+        <p:txBody>
+          <a:bodyPr rtlCol="0" anchor="ctr"/>
+          <a:lstStyle/>
+          <a:p>
+            <a:pPr algn="ctr"/>
+            <a:r>
+              <a:rPr lang="fr-FR" sz="2800" b="1" dirty="0" smtClean="0">
+                <a:effectLst>
+                  <a:outerShdw blurRad="38100" dist="38100" dir="2700000" algn="tl">
+                    <a:srgbClr val="000000">
+                      <a:alpha val="43137"/>
+                    </a:srgbClr>
+                  </a:outerShdw>
+                </a:effectLst>
+                <a:latin typeface="Garamond" pitchFamily="18" charset="0"/>
+              </a:rPr>
+              <a:t>Particulier : proposer un mot-clé</a:t>
             </a:r>
             <a:endParaRPr lang="fr-FR" sz="2800" b="1" dirty="0">
               <a:effectLst>
@@ -6020,59 +7253,7 @@
       </p:cxnSp>
       <p:sp>
         <p:nvSpPr>
-          <p:cNvPr id="15" name="Espace réservé du contenu 2"/>
-          <p:cNvSpPr>
-            <a:spLocks noGrp="1"/>
-          </p:cNvSpPr>
-          <p:nvPr>
-            <p:ph sz="quarter" idx="1"/>
-          </p:nvPr>
-        </p:nvSpPr>
-        <p:spPr>
-          <a:xfrm>
-            <a:off x="107504" y="836712"/>
-            <a:ext cx="8928992" cy="5544616"/>
-          </a:xfrm>
-        </p:spPr>
-        <p:txBody>
-          <a:bodyPr>
-            <a:normAutofit/>
-          </a:bodyPr>
-          <a:lstStyle/>
-          <a:p>
-            <a:r>
-              <a:rPr lang="fr-FR" dirty="0" smtClean="0">
-                <a:solidFill>
-                  <a:schemeClr val="tx2"/>
-                </a:solidFill>
-                <a:effectLst>
-                  <a:outerShdw blurRad="38100" dist="38100" dir="2700000" algn="tl">
-                    <a:srgbClr val="000000">
-                      <a:alpha val="43137"/>
-                    </a:srgbClr>
-                  </a:outerShdw>
-                </a:effectLst>
-              </a:rPr>
-              <a:t>// @TODO</a:t>
-            </a:r>
-            <a:endParaRPr lang="fr-FR" dirty="0">
-              <a:solidFill>
-                <a:schemeClr val="tx2"/>
-              </a:solidFill>
-              <a:effectLst>
-                <a:outerShdw blurRad="38100" dist="38100" dir="2700000" algn="tl">
-                  <a:srgbClr val="000000">
-                    <a:alpha val="43137"/>
-                  </a:srgbClr>
-                </a:outerShdw>
-              </a:effectLst>
-            </a:endParaRPr>
-          </a:p>
-        </p:txBody>
-      </p:sp>
-      <p:sp>
-        <p:nvSpPr>
-          <p:cNvPr id="16" name="Rectangle à coins arrondis 15"/>
+          <p:cNvPr id="13" name="Rectangle à coins arrondis 12"/>
           <p:cNvSpPr/>
           <p:nvPr/>
         </p:nvSpPr>
@@ -6169,10 +7350,2624 @@
           </a:p>
         </p:txBody>
       </p:sp>
+      <p:pic>
+        <p:nvPicPr>
+          <p:cNvPr id="4098" name="Picture 2"/>
+          <p:cNvPicPr>
+            <a:picLocks noChangeAspect="1" noChangeArrowheads="1"/>
+          </p:cNvPicPr>
+          <p:nvPr/>
+        </p:nvPicPr>
+        <p:blipFill>
+          <a:blip r:embed="rId2">
+            <a:extLst>
+              <a:ext uri="{28A0092B-C50C-407E-A947-70E740481C1C}">
+                <a14:useLocalDpi xmlns:a14="http://schemas.microsoft.com/office/drawing/2010/main" val="0"/>
+              </a:ext>
+            </a:extLst>
+          </a:blip>
+          <a:stretch>
+            <a:fillRect/>
+          </a:stretch>
+        </p:blipFill>
+        <p:spPr bwMode="auto">
+          <a:xfrm>
+            <a:off x="775538" y="763731"/>
+            <a:ext cx="7540878" cy="5655658"/>
+          </a:xfrm>
+          <a:prstGeom prst="rect">
+            <a:avLst/>
+          </a:prstGeom>
+          <a:noFill/>
+          <a:extLst>
+            <a:ext uri="{909E8E84-426E-40DD-AFC4-6F175D3DCCD1}">
+              <a14:hiddenFill xmlns:a14="http://schemas.microsoft.com/office/drawing/2010/main">
+                <a:solidFill>
+                  <a:srgbClr val="FFFFFF"/>
+                </a:solidFill>
+              </a14:hiddenFill>
+            </a:ext>
+          </a:extLst>
+        </p:spPr>
+      </p:pic>
     </p:spTree>
     <p:extLst>
       <p:ext uri="{BB962C8B-B14F-4D97-AF65-F5344CB8AC3E}">
-        <p14:creationId xmlns:p14="http://schemas.microsoft.com/office/powerpoint/2010/main" val="3998399572"/>
+        <p14:creationId xmlns:p14="http://schemas.microsoft.com/office/powerpoint/2010/main" val="3524319362"/>
+      </p:ext>
+    </p:extLst>
+  </p:cSld>
+  <p:clrMapOvr>
+    <a:masterClrMapping/>
+  </p:clrMapOvr>
+  <p:timing>
+    <p:tnLst>
+      <p:par>
+        <p:cTn id="1" dur="indefinite" restart="never" nodeType="tmRoot"/>
+      </p:par>
+    </p:tnLst>
+  </p:timing>
+</p:sld>
+</file>
+
+<file path=ppt/slides/slide14.xml><?xml version="1.0" encoding="utf-8"?>
+<p:sld xmlns:a="http://schemas.openxmlformats.org/drawingml/2006/main" xmlns:r="http://schemas.openxmlformats.org/officeDocument/2006/relationships" xmlns:p="http://schemas.openxmlformats.org/presentationml/2006/main" showMasterSp="0">
+  <p:cSld>
+    <p:spTree>
+      <p:nvGrpSpPr>
+        <p:cNvPr id="1" name=""/>
+        <p:cNvGrpSpPr/>
+        <p:nvPr/>
+      </p:nvGrpSpPr>
+      <p:grpSpPr>
+        <a:xfrm>
+          <a:off x="0" y="0"/>
+          <a:ext cx="0" cy="0"/>
+          <a:chOff x="0" y="0"/>
+          <a:chExt cx="0" cy="0"/>
+        </a:xfrm>
+      </p:grpSpPr>
+      <p:sp>
+        <p:nvSpPr>
+          <p:cNvPr id="7" name="Titre 1"/>
+          <p:cNvSpPr txBox="1">
+            <a:spLocks/>
+          </p:cNvSpPr>
+          <p:nvPr/>
+        </p:nvSpPr>
+        <p:spPr>
+          <a:xfrm>
+            <a:off x="806896" y="6497958"/>
+            <a:ext cx="8229600" cy="319845"/>
+          </a:xfrm>
+          <a:prstGeom prst="rect">
+            <a:avLst/>
+          </a:prstGeom>
+        </p:spPr>
+        <p:txBody>
+          <a:bodyPr vert="horz" anchor="b" anchorCtr="0">
+            <a:normAutofit lnSpcReduction="10000"/>
+          </a:bodyPr>
+          <a:lstStyle>
+            <a:lvl1pPr algn="l" rtl="0" eaLnBrk="1" latinLnBrk="0" hangingPunct="1">
+              <a:spcBef>
+                <a:spcPct val="0"/>
+              </a:spcBef>
+              <a:buNone/>
+              <a:defRPr kumimoji="0" sz="3200" kern="1200">
+                <a:solidFill>
+                  <a:schemeClr val="tx2"/>
+                </a:solidFill>
+                <a:latin typeface="+mj-lt"/>
+                <a:ea typeface="+mj-ea"/>
+                <a:cs typeface="+mj-cs"/>
+              </a:defRPr>
+            </a:lvl1pPr>
+          </a:lstStyle>
+          <a:p>
+            <a:pPr algn="r"/>
+            <a:r>
+              <a:rPr lang="fr-FR" sz="1600" i="1" dirty="0" smtClean="0">
+                <a:effectLst>
+                  <a:outerShdw blurRad="38100" dist="38100" dir="2700000" algn="tl">
+                    <a:srgbClr val="000000">
+                      <a:alpha val="43137"/>
+                    </a:srgbClr>
+                  </a:outerShdw>
+                </a:effectLst>
+                <a:latin typeface="+mn-lt"/>
+              </a:rPr>
+              <a:t>Soutenance de projet IF16 – 13 Décembre 2012</a:t>
+            </a:r>
+            <a:endParaRPr lang="fr-FR" sz="1600" i="1" dirty="0">
+              <a:effectLst>
+                <a:outerShdw blurRad="38100" dist="38100" dir="2700000" algn="tl">
+                  <a:srgbClr val="000000">
+                    <a:alpha val="43137"/>
+                  </a:srgbClr>
+                </a:outerShdw>
+              </a:effectLst>
+              <a:latin typeface="+mn-lt"/>
+            </a:endParaRPr>
+          </a:p>
+        </p:txBody>
+      </p:sp>
+      <p:sp>
+        <p:nvSpPr>
+          <p:cNvPr id="2" name="Rectangle à coins arrondis 1"/>
+          <p:cNvSpPr/>
+          <p:nvPr/>
+        </p:nvSpPr>
+        <p:spPr>
+          <a:xfrm>
+            <a:off x="107505" y="116632"/>
+            <a:ext cx="2304255" cy="432048"/>
+          </a:xfrm>
+          <a:prstGeom prst="roundRect">
+            <a:avLst/>
+          </a:prstGeom>
+        </p:spPr>
+        <p:style>
+          <a:lnRef idx="1">
+            <a:schemeClr val="accent4"/>
+          </a:lnRef>
+          <a:fillRef idx="3">
+            <a:schemeClr val="accent4"/>
+          </a:fillRef>
+          <a:effectRef idx="2">
+            <a:schemeClr val="accent4"/>
+          </a:effectRef>
+          <a:fontRef idx="minor">
+            <a:schemeClr val="lt1"/>
+          </a:fontRef>
+        </p:style>
+        <p:txBody>
+          <a:bodyPr rtlCol="0" anchor="ctr"/>
+          <a:lstStyle/>
+          <a:p>
+            <a:pPr algn="ctr"/>
+            <a:r>
+              <a:rPr lang="fr-FR" sz="2800" b="1" dirty="0" smtClean="0">
+                <a:effectLst>
+                  <a:outerShdw blurRad="38100" dist="38100" dir="2700000" algn="tl">
+                    <a:srgbClr val="000000">
+                      <a:alpha val="43137"/>
+                    </a:srgbClr>
+                  </a:outerShdw>
+                </a:effectLst>
+                <a:latin typeface="Garamond" pitchFamily="18" charset="0"/>
+              </a:rPr>
+              <a:t>IV) Prototype</a:t>
+            </a:r>
+            <a:endParaRPr lang="fr-FR" sz="2800" b="1" dirty="0">
+              <a:effectLst>
+                <a:outerShdw blurRad="38100" dist="38100" dir="2700000" algn="tl">
+                  <a:srgbClr val="000000">
+                    <a:alpha val="43137"/>
+                  </a:srgbClr>
+                </a:outerShdw>
+              </a:effectLst>
+              <a:latin typeface="Garamond" pitchFamily="18" charset="0"/>
+            </a:endParaRPr>
+          </a:p>
+        </p:txBody>
+      </p:sp>
+      <p:sp>
+        <p:nvSpPr>
+          <p:cNvPr id="9" name="Rectangle à coins arrondis 8"/>
+          <p:cNvSpPr/>
+          <p:nvPr/>
+        </p:nvSpPr>
+        <p:spPr>
+          <a:xfrm>
+            <a:off x="2545165" y="116632"/>
+            <a:ext cx="6491331" cy="432048"/>
+          </a:xfrm>
+          <a:prstGeom prst="roundRect">
+            <a:avLst/>
+          </a:prstGeom>
+        </p:spPr>
+        <p:style>
+          <a:lnRef idx="1">
+            <a:schemeClr val="accent1"/>
+          </a:lnRef>
+          <a:fillRef idx="3">
+            <a:schemeClr val="accent1"/>
+          </a:fillRef>
+          <a:effectRef idx="2">
+            <a:schemeClr val="accent1"/>
+          </a:effectRef>
+          <a:fontRef idx="minor">
+            <a:schemeClr val="lt1"/>
+          </a:fontRef>
+        </p:style>
+        <p:txBody>
+          <a:bodyPr rtlCol="0" anchor="ctr"/>
+          <a:lstStyle/>
+          <a:p>
+            <a:pPr algn="ctr"/>
+            <a:r>
+              <a:rPr lang="fr-FR" sz="2800" b="1" dirty="0" smtClean="0">
+                <a:effectLst>
+                  <a:outerShdw blurRad="38100" dist="38100" dir="2700000" algn="tl">
+                    <a:srgbClr val="000000">
+                      <a:alpha val="43137"/>
+                    </a:srgbClr>
+                  </a:outerShdw>
+                </a:effectLst>
+                <a:latin typeface="Garamond" pitchFamily="18" charset="0"/>
+              </a:rPr>
+              <a:t>Particulier : proposer un mot-clé</a:t>
+            </a:r>
+            <a:endParaRPr lang="fr-FR" sz="2800" b="1" dirty="0">
+              <a:effectLst>
+                <a:outerShdw blurRad="38100" dist="38100" dir="2700000" algn="tl">
+                  <a:srgbClr val="000000">
+                    <a:alpha val="43137"/>
+                  </a:srgbClr>
+                </a:outerShdw>
+              </a:effectLst>
+              <a:latin typeface="Garamond" pitchFamily="18" charset="0"/>
+            </a:endParaRPr>
+          </a:p>
+        </p:txBody>
+      </p:sp>
+      <p:cxnSp>
+        <p:nvCxnSpPr>
+          <p:cNvPr id="5" name="Connecteur droit 4"/>
+          <p:cNvCxnSpPr/>
+          <p:nvPr/>
+        </p:nvCxnSpPr>
+        <p:spPr>
+          <a:xfrm>
+            <a:off x="107504" y="692696"/>
+            <a:ext cx="8928992" cy="0"/>
+          </a:xfrm>
+          <a:prstGeom prst="line">
+            <a:avLst/>
+          </a:prstGeom>
+          <a:ln w="12700">
+            <a:prstDash val="dash"/>
+          </a:ln>
+        </p:spPr>
+        <p:style>
+          <a:lnRef idx="1">
+            <a:schemeClr val="accent1"/>
+          </a:lnRef>
+          <a:fillRef idx="0">
+            <a:schemeClr val="accent1"/>
+          </a:fillRef>
+          <a:effectRef idx="0">
+            <a:schemeClr val="accent1"/>
+          </a:effectRef>
+          <a:fontRef idx="minor">
+            <a:schemeClr val="tx1"/>
+          </a:fontRef>
+        </p:style>
+      </p:cxnSp>
+      <p:cxnSp>
+        <p:nvCxnSpPr>
+          <p:cNvPr id="12" name="Connecteur droit 11"/>
+          <p:cNvCxnSpPr/>
+          <p:nvPr/>
+        </p:nvCxnSpPr>
+        <p:spPr>
+          <a:xfrm>
+            <a:off x="107504" y="6453336"/>
+            <a:ext cx="8928992" cy="0"/>
+          </a:xfrm>
+          <a:prstGeom prst="line">
+            <a:avLst/>
+          </a:prstGeom>
+          <a:ln w="12700">
+            <a:prstDash val="dash"/>
+          </a:ln>
+        </p:spPr>
+        <p:style>
+          <a:lnRef idx="1">
+            <a:schemeClr val="accent1"/>
+          </a:lnRef>
+          <a:fillRef idx="0">
+            <a:schemeClr val="accent1"/>
+          </a:fillRef>
+          <a:effectRef idx="0">
+            <a:schemeClr val="accent1"/>
+          </a:effectRef>
+          <a:fontRef idx="minor">
+            <a:schemeClr val="tx1"/>
+          </a:fontRef>
+        </p:style>
+      </p:cxnSp>
+      <p:sp>
+        <p:nvSpPr>
+          <p:cNvPr id="13" name="Rectangle à coins arrondis 12"/>
+          <p:cNvSpPr/>
+          <p:nvPr/>
+        </p:nvSpPr>
+        <p:spPr>
+          <a:xfrm>
+            <a:off x="96893" y="6518056"/>
+            <a:ext cx="2448272" cy="279648"/>
+          </a:xfrm>
+          <a:prstGeom prst="roundRect">
+            <a:avLst/>
+          </a:prstGeom>
+        </p:spPr>
+        <p:style>
+          <a:lnRef idx="1">
+            <a:schemeClr val="accent3"/>
+          </a:lnRef>
+          <a:fillRef idx="2">
+            <a:schemeClr val="accent3"/>
+          </a:fillRef>
+          <a:effectRef idx="1">
+            <a:schemeClr val="accent3"/>
+          </a:effectRef>
+          <a:fontRef idx="minor">
+            <a:schemeClr val="dk1"/>
+          </a:fontRef>
+        </p:style>
+        <p:txBody>
+          <a:bodyPr rtlCol="0" anchor="ctr"/>
+          <a:lstStyle/>
+          <a:p>
+            <a:pPr algn="ctr"/>
+            <a:r>
+              <a:rPr lang="fr-FR" dirty="0" err="1" smtClean="0">
+                <a:effectLst>
+                  <a:outerShdw blurRad="38100" dist="38100" dir="2700000" algn="tl">
+                    <a:srgbClr val="000000">
+                      <a:alpha val="43137"/>
+                    </a:srgbClr>
+                  </a:outerShdw>
+                </a:effectLst>
+                <a:latin typeface="Garamond" pitchFamily="18" charset="0"/>
+              </a:rPr>
+              <a:t>Observ’Indus</a:t>
+            </a:r>
+            <a:r>
+              <a:rPr lang="fr-FR" dirty="0" smtClean="0">
+                <a:effectLst>
+                  <a:outerShdw blurRad="38100" dist="38100" dir="2700000" algn="tl">
+                    <a:srgbClr val="000000">
+                      <a:alpha val="43137"/>
+                    </a:srgbClr>
+                  </a:outerShdw>
+                </a:effectLst>
+                <a:latin typeface="Garamond" pitchFamily="18" charset="0"/>
+              </a:rPr>
+              <a:t> (</a:t>
+            </a:r>
+            <a:r>
+              <a:rPr lang="fr-FR" dirty="0" err="1" smtClean="0">
+                <a:effectLst>
+                  <a:outerShdw blurRad="38100" dist="38100" dir="2700000" algn="tl">
+                    <a:srgbClr val="000000">
+                      <a:alpha val="43137"/>
+                    </a:srgbClr>
+                  </a:outerShdw>
+                </a:effectLst>
+                <a:latin typeface="Garamond" pitchFamily="18" charset="0"/>
+              </a:rPr>
+              <a:t>HiLaL</a:t>
+            </a:r>
+            <a:r>
+              <a:rPr lang="fr-FR" dirty="0" smtClean="0">
+                <a:effectLst>
+                  <a:outerShdw blurRad="38100" dist="38100" dir="2700000" algn="tl">
+                    <a:srgbClr val="000000">
+                      <a:alpha val="43137"/>
+                    </a:srgbClr>
+                  </a:outerShdw>
+                </a:effectLst>
+                <a:latin typeface="Garamond" pitchFamily="18" charset="0"/>
+              </a:rPr>
+              <a:t>)</a:t>
+            </a:r>
+            <a:endParaRPr lang="fr-FR" dirty="0">
+              <a:effectLst>
+                <a:outerShdw blurRad="38100" dist="38100" dir="2700000" algn="tl">
+                  <a:srgbClr val="000000">
+                    <a:alpha val="43137"/>
+                  </a:srgbClr>
+                </a:outerShdw>
+              </a:effectLst>
+              <a:latin typeface="Garamond" pitchFamily="18" charset="0"/>
+            </a:endParaRPr>
+          </a:p>
+        </p:txBody>
+      </p:sp>
+      <p:pic>
+        <p:nvPicPr>
+          <p:cNvPr id="4098" name="Picture 2"/>
+          <p:cNvPicPr>
+            <a:picLocks noChangeAspect="1" noChangeArrowheads="1"/>
+          </p:cNvPicPr>
+          <p:nvPr/>
+        </p:nvPicPr>
+        <p:blipFill>
+          <a:blip r:embed="rId2">
+            <a:extLst>
+              <a:ext uri="{28A0092B-C50C-407E-A947-70E740481C1C}">
+                <a14:useLocalDpi xmlns:a14="http://schemas.microsoft.com/office/drawing/2010/main" val="0"/>
+              </a:ext>
+            </a:extLst>
+          </a:blip>
+          <a:stretch>
+            <a:fillRect/>
+          </a:stretch>
+        </p:blipFill>
+        <p:spPr bwMode="auto">
+          <a:xfrm>
+            <a:off x="775538" y="763731"/>
+            <a:ext cx="7540877" cy="5655658"/>
+          </a:xfrm>
+          <a:prstGeom prst="rect">
+            <a:avLst/>
+          </a:prstGeom>
+          <a:noFill/>
+          <a:extLst>
+            <a:ext uri="{909E8E84-426E-40DD-AFC4-6F175D3DCCD1}">
+              <a14:hiddenFill xmlns:a14="http://schemas.microsoft.com/office/drawing/2010/main">
+                <a:solidFill>
+                  <a:srgbClr val="FFFFFF"/>
+                </a:solidFill>
+              </a14:hiddenFill>
+            </a:ext>
+          </a:extLst>
+        </p:spPr>
+      </p:pic>
+    </p:spTree>
+    <p:extLst>
+      <p:ext uri="{BB962C8B-B14F-4D97-AF65-F5344CB8AC3E}">
+        <p14:creationId xmlns:p14="http://schemas.microsoft.com/office/powerpoint/2010/main" val="1744063796"/>
+      </p:ext>
+    </p:extLst>
+  </p:cSld>
+  <p:clrMapOvr>
+    <a:masterClrMapping/>
+  </p:clrMapOvr>
+  <p:timing>
+    <p:tnLst>
+      <p:par>
+        <p:cTn id="1" dur="indefinite" restart="never" nodeType="tmRoot"/>
+      </p:par>
+    </p:tnLst>
+  </p:timing>
+</p:sld>
+</file>
+
+<file path=ppt/slides/slide15.xml><?xml version="1.0" encoding="utf-8"?>
+<p:sld xmlns:a="http://schemas.openxmlformats.org/drawingml/2006/main" xmlns:r="http://schemas.openxmlformats.org/officeDocument/2006/relationships" xmlns:p="http://schemas.openxmlformats.org/presentationml/2006/main" showMasterSp="0">
+  <p:cSld>
+    <p:spTree>
+      <p:nvGrpSpPr>
+        <p:cNvPr id="1" name=""/>
+        <p:cNvGrpSpPr/>
+        <p:nvPr/>
+      </p:nvGrpSpPr>
+      <p:grpSpPr>
+        <a:xfrm>
+          <a:off x="0" y="0"/>
+          <a:ext cx="0" cy="0"/>
+          <a:chOff x="0" y="0"/>
+          <a:chExt cx="0" cy="0"/>
+        </a:xfrm>
+      </p:grpSpPr>
+      <p:sp>
+        <p:nvSpPr>
+          <p:cNvPr id="7" name="Titre 1"/>
+          <p:cNvSpPr txBox="1">
+            <a:spLocks/>
+          </p:cNvSpPr>
+          <p:nvPr/>
+        </p:nvSpPr>
+        <p:spPr>
+          <a:xfrm>
+            <a:off x="806896" y="6497958"/>
+            <a:ext cx="8229600" cy="319845"/>
+          </a:xfrm>
+          <a:prstGeom prst="rect">
+            <a:avLst/>
+          </a:prstGeom>
+        </p:spPr>
+        <p:txBody>
+          <a:bodyPr vert="horz" anchor="b" anchorCtr="0">
+            <a:normAutofit lnSpcReduction="10000"/>
+          </a:bodyPr>
+          <a:lstStyle>
+            <a:lvl1pPr algn="l" rtl="0" eaLnBrk="1" latinLnBrk="0" hangingPunct="1">
+              <a:spcBef>
+                <a:spcPct val="0"/>
+              </a:spcBef>
+              <a:buNone/>
+              <a:defRPr kumimoji="0" sz="3200" kern="1200">
+                <a:solidFill>
+                  <a:schemeClr val="tx2"/>
+                </a:solidFill>
+                <a:latin typeface="+mj-lt"/>
+                <a:ea typeface="+mj-ea"/>
+                <a:cs typeface="+mj-cs"/>
+              </a:defRPr>
+            </a:lvl1pPr>
+          </a:lstStyle>
+          <a:p>
+            <a:pPr algn="r"/>
+            <a:r>
+              <a:rPr lang="fr-FR" sz="1600" i="1" dirty="0" smtClean="0">
+                <a:effectLst>
+                  <a:outerShdw blurRad="38100" dist="38100" dir="2700000" algn="tl">
+                    <a:srgbClr val="000000">
+                      <a:alpha val="43137"/>
+                    </a:srgbClr>
+                  </a:outerShdw>
+                </a:effectLst>
+                <a:latin typeface="+mn-lt"/>
+              </a:rPr>
+              <a:t>Soutenance de projet IF16 – 13 Décembre 2012</a:t>
+            </a:r>
+            <a:endParaRPr lang="fr-FR" sz="1600" i="1" dirty="0">
+              <a:effectLst>
+                <a:outerShdw blurRad="38100" dist="38100" dir="2700000" algn="tl">
+                  <a:srgbClr val="000000">
+                    <a:alpha val="43137"/>
+                  </a:srgbClr>
+                </a:outerShdw>
+              </a:effectLst>
+              <a:latin typeface="+mn-lt"/>
+            </a:endParaRPr>
+          </a:p>
+        </p:txBody>
+      </p:sp>
+      <p:sp>
+        <p:nvSpPr>
+          <p:cNvPr id="2" name="Rectangle à coins arrondis 1"/>
+          <p:cNvSpPr/>
+          <p:nvPr/>
+        </p:nvSpPr>
+        <p:spPr>
+          <a:xfrm>
+            <a:off x="107505" y="116632"/>
+            <a:ext cx="2304255" cy="432048"/>
+          </a:xfrm>
+          <a:prstGeom prst="roundRect">
+            <a:avLst/>
+          </a:prstGeom>
+        </p:spPr>
+        <p:style>
+          <a:lnRef idx="1">
+            <a:schemeClr val="accent4"/>
+          </a:lnRef>
+          <a:fillRef idx="3">
+            <a:schemeClr val="accent4"/>
+          </a:fillRef>
+          <a:effectRef idx="2">
+            <a:schemeClr val="accent4"/>
+          </a:effectRef>
+          <a:fontRef idx="minor">
+            <a:schemeClr val="lt1"/>
+          </a:fontRef>
+        </p:style>
+        <p:txBody>
+          <a:bodyPr rtlCol="0" anchor="ctr"/>
+          <a:lstStyle/>
+          <a:p>
+            <a:pPr algn="ctr"/>
+            <a:r>
+              <a:rPr lang="fr-FR" sz="2800" b="1" dirty="0" smtClean="0">
+                <a:effectLst>
+                  <a:outerShdw blurRad="38100" dist="38100" dir="2700000" algn="tl">
+                    <a:srgbClr val="000000">
+                      <a:alpha val="43137"/>
+                    </a:srgbClr>
+                  </a:outerShdw>
+                </a:effectLst>
+                <a:latin typeface="Garamond" pitchFamily="18" charset="0"/>
+              </a:rPr>
+              <a:t>IV) Prototype</a:t>
+            </a:r>
+            <a:endParaRPr lang="fr-FR" sz="2800" b="1" dirty="0">
+              <a:effectLst>
+                <a:outerShdw blurRad="38100" dist="38100" dir="2700000" algn="tl">
+                  <a:srgbClr val="000000">
+                    <a:alpha val="43137"/>
+                  </a:srgbClr>
+                </a:outerShdw>
+              </a:effectLst>
+              <a:latin typeface="Garamond" pitchFamily="18" charset="0"/>
+            </a:endParaRPr>
+          </a:p>
+        </p:txBody>
+      </p:sp>
+      <p:sp>
+        <p:nvSpPr>
+          <p:cNvPr id="9" name="Rectangle à coins arrondis 8"/>
+          <p:cNvSpPr/>
+          <p:nvPr/>
+        </p:nvSpPr>
+        <p:spPr>
+          <a:xfrm>
+            <a:off x="2545165" y="116632"/>
+            <a:ext cx="6491331" cy="432048"/>
+          </a:xfrm>
+          <a:prstGeom prst="roundRect">
+            <a:avLst/>
+          </a:prstGeom>
+        </p:spPr>
+        <p:style>
+          <a:lnRef idx="1">
+            <a:schemeClr val="accent1"/>
+          </a:lnRef>
+          <a:fillRef idx="3">
+            <a:schemeClr val="accent1"/>
+          </a:fillRef>
+          <a:effectRef idx="2">
+            <a:schemeClr val="accent1"/>
+          </a:effectRef>
+          <a:fontRef idx="minor">
+            <a:schemeClr val="lt1"/>
+          </a:fontRef>
+        </p:style>
+        <p:txBody>
+          <a:bodyPr rtlCol="0" anchor="ctr"/>
+          <a:lstStyle/>
+          <a:p>
+            <a:pPr algn="ctr"/>
+            <a:r>
+              <a:rPr lang="fr-FR" sz="2800" b="1" dirty="0" smtClean="0">
+                <a:effectLst>
+                  <a:outerShdw blurRad="38100" dist="38100" dir="2700000" algn="tl">
+                    <a:srgbClr val="000000">
+                      <a:alpha val="43137"/>
+                    </a:srgbClr>
+                  </a:outerShdw>
+                </a:effectLst>
+                <a:latin typeface="Garamond" pitchFamily="18" charset="0"/>
+              </a:rPr>
+              <a:t>Particulier : écrire un commentaire</a:t>
+            </a:r>
+            <a:endParaRPr lang="fr-FR" sz="2800" b="1" dirty="0">
+              <a:effectLst>
+                <a:outerShdw blurRad="38100" dist="38100" dir="2700000" algn="tl">
+                  <a:srgbClr val="000000">
+                    <a:alpha val="43137"/>
+                  </a:srgbClr>
+                </a:outerShdw>
+              </a:effectLst>
+              <a:latin typeface="Garamond" pitchFamily="18" charset="0"/>
+            </a:endParaRPr>
+          </a:p>
+        </p:txBody>
+      </p:sp>
+      <p:cxnSp>
+        <p:nvCxnSpPr>
+          <p:cNvPr id="5" name="Connecteur droit 4"/>
+          <p:cNvCxnSpPr/>
+          <p:nvPr/>
+        </p:nvCxnSpPr>
+        <p:spPr>
+          <a:xfrm>
+            <a:off x="107504" y="692696"/>
+            <a:ext cx="8928992" cy="0"/>
+          </a:xfrm>
+          <a:prstGeom prst="line">
+            <a:avLst/>
+          </a:prstGeom>
+          <a:ln w="12700">
+            <a:prstDash val="dash"/>
+          </a:ln>
+        </p:spPr>
+        <p:style>
+          <a:lnRef idx="1">
+            <a:schemeClr val="accent1"/>
+          </a:lnRef>
+          <a:fillRef idx="0">
+            <a:schemeClr val="accent1"/>
+          </a:fillRef>
+          <a:effectRef idx="0">
+            <a:schemeClr val="accent1"/>
+          </a:effectRef>
+          <a:fontRef idx="minor">
+            <a:schemeClr val="tx1"/>
+          </a:fontRef>
+        </p:style>
+      </p:cxnSp>
+      <p:cxnSp>
+        <p:nvCxnSpPr>
+          <p:cNvPr id="12" name="Connecteur droit 11"/>
+          <p:cNvCxnSpPr/>
+          <p:nvPr/>
+        </p:nvCxnSpPr>
+        <p:spPr>
+          <a:xfrm>
+            <a:off x="107504" y="6453336"/>
+            <a:ext cx="8928992" cy="0"/>
+          </a:xfrm>
+          <a:prstGeom prst="line">
+            <a:avLst/>
+          </a:prstGeom>
+          <a:ln w="12700">
+            <a:prstDash val="dash"/>
+          </a:ln>
+        </p:spPr>
+        <p:style>
+          <a:lnRef idx="1">
+            <a:schemeClr val="accent1"/>
+          </a:lnRef>
+          <a:fillRef idx="0">
+            <a:schemeClr val="accent1"/>
+          </a:fillRef>
+          <a:effectRef idx="0">
+            <a:schemeClr val="accent1"/>
+          </a:effectRef>
+          <a:fontRef idx="minor">
+            <a:schemeClr val="tx1"/>
+          </a:fontRef>
+        </p:style>
+      </p:cxnSp>
+      <p:sp>
+        <p:nvSpPr>
+          <p:cNvPr id="13" name="Rectangle à coins arrondis 12"/>
+          <p:cNvSpPr/>
+          <p:nvPr/>
+        </p:nvSpPr>
+        <p:spPr>
+          <a:xfrm>
+            <a:off x="96893" y="6518056"/>
+            <a:ext cx="2448272" cy="279648"/>
+          </a:xfrm>
+          <a:prstGeom prst="roundRect">
+            <a:avLst/>
+          </a:prstGeom>
+        </p:spPr>
+        <p:style>
+          <a:lnRef idx="1">
+            <a:schemeClr val="accent3"/>
+          </a:lnRef>
+          <a:fillRef idx="2">
+            <a:schemeClr val="accent3"/>
+          </a:fillRef>
+          <a:effectRef idx="1">
+            <a:schemeClr val="accent3"/>
+          </a:effectRef>
+          <a:fontRef idx="minor">
+            <a:schemeClr val="dk1"/>
+          </a:fontRef>
+        </p:style>
+        <p:txBody>
+          <a:bodyPr rtlCol="0" anchor="ctr"/>
+          <a:lstStyle/>
+          <a:p>
+            <a:pPr algn="ctr"/>
+            <a:r>
+              <a:rPr lang="fr-FR" dirty="0" err="1" smtClean="0">
+                <a:effectLst>
+                  <a:outerShdw blurRad="38100" dist="38100" dir="2700000" algn="tl">
+                    <a:srgbClr val="000000">
+                      <a:alpha val="43137"/>
+                    </a:srgbClr>
+                  </a:outerShdw>
+                </a:effectLst>
+                <a:latin typeface="Garamond" pitchFamily="18" charset="0"/>
+              </a:rPr>
+              <a:t>Observ’Indus</a:t>
+            </a:r>
+            <a:r>
+              <a:rPr lang="fr-FR" dirty="0" smtClean="0">
+                <a:effectLst>
+                  <a:outerShdw blurRad="38100" dist="38100" dir="2700000" algn="tl">
+                    <a:srgbClr val="000000">
+                      <a:alpha val="43137"/>
+                    </a:srgbClr>
+                  </a:outerShdw>
+                </a:effectLst>
+                <a:latin typeface="Garamond" pitchFamily="18" charset="0"/>
+              </a:rPr>
+              <a:t> (</a:t>
+            </a:r>
+            <a:r>
+              <a:rPr lang="fr-FR" dirty="0" err="1" smtClean="0">
+                <a:effectLst>
+                  <a:outerShdw blurRad="38100" dist="38100" dir="2700000" algn="tl">
+                    <a:srgbClr val="000000">
+                      <a:alpha val="43137"/>
+                    </a:srgbClr>
+                  </a:outerShdw>
+                </a:effectLst>
+                <a:latin typeface="Garamond" pitchFamily="18" charset="0"/>
+              </a:rPr>
+              <a:t>HiLaL</a:t>
+            </a:r>
+            <a:r>
+              <a:rPr lang="fr-FR" dirty="0" smtClean="0">
+                <a:effectLst>
+                  <a:outerShdw blurRad="38100" dist="38100" dir="2700000" algn="tl">
+                    <a:srgbClr val="000000">
+                      <a:alpha val="43137"/>
+                    </a:srgbClr>
+                  </a:outerShdw>
+                </a:effectLst>
+                <a:latin typeface="Garamond" pitchFamily="18" charset="0"/>
+              </a:rPr>
+              <a:t>)</a:t>
+            </a:r>
+            <a:endParaRPr lang="fr-FR" dirty="0">
+              <a:effectLst>
+                <a:outerShdw blurRad="38100" dist="38100" dir="2700000" algn="tl">
+                  <a:srgbClr val="000000">
+                    <a:alpha val="43137"/>
+                  </a:srgbClr>
+                </a:outerShdw>
+              </a:effectLst>
+              <a:latin typeface="Garamond" pitchFamily="18" charset="0"/>
+            </a:endParaRPr>
+          </a:p>
+        </p:txBody>
+      </p:sp>
+      <p:pic>
+        <p:nvPicPr>
+          <p:cNvPr id="4098" name="Picture 2"/>
+          <p:cNvPicPr>
+            <a:picLocks noChangeAspect="1" noChangeArrowheads="1"/>
+          </p:cNvPicPr>
+          <p:nvPr/>
+        </p:nvPicPr>
+        <p:blipFill>
+          <a:blip r:embed="rId2">
+            <a:extLst>
+              <a:ext uri="{28A0092B-C50C-407E-A947-70E740481C1C}">
+                <a14:useLocalDpi xmlns:a14="http://schemas.microsoft.com/office/drawing/2010/main" val="0"/>
+              </a:ext>
+            </a:extLst>
+          </a:blip>
+          <a:stretch>
+            <a:fillRect/>
+          </a:stretch>
+        </p:blipFill>
+        <p:spPr bwMode="auto">
+          <a:xfrm>
+            <a:off x="775538" y="763731"/>
+            <a:ext cx="7540877" cy="5655657"/>
+          </a:xfrm>
+          <a:prstGeom prst="rect">
+            <a:avLst/>
+          </a:prstGeom>
+          <a:noFill/>
+          <a:extLst>
+            <a:ext uri="{909E8E84-426E-40DD-AFC4-6F175D3DCCD1}">
+              <a14:hiddenFill xmlns:a14="http://schemas.microsoft.com/office/drawing/2010/main">
+                <a:solidFill>
+                  <a:srgbClr val="FFFFFF"/>
+                </a:solidFill>
+              </a14:hiddenFill>
+            </a:ext>
+          </a:extLst>
+        </p:spPr>
+      </p:pic>
+    </p:spTree>
+    <p:extLst>
+      <p:ext uri="{BB962C8B-B14F-4D97-AF65-F5344CB8AC3E}">
+        <p14:creationId xmlns:p14="http://schemas.microsoft.com/office/powerpoint/2010/main" val="3835738004"/>
+      </p:ext>
+    </p:extLst>
+  </p:cSld>
+  <p:clrMapOvr>
+    <a:masterClrMapping/>
+  </p:clrMapOvr>
+  <p:timing>
+    <p:tnLst>
+      <p:par>
+        <p:cTn id="1" dur="indefinite" restart="never" nodeType="tmRoot"/>
+      </p:par>
+    </p:tnLst>
+  </p:timing>
+</p:sld>
+</file>
+
+<file path=ppt/slides/slide16.xml><?xml version="1.0" encoding="utf-8"?>
+<p:sld xmlns:a="http://schemas.openxmlformats.org/drawingml/2006/main" xmlns:r="http://schemas.openxmlformats.org/officeDocument/2006/relationships" xmlns:p="http://schemas.openxmlformats.org/presentationml/2006/main" showMasterSp="0">
+  <p:cSld>
+    <p:spTree>
+      <p:nvGrpSpPr>
+        <p:cNvPr id="1" name=""/>
+        <p:cNvGrpSpPr/>
+        <p:nvPr/>
+      </p:nvGrpSpPr>
+      <p:grpSpPr>
+        <a:xfrm>
+          <a:off x="0" y="0"/>
+          <a:ext cx="0" cy="0"/>
+          <a:chOff x="0" y="0"/>
+          <a:chExt cx="0" cy="0"/>
+        </a:xfrm>
+      </p:grpSpPr>
+      <p:sp>
+        <p:nvSpPr>
+          <p:cNvPr id="7" name="Titre 1"/>
+          <p:cNvSpPr txBox="1">
+            <a:spLocks/>
+          </p:cNvSpPr>
+          <p:nvPr/>
+        </p:nvSpPr>
+        <p:spPr>
+          <a:xfrm>
+            <a:off x="806896" y="6497958"/>
+            <a:ext cx="8229600" cy="319845"/>
+          </a:xfrm>
+          <a:prstGeom prst="rect">
+            <a:avLst/>
+          </a:prstGeom>
+        </p:spPr>
+        <p:txBody>
+          <a:bodyPr vert="horz" anchor="b" anchorCtr="0">
+            <a:normAutofit lnSpcReduction="10000"/>
+          </a:bodyPr>
+          <a:lstStyle>
+            <a:lvl1pPr algn="l" rtl="0" eaLnBrk="1" latinLnBrk="0" hangingPunct="1">
+              <a:spcBef>
+                <a:spcPct val="0"/>
+              </a:spcBef>
+              <a:buNone/>
+              <a:defRPr kumimoji="0" sz="3200" kern="1200">
+                <a:solidFill>
+                  <a:schemeClr val="tx2"/>
+                </a:solidFill>
+                <a:latin typeface="+mj-lt"/>
+                <a:ea typeface="+mj-ea"/>
+                <a:cs typeface="+mj-cs"/>
+              </a:defRPr>
+            </a:lvl1pPr>
+          </a:lstStyle>
+          <a:p>
+            <a:pPr algn="r"/>
+            <a:r>
+              <a:rPr lang="fr-FR" sz="1600" i="1" dirty="0" smtClean="0">
+                <a:effectLst>
+                  <a:outerShdw blurRad="38100" dist="38100" dir="2700000" algn="tl">
+                    <a:srgbClr val="000000">
+                      <a:alpha val="43137"/>
+                    </a:srgbClr>
+                  </a:outerShdw>
+                </a:effectLst>
+                <a:latin typeface="+mn-lt"/>
+              </a:rPr>
+              <a:t>Soutenance de projet IF16 – 13 Décembre 2012</a:t>
+            </a:r>
+            <a:endParaRPr lang="fr-FR" sz="1600" i="1" dirty="0">
+              <a:effectLst>
+                <a:outerShdw blurRad="38100" dist="38100" dir="2700000" algn="tl">
+                  <a:srgbClr val="000000">
+                    <a:alpha val="43137"/>
+                  </a:srgbClr>
+                </a:outerShdw>
+              </a:effectLst>
+              <a:latin typeface="+mn-lt"/>
+            </a:endParaRPr>
+          </a:p>
+        </p:txBody>
+      </p:sp>
+      <p:sp>
+        <p:nvSpPr>
+          <p:cNvPr id="2" name="Rectangle à coins arrondis 1"/>
+          <p:cNvSpPr/>
+          <p:nvPr/>
+        </p:nvSpPr>
+        <p:spPr>
+          <a:xfrm>
+            <a:off x="107505" y="116632"/>
+            <a:ext cx="2304255" cy="432048"/>
+          </a:xfrm>
+          <a:prstGeom prst="roundRect">
+            <a:avLst/>
+          </a:prstGeom>
+        </p:spPr>
+        <p:style>
+          <a:lnRef idx="1">
+            <a:schemeClr val="accent4"/>
+          </a:lnRef>
+          <a:fillRef idx="3">
+            <a:schemeClr val="accent4"/>
+          </a:fillRef>
+          <a:effectRef idx="2">
+            <a:schemeClr val="accent4"/>
+          </a:effectRef>
+          <a:fontRef idx="minor">
+            <a:schemeClr val="lt1"/>
+          </a:fontRef>
+        </p:style>
+        <p:txBody>
+          <a:bodyPr rtlCol="0" anchor="ctr"/>
+          <a:lstStyle/>
+          <a:p>
+            <a:pPr algn="ctr"/>
+            <a:r>
+              <a:rPr lang="fr-FR" sz="2800" b="1" dirty="0" smtClean="0">
+                <a:effectLst>
+                  <a:outerShdw blurRad="38100" dist="38100" dir="2700000" algn="tl">
+                    <a:srgbClr val="000000">
+                      <a:alpha val="43137"/>
+                    </a:srgbClr>
+                  </a:outerShdw>
+                </a:effectLst>
+                <a:latin typeface="Garamond" pitchFamily="18" charset="0"/>
+              </a:rPr>
+              <a:t>IV) Prototype</a:t>
+            </a:r>
+            <a:endParaRPr lang="fr-FR" sz="2800" b="1" dirty="0">
+              <a:effectLst>
+                <a:outerShdw blurRad="38100" dist="38100" dir="2700000" algn="tl">
+                  <a:srgbClr val="000000">
+                    <a:alpha val="43137"/>
+                  </a:srgbClr>
+                </a:outerShdw>
+              </a:effectLst>
+              <a:latin typeface="Garamond" pitchFamily="18" charset="0"/>
+            </a:endParaRPr>
+          </a:p>
+        </p:txBody>
+      </p:sp>
+      <p:sp>
+        <p:nvSpPr>
+          <p:cNvPr id="9" name="Rectangle à coins arrondis 8"/>
+          <p:cNvSpPr/>
+          <p:nvPr/>
+        </p:nvSpPr>
+        <p:spPr>
+          <a:xfrm>
+            <a:off x="2545165" y="116632"/>
+            <a:ext cx="6491331" cy="432048"/>
+          </a:xfrm>
+          <a:prstGeom prst="roundRect">
+            <a:avLst/>
+          </a:prstGeom>
+        </p:spPr>
+        <p:style>
+          <a:lnRef idx="1">
+            <a:schemeClr val="accent1"/>
+          </a:lnRef>
+          <a:fillRef idx="3">
+            <a:schemeClr val="accent1"/>
+          </a:fillRef>
+          <a:effectRef idx="2">
+            <a:schemeClr val="accent1"/>
+          </a:effectRef>
+          <a:fontRef idx="minor">
+            <a:schemeClr val="lt1"/>
+          </a:fontRef>
+        </p:style>
+        <p:txBody>
+          <a:bodyPr rtlCol="0" anchor="ctr"/>
+          <a:lstStyle/>
+          <a:p>
+            <a:pPr algn="ctr"/>
+            <a:r>
+              <a:rPr lang="fr-FR" sz="2800" b="1" dirty="0" smtClean="0">
+                <a:effectLst>
+                  <a:outerShdw blurRad="38100" dist="38100" dir="2700000" algn="tl">
+                    <a:srgbClr val="000000">
+                      <a:alpha val="43137"/>
+                    </a:srgbClr>
+                  </a:outerShdw>
+                </a:effectLst>
+                <a:latin typeface="Garamond" pitchFamily="18" charset="0"/>
+              </a:rPr>
+              <a:t>Particulier : écrire un commentaire</a:t>
+            </a:r>
+            <a:endParaRPr lang="fr-FR" sz="2800" b="1" dirty="0">
+              <a:effectLst>
+                <a:outerShdw blurRad="38100" dist="38100" dir="2700000" algn="tl">
+                  <a:srgbClr val="000000">
+                    <a:alpha val="43137"/>
+                  </a:srgbClr>
+                </a:outerShdw>
+              </a:effectLst>
+              <a:latin typeface="Garamond" pitchFamily="18" charset="0"/>
+            </a:endParaRPr>
+          </a:p>
+        </p:txBody>
+      </p:sp>
+      <p:cxnSp>
+        <p:nvCxnSpPr>
+          <p:cNvPr id="5" name="Connecteur droit 4"/>
+          <p:cNvCxnSpPr/>
+          <p:nvPr/>
+        </p:nvCxnSpPr>
+        <p:spPr>
+          <a:xfrm>
+            <a:off x="107504" y="692696"/>
+            <a:ext cx="8928992" cy="0"/>
+          </a:xfrm>
+          <a:prstGeom prst="line">
+            <a:avLst/>
+          </a:prstGeom>
+          <a:ln w="12700">
+            <a:prstDash val="dash"/>
+          </a:ln>
+        </p:spPr>
+        <p:style>
+          <a:lnRef idx="1">
+            <a:schemeClr val="accent1"/>
+          </a:lnRef>
+          <a:fillRef idx="0">
+            <a:schemeClr val="accent1"/>
+          </a:fillRef>
+          <a:effectRef idx="0">
+            <a:schemeClr val="accent1"/>
+          </a:effectRef>
+          <a:fontRef idx="minor">
+            <a:schemeClr val="tx1"/>
+          </a:fontRef>
+        </p:style>
+      </p:cxnSp>
+      <p:cxnSp>
+        <p:nvCxnSpPr>
+          <p:cNvPr id="12" name="Connecteur droit 11"/>
+          <p:cNvCxnSpPr/>
+          <p:nvPr/>
+        </p:nvCxnSpPr>
+        <p:spPr>
+          <a:xfrm>
+            <a:off x="107504" y="6453336"/>
+            <a:ext cx="8928992" cy="0"/>
+          </a:xfrm>
+          <a:prstGeom prst="line">
+            <a:avLst/>
+          </a:prstGeom>
+          <a:ln w="12700">
+            <a:prstDash val="dash"/>
+          </a:ln>
+        </p:spPr>
+        <p:style>
+          <a:lnRef idx="1">
+            <a:schemeClr val="accent1"/>
+          </a:lnRef>
+          <a:fillRef idx="0">
+            <a:schemeClr val="accent1"/>
+          </a:fillRef>
+          <a:effectRef idx="0">
+            <a:schemeClr val="accent1"/>
+          </a:effectRef>
+          <a:fontRef idx="minor">
+            <a:schemeClr val="tx1"/>
+          </a:fontRef>
+        </p:style>
+      </p:cxnSp>
+      <p:sp>
+        <p:nvSpPr>
+          <p:cNvPr id="13" name="Rectangle à coins arrondis 12"/>
+          <p:cNvSpPr/>
+          <p:nvPr/>
+        </p:nvSpPr>
+        <p:spPr>
+          <a:xfrm>
+            <a:off x="96893" y="6518056"/>
+            <a:ext cx="2448272" cy="279648"/>
+          </a:xfrm>
+          <a:prstGeom prst="roundRect">
+            <a:avLst/>
+          </a:prstGeom>
+        </p:spPr>
+        <p:style>
+          <a:lnRef idx="1">
+            <a:schemeClr val="accent3"/>
+          </a:lnRef>
+          <a:fillRef idx="2">
+            <a:schemeClr val="accent3"/>
+          </a:fillRef>
+          <a:effectRef idx="1">
+            <a:schemeClr val="accent3"/>
+          </a:effectRef>
+          <a:fontRef idx="minor">
+            <a:schemeClr val="dk1"/>
+          </a:fontRef>
+        </p:style>
+        <p:txBody>
+          <a:bodyPr rtlCol="0" anchor="ctr"/>
+          <a:lstStyle/>
+          <a:p>
+            <a:pPr algn="ctr"/>
+            <a:r>
+              <a:rPr lang="fr-FR" dirty="0" err="1" smtClean="0">
+                <a:effectLst>
+                  <a:outerShdw blurRad="38100" dist="38100" dir="2700000" algn="tl">
+                    <a:srgbClr val="000000">
+                      <a:alpha val="43137"/>
+                    </a:srgbClr>
+                  </a:outerShdw>
+                </a:effectLst>
+                <a:latin typeface="Garamond" pitchFamily="18" charset="0"/>
+              </a:rPr>
+              <a:t>Observ’Indus</a:t>
+            </a:r>
+            <a:r>
+              <a:rPr lang="fr-FR" dirty="0" smtClean="0">
+                <a:effectLst>
+                  <a:outerShdw blurRad="38100" dist="38100" dir="2700000" algn="tl">
+                    <a:srgbClr val="000000">
+                      <a:alpha val="43137"/>
+                    </a:srgbClr>
+                  </a:outerShdw>
+                </a:effectLst>
+                <a:latin typeface="Garamond" pitchFamily="18" charset="0"/>
+              </a:rPr>
+              <a:t> (</a:t>
+            </a:r>
+            <a:r>
+              <a:rPr lang="fr-FR" dirty="0" err="1" smtClean="0">
+                <a:effectLst>
+                  <a:outerShdw blurRad="38100" dist="38100" dir="2700000" algn="tl">
+                    <a:srgbClr val="000000">
+                      <a:alpha val="43137"/>
+                    </a:srgbClr>
+                  </a:outerShdw>
+                </a:effectLst>
+                <a:latin typeface="Garamond" pitchFamily="18" charset="0"/>
+              </a:rPr>
+              <a:t>HiLaL</a:t>
+            </a:r>
+            <a:r>
+              <a:rPr lang="fr-FR" dirty="0" smtClean="0">
+                <a:effectLst>
+                  <a:outerShdw blurRad="38100" dist="38100" dir="2700000" algn="tl">
+                    <a:srgbClr val="000000">
+                      <a:alpha val="43137"/>
+                    </a:srgbClr>
+                  </a:outerShdw>
+                </a:effectLst>
+                <a:latin typeface="Garamond" pitchFamily="18" charset="0"/>
+              </a:rPr>
+              <a:t>)</a:t>
+            </a:r>
+            <a:endParaRPr lang="fr-FR" dirty="0">
+              <a:effectLst>
+                <a:outerShdw blurRad="38100" dist="38100" dir="2700000" algn="tl">
+                  <a:srgbClr val="000000">
+                    <a:alpha val="43137"/>
+                  </a:srgbClr>
+                </a:outerShdw>
+              </a:effectLst>
+              <a:latin typeface="Garamond" pitchFamily="18" charset="0"/>
+            </a:endParaRPr>
+          </a:p>
+        </p:txBody>
+      </p:sp>
+      <p:pic>
+        <p:nvPicPr>
+          <p:cNvPr id="4098" name="Picture 2"/>
+          <p:cNvPicPr>
+            <a:picLocks noChangeAspect="1" noChangeArrowheads="1"/>
+          </p:cNvPicPr>
+          <p:nvPr/>
+        </p:nvPicPr>
+        <p:blipFill>
+          <a:blip r:embed="rId2">
+            <a:extLst>
+              <a:ext uri="{28A0092B-C50C-407E-A947-70E740481C1C}">
+                <a14:useLocalDpi xmlns:a14="http://schemas.microsoft.com/office/drawing/2010/main" val="0"/>
+              </a:ext>
+            </a:extLst>
+          </a:blip>
+          <a:stretch>
+            <a:fillRect/>
+          </a:stretch>
+        </p:blipFill>
+        <p:spPr bwMode="auto">
+          <a:xfrm>
+            <a:off x="775538" y="763731"/>
+            <a:ext cx="7540876" cy="5655657"/>
+          </a:xfrm>
+          <a:prstGeom prst="rect">
+            <a:avLst/>
+          </a:prstGeom>
+          <a:noFill/>
+          <a:extLst>
+            <a:ext uri="{909E8E84-426E-40DD-AFC4-6F175D3DCCD1}">
+              <a14:hiddenFill xmlns:a14="http://schemas.microsoft.com/office/drawing/2010/main">
+                <a:solidFill>
+                  <a:srgbClr val="FFFFFF"/>
+                </a:solidFill>
+              </a14:hiddenFill>
+            </a:ext>
+          </a:extLst>
+        </p:spPr>
+      </p:pic>
+    </p:spTree>
+    <p:extLst>
+      <p:ext uri="{BB962C8B-B14F-4D97-AF65-F5344CB8AC3E}">
+        <p14:creationId xmlns:p14="http://schemas.microsoft.com/office/powerpoint/2010/main" val="255278331"/>
+      </p:ext>
+    </p:extLst>
+  </p:cSld>
+  <p:clrMapOvr>
+    <a:masterClrMapping/>
+  </p:clrMapOvr>
+  <p:timing>
+    <p:tnLst>
+      <p:par>
+        <p:cTn id="1" dur="indefinite" restart="never" nodeType="tmRoot"/>
+      </p:par>
+    </p:tnLst>
+  </p:timing>
+</p:sld>
+</file>
+
+<file path=ppt/slides/slide17.xml><?xml version="1.0" encoding="utf-8"?>
+<p:sld xmlns:a="http://schemas.openxmlformats.org/drawingml/2006/main" xmlns:r="http://schemas.openxmlformats.org/officeDocument/2006/relationships" xmlns:p="http://schemas.openxmlformats.org/presentationml/2006/main" showMasterSp="0">
+  <p:cSld>
+    <p:spTree>
+      <p:nvGrpSpPr>
+        <p:cNvPr id="1" name=""/>
+        <p:cNvGrpSpPr/>
+        <p:nvPr/>
+      </p:nvGrpSpPr>
+      <p:grpSpPr>
+        <a:xfrm>
+          <a:off x="0" y="0"/>
+          <a:ext cx="0" cy="0"/>
+          <a:chOff x="0" y="0"/>
+          <a:chExt cx="0" cy="0"/>
+        </a:xfrm>
+      </p:grpSpPr>
+      <p:sp>
+        <p:nvSpPr>
+          <p:cNvPr id="7" name="Titre 1"/>
+          <p:cNvSpPr txBox="1">
+            <a:spLocks/>
+          </p:cNvSpPr>
+          <p:nvPr/>
+        </p:nvSpPr>
+        <p:spPr>
+          <a:xfrm>
+            <a:off x="806896" y="6497958"/>
+            <a:ext cx="8229600" cy="319845"/>
+          </a:xfrm>
+          <a:prstGeom prst="rect">
+            <a:avLst/>
+          </a:prstGeom>
+        </p:spPr>
+        <p:txBody>
+          <a:bodyPr vert="horz" anchor="b" anchorCtr="0">
+            <a:normAutofit lnSpcReduction="10000"/>
+          </a:bodyPr>
+          <a:lstStyle>
+            <a:lvl1pPr algn="l" rtl="0" eaLnBrk="1" latinLnBrk="0" hangingPunct="1">
+              <a:spcBef>
+                <a:spcPct val="0"/>
+              </a:spcBef>
+              <a:buNone/>
+              <a:defRPr kumimoji="0" sz="3200" kern="1200">
+                <a:solidFill>
+                  <a:schemeClr val="tx2"/>
+                </a:solidFill>
+                <a:latin typeface="+mj-lt"/>
+                <a:ea typeface="+mj-ea"/>
+                <a:cs typeface="+mj-cs"/>
+              </a:defRPr>
+            </a:lvl1pPr>
+          </a:lstStyle>
+          <a:p>
+            <a:pPr algn="r"/>
+            <a:r>
+              <a:rPr lang="fr-FR" sz="1600" i="1" dirty="0" smtClean="0">
+                <a:effectLst>
+                  <a:outerShdw blurRad="38100" dist="38100" dir="2700000" algn="tl">
+                    <a:srgbClr val="000000">
+                      <a:alpha val="43137"/>
+                    </a:srgbClr>
+                  </a:outerShdw>
+                </a:effectLst>
+                <a:latin typeface="+mn-lt"/>
+              </a:rPr>
+              <a:t>Soutenance de projet IF16 – 13 Décembre 2012</a:t>
+            </a:r>
+            <a:endParaRPr lang="fr-FR" sz="1600" i="1" dirty="0">
+              <a:effectLst>
+                <a:outerShdw blurRad="38100" dist="38100" dir="2700000" algn="tl">
+                  <a:srgbClr val="000000">
+                    <a:alpha val="43137"/>
+                  </a:srgbClr>
+                </a:outerShdw>
+              </a:effectLst>
+              <a:latin typeface="+mn-lt"/>
+            </a:endParaRPr>
+          </a:p>
+        </p:txBody>
+      </p:sp>
+      <p:sp>
+        <p:nvSpPr>
+          <p:cNvPr id="2" name="Rectangle à coins arrondis 1"/>
+          <p:cNvSpPr/>
+          <p:nvPr/>
+        </p:nvSpPr>
+        <p:spPr>
+          <a:xfrm>
+            <a:off x="107505" y="116632"/>
+            <a:ext cx="2304255" cy="432048"/>
+          </a:xfrm>
+          <a:prstGeom prst="roundRect">
+            <a:avLst/>
+          </a:prstGeom>
+        </p:spPr>
+        <p:style>
+          <a:lnRef idx="1">
+            <a:schemeClr val="accent4"/>
+          </a:lnRef>
+          <a:fillRef idx="3">
+            <a:schemeClr val="accent4"/>
+          </a:fillRef>
+          <a:effectRef idx="2">
+            <a:schemeClr val="accent4"/>
+          </a:effectRef>
+          <a:fontRef idx="minor">
+            <a:schemeClr val="lt1"/>
+          </a:fontRef>
+        </p:style>
+        <p:txBody>
+          <a:bodyPr rtlCol="0" anchor="ctr"/>
+          <a:lstStyle/>
+          <a:p>
+            <a:pPr algn="ctr"/>
+            <a:r>
+              <a:rPr lang="fr-FR" sz="2800" b="1" dirty="0" smtClean="0">
+                <a:effectLst>
+                  <a:outerShdw blurRad="38100" dist="38100" dir="2700000" algn="tl">
+                    <a:srgbClr val="000000">
+                      <a:alpha val="43137"/>
+                    </a:srgbClr>
+                  </a:outerShdw>
+                </a:effectLst>
+                <a:latin typeface="Garamond" pitchFamily="18" charset="0"/>
+              </a:rPr>
+              <a:t>IV) Prototype</a:t>
+            </a:r>
+            <a:endParaRPr lang="fr-FR" sz="2800" b="1" dirty="0">
+              <a:effectLst>
+                <a:outerShdw blurRad="38100" dist="38100" dir="2700000" algn="tl">
+                  <a:srgbClr val="000000">
+                    <a:alpha val="43137"/>
+                  </a:srgbClr>
+                </a:outerShdw>
+              </a:effectLst>
+              <a:latin typeface="Garamond" pitchFamily="18" charset="0"/>
+            </a:endParaRPr>
+          </a:p>
+        </p:txBody>
+      </p:sp>
+      <p:sp>
+        <p:nvSpPr>
+          <p:cNvPr id="9" name="Rectangle à coins arrondis 8"/>
+          <p:cNvSpPr/>
+          <p:nvPr/>
+        </p:nvSpPr>
+        <p:spPr>
+          <a:xfrm>
+            <a:off x="2545165" y="116632"/>
+            <a:ext cx="6491331" cy="432048"/>
+          </a:xfrm>
+          <a:prstGeom prst="roundRect">
+            <a:avLst/>
+          </a:prstGeom>
+        </p:spPr>
+        <p:style>
+          <a:lnRef idx="1">
+            <a:schemeClr val="accent1"/>
+          </a:lnRef>
+          <a:fillRef idx="3">
+            <a:schemeClr val="accent1"/>
+          </a:fillRef>
+          <a:effectRef idx="2">
+            <a:schemeClr val="accent1"/>
+          </a:effectRef>
+          <a:fontRef idx="minor">
+            <a:schemeClr val="lt1"/>
+          </a:fontRef>
+        </p:style>
+        <p:txBody>
+          <a:bodyPr rtlCol="0" anchor="ctr"/>
+          <a:lstStyle/>
+          <a:p>
+            <a:pPr algn="ctr"/>
+            <a:r>
+              <a:rPr lang="fr-FR" sz="2800" b="1" dirty="0" smtClean="0">
+                <a:effectLst>
+                  <a:outerShdw blurRad="38100" dist="38100" dir="2700000" algn="tl">
+                    <a:srgbClr val="000000">
+                      <a:alpha val="43137"/>
+                    </a:srgbClr>
+                  </a:outerShdw>
+                </a:effectLst>
+                <a:latin typeface="Garamond" pitchFamily="18" charset="0"/>
+              </a:rPr>
+              <a:t>Particulier : écrire un commentaire</a:t>
+            </a:r>
+            <a:endParaRPr lang="fr-FR" sz="2800" b="1" dirty="0">
+              <a:effectLst>
+                <a:outerShdw blurRad="38100" dist="38100" dir="2700000" algn="tl">
+                  <a:srgbClr val="000000">
+                    <a:alpha val="43137"/>
+                  </a:srgbClr>
+                </a:outerShdw>
+              </a:effectLst>
+              <a:latin typeface="Garamond" pitchFamily="18" charset="0"/>
+            </a:endParaRPr>
+          </a:p>
+        </p:txBody>
+      </p:sp>
+      <p:cxnSp>
+        <p:nvCxnSpPr>
+          <p:cNvPr id="5" name="Connecteur droit 4"/>
+          <p:cNvCxnSpPr/>
+          <p:nvPr/>
+        </p:nvCxnSpPr>
+        <p:spPr>
+          <a:xfrm>
+            <a:off x="107504" y="692696"/>
+            <a:ext cx="8928992" cy="0"/>
+          </a:xfrm>
+          <a:prstGeom prst="line">
+            <a:avLst/>
+          </a:prstGeom>
+          <a:ln w="12700">
+            <a:prstDash val="dash"/>
+          </a:ln>
+        </p:spPr>
+        <p:style>
+          <a:lnRef idx="1">
+            <a:schemeClr val="accent1"/>
+          </a:lnRef>
+          <a:fillRef idx="0">
+            <a:schemeClr val="accent1"/>
+          </a:fillRef>
+          <a:effectRef idx="0">
+            <a:schemeClr val="accent1"/>
+          </a:effectRef>
+          <a:fontRef idx="minor">
+            <a:schemeClr val="tx1"/>
+          </a:fontRef>
+        </p:style>
+      </p:cxnSp>
+      <p:cxnSp>
+        <p:nvCxnSpPr>
+          <p:cNvPr id="12" name="Connecteur droit 11"/>
+          <p:cNvCxnSpPr/>
+          <p:nvPr/>
+        </p:nvCxnSpPr>
+        <p:spPr>
+          <a:xfrm>
+            <a:off x="107504" y="6453336"/>
+            <a:ext cx="8928992" cy="0"/>
+          </a:xfrm>
+          <a:prstGeom prst="line">
+            <a:avLst/>
+          </a:prstGeom>
+          <a:ln w="12700">
+            <a:prstDash val="dash"/>
+          </a:ln>
+        </p:spPr>
+        <p:style>
+          <a:lnRef idx="1">
+            <a:schemeClr val="accent1"/>
+          </a:lnRef>
+          <a:fillRef idx="0">
+            <a:schemeClr val="accent1"/>
+          </a:fillRef>
+          <a:effectRef idx="0">
+            <a:schemeClr val="accent1"/>
+          </a:effectRef>
+          <a:fontRef idx="minor">
+            <a:schemeClr val="tx1"/>
+          </a:fontRef>
+        </p:style>
+      </p:cxnSp>
+      <p:sp>
+        <p:nvSpPr>
+          <p:cNvPr id="13" name="Rectangle à coins arrondis 12"/>
+          <p:cNvSpPr/>
+          <p:nvPr/>
+        </p:nvSpPr>
+        <p:spPr>
+          <a:xfrm>
+            <a:off x="96893" y="6518056"/>
+            <a:ext cx="2448272" cy="279648"/>
+          </a:xfrm>
+          <a:prstGeom prst="roundRect">
+            <a:avLst/>
+          </a:prstGeom>
+        </p:spPr>
+        <p:style>
+          <a:lnRef idx="1">
+            <a:schemeClr val="accent3"/>
+          </a:lnRef>
+          <a:fillRef idx="2">
+            <a:schemeClr val="accent3"/>
+          </a:fillRef>
+          <a:effectRef idx="1">
+            <a:schemeClr val="accent3"/>
+          </a:effectRef>
+          <a:fontRef idx="minor">
+            <a:schemeClr val="dk1"/>
+          </a:fontRef>
+        </p:style>
+        <p:txBody>
+          <a:bodyPr rtlCol="0" anchor="ctr"/>
+          <a:lstStyle/>
+          <a:p>
+            <a:pPr algn="ctr"/>
+            <a:r>
+              <a:rPr lang="fr-FR" dirty="0" err="1" smtClean="0">
+                <a:effectLst>
+                  <a:outerShdw blurRad="38100" dist="38100" dir="2700000" algn="tl">
+                    <a:srgbClr val="000000">
+                      <a:alpha val="43137"/>
+                    </a:srgbClr>
+                  </a:outerShdw>
+                </a:effectLst>
+                <a:latin typeface="Garamond" pitchFamily="18" charset="0"/>
+              </a:rPr>
+              <a:t>Observ’Indus</a:t>
+            </a:r>
+            <a:r>
+              <a:rPr lang="fr-FR" dirty="0" smtClean="0">
+                <a:effectLst>
+                  <a:outerShdw blurRad="38100" dist="38100" dir="2700000" algn="tl">
+                    <a:srgbClr val="000000">
+                      <a:alpha val="43137"/>
+                    </a:srgbClr>
+                  </a:outerShdw>
+                </a:effectLst>
+                <a:latin typeface="Garamond" pitchFamily="18" charset="0"/>
+              </a:rPr>
+              <a:t> (</a:t>
+            </a:r>
+            <a:r>
+              <a:rPr lang="fr-FR" dirty="0" err="1" smtClean="0">
+                <a:effectLst>
+                  <a:outerShdw blurRad="38100" dist="38100" dir="2700000" algn="tl">
+                    <a:srgbClr val="000000">
+                      <a:alpha val="43137"/>
+                    </a:srgbClr>
+                  </a:outerShdw>
+                </a:effectLst>
+                <a:latin typeface="Garamond" pitchFamily="18" charset="0"/>
+              </a:rPr>
+              <a:t>HiLaL</a:t>
+            </a:r>
+            <a:r>
+              <a:rPr lang="fr-FR" dirty="0" smtClean="0">
+                <a:effectLst>
+                  <a:outerShdw blurRad="38100" dist="38100" dir="2700000" algn="tl">
+                    <a:srgbClr val="000000">
+                      <a:alpha val="43137"/>
+                    </a:srgbClr>
+                  </a:outerShdw>
+                </a:effectLst>
+                <a:latin typeface="Garamond" pitchFamily="18" charset="0"/>
+              </a:rPr>
+              <a:t>)</a:t>
+            </a:r>
+            <a:endParaRPr lang="fr-FR" dirty="0">
+              <a:effectLst>
+                <a:outerShdw blurRad="38100" dist="38100" dir="2700000" algn="tl">
+                  <a:srgbClr val="000000">
+                    <a:alpha val="43137"/>
+                  </a:srgbClr>
+                </a:outerShdw>
+              </a:effectLst>
+              <a:latin typeface="Garamond" pitchFamily="18" charset="0"/>
+            </a:endParaRPr>
+          </a:p>
+        </p:txBody>
+      </p:sp>
+      <p:pic>
+        <p:nvPicPr>
+          <p:cNvPr id="4098" name="Picture 2"/>
+          <p:cNvPicPr>
+            <a:picLocks noChangeAspect="1" noChangeArrowheads="1"/>
+          </p:cNvPicPr>
+          <p:nvPr/>
+        </p:nvPicPr>
+        <p:blipFill>
+          <a:blip r:embed="rId2">
+            <a:extLst>
+              <a:ext uri="{28A0092B-C50C-407E-A947-70E740481C1C}">
+                <a14:useLocalDpi xmlns:a14="http://schemas.microsoft.com/office/drawing/2010/main" val="0"/>
+              </a:ext>
+            </a:extLst>
+          </a:blip>
+          <a:stretch>
+            <a:fillRect/>
+          </a:stretch>
+        </p:blipFill>
+        <p:spPr bwMode="auto">
+          <a:xfrm>
+            <a:off x="775538" y="763731"/>
+            <a:ext cx="7540876" cy="5655657"/>
+          </a:xfrm>
+          <a:prstGeom prst="rect">
+            <a:avLst/>
+          </a:prstGeom>
+          <a:noFill/>
+          <a:extLst>
+            <a:ext uri="{909E8E84-426E-40DD-AFC4-6F175D3DCCD1}">
+              <a14:hiddenFill xmlns:a14="http://schemas.microsoft.com/office/drawing/2010/main">
+                <a:solidFill>
+                  <a:srgbClr val="FFFFFF"/>
+                </a:solidFill>
+              </a14:hiddenFill>
+            </a:ext>
+          </a:extLst>
+        </p:spPr>
+      </p:pic>
+    </p:spTree>
+    <p:extLst>
+      <p:ext uri="{BB962C8B-B14F-4D97-AF65-F5344CB8AC3E}">
+        <p14:creationId xmlns:p14="http://schemas.microsoft.com/office/powerpoint/2010/main" val="1847081740"/>
+      </p:ext>
+    </p:extLst>
+  </p:cSld>
+  <p:clrMapOvr>
+    <a:masterClrMapping/>
+  </p:clrMapOvr>
+  <p:timing>
+    <p:tnLst>
+      <p:par>
+        <p:cTn id="1" dur="indefinite" restart="never" nodeType="tmRoot"/>
+      </p:par>
+    </p:tnLst>
+  </p:timing>
+</p:sld>
+</file>
+
+<file path=ppt/slides/slide18.xml><?xml version="1.0" encoding="utf-8"?>
+<p:sld xmlns:a="http://schemas.openxmlformats.org/drawingml/2006/main" xmlns:r="http://schemas.openxmlformats.org/officeDocument/2006/relationships" xmlns:p="http://schemas.openxmlformats.org/presentationml/2006/main" showMasterSp="0">
+  <p:cSld>
+    <p:spTree>
+      <p:nvGrpSpPr>
+        <p:cNvPr id="1" name=""/>
+        <p:cNvGrpSpPr/>
+        <p:nvPr/>
+      </p:nvGrpSpPr>
+      <p:grpSpPr>
+        <a:xfrm>
+          <a:off x="0" y="0"/>
+          <a:ext cx="0" cy="0"/>
+          <a:chOff x="0" y="0"/>
+          <a:chExt cx="0" cy="0"/>
+        </a:xfrm>
+      </p:grpSpPr>
+      <p:sp>
+        <p:nvSpPr>
+          <p:cNvPr id="7" name="Titre 1"/>
+          <p:cNvSpPr txBox="1">
+            <a:spLocks/>
+          </p:cNvSpPr>
+          <p:nvPr/>
+        </p:nvSpPr>
+        <p:spPr>
+          <a:xfrm>
+            <a:off x="806896" y="6497958"/>
+            <a:ext cx="8229600" cy="319845"/>
+          </a:xfrm>
+          <a:prstGeom prst="rect">
+            <a:avLst/>
+          </a:prstGeom>
+        </p:spPr>
+        <p:txBody>
+          <a:bodyPr vert="horz" anchor="b" anchorCtr="0">
+            <a:normAutofit lnSpcReduction="10000"/>
+          </a:bodyPr>
+          <a:lstStyle>
+            <a:lvl1pPr algn="l" rtl="0" eaLnBrk="1" latinLnBrk="0" hangingPunct="1">
+              <a:spcBef>
+                <a:spcPct val="0"/>
+              </a:spcBef>
+              <a:buNone/>
+              <a:defRPr kumimoji="0" sz="3200" kern="1200">
+                <a:solidFill>
+                  <a:schemeClr val="tx2"/>
+                </a:solidFill>
+                <a:latin typeface="+mj-lt"/>
+                <a:ea typeface="+mj-ea"/>
+                <a:cs typeface="+mj-cs"/>
+              </a:defRPr>
+            </a:lvl1pPr>
+          </a:lstStyle>
+          <a:p>
+            <a:pPr algn="r"/>
+            <a:r>
+              <a:rPr lang="fr-FR" sz="1600" i="1" dirty="0" smtClean="0">
+                <a:effectLst>
+                  <a:outerShdw blurRad="38100" dist="38100" dir="2700000" algn="tl">
+                    <a:srgbClr val="000000">
+                      <a:alpha val="43137"/>
+                    </a:srgbClr>
+                  </a:outerShdw>
+                </a:effectLst>
+                <a:latin typeface="+mn-lt"/>
+              </a:rPr>
+              <a:t>Soutenance de projet IF16 – 13 Décembre 2012</a:t>
+            </a:r>
+            <a:endParaRPr lang="fr-FR" sz="1600" i="1" dirty="0">
+              <a:effectLst>
+                <a:outerShdw blurRad="38100" dist="38100" dir="2700000" algn="tl">
+                  <a:srgbClr val="000000">
+                    <a:alpha val="43137"/>
+                  </a:srgbClr>
+                </a:outerShdw>
+              </a:effectLst>
+              <a:latin typeface="+mn-lt"/>
+            </a:endParaRPr>
+          </a:p>
+        </p:txBody>
+      </p:sp>
+      <p:sp>
+        <p:nvSpPr>
+          <p:cNvPr id="2" name="Rectangle à coins arrondis 1"/>
+          <p:cNvSpPr/>
+          <p:nvPr/>
+        </p:nvSpPr>
+        <p:spPr>
+          <a:xfrm>
+            <a:off x="107505" y="116632"/>
+            <a:ext cx="2304255" cy="432048"/>
+          </a:xfrm>
+          <a:prstGeom prst="roundRect">
+            <a:avLst/>
+          </a:prstGeom>
+        </p:spPr>
+        <p:style>
+          <a:lnRef idx="1">
+            <a:schemeClr val="accent4"/>
+          </a:lnRef>
+          <a:fillRef idx="3">
+            <a:schemeClr val="accent4"/>
+          </a:fillRef>
+          <a:effectRef idx="2">
+            <a:schemeClr val="accent4"/>
+          </a:effectRef>
+          <a:fontRef idx="minor">
+            <a:schemeClr val="lt1"/>
+          </a:fontRef>
+        </p:style>
+        <p:txBody>
+          <a:bodyPr rtlCol="0" anchor="ctr"/>
+          <a:lstStyle/>
+          <a:p>
+            <a:pPr algn="ctr"/>
+            <a:r>
+              <a:rPr lang="fr-FR" sz="2800" b="1" dirty="0" smtClean="0">
+                <a:effectLst>
+                  <a:outerShdw blurRad="38100" dist="38100" dir="2700000" algn="tl">
+                    <a:srgbClr val="000000">
+                      <a:alpha val="43137"/>
+                    </a:srgbClr>
+                  </a:outerShdw>
+                </a:effectLst>
+                <a:latin typeface="Garamond" pitchFamily="18" charset="0"/>
+              </a:rPr>
+              <a:t>IV) Prototype</a:t>
+            </a:r>
+            <a:endParaRPr lang="fr-FR" sz="2800" b="1" dirty="0">
+              <a:effectLst>
+                <a:outerShdw blurRad="38100" dist="38100" dir="2700000" algn="tl">
+                  <a:srgbClr val="000000">
+                    <a:alpha val="43137"/>
+                  </a:srgbClr>
+                </a:outerShdw>
+              </a:effectLst>
+              <a:latin typeface="Garamond" pitchFamily="18" charset="0"/>
+            </a:endParaRPr>
+          </a:p>
+        </p:txBody>
+      </p:sp>
+      <p:sp>
+        <p:nvSpPr>
+          <p:cNvPr id="9" name="Rectangle à coins arrondis 8"/>
+          <p:cNvSpPr/>
+          <p:nvPr/>
+        </p:nvSpPr>
+        <p:spPr>
+          <a:xfrm>
+            <a:off x="2545165" y="116632"/>
+            <a:ext cx="6491331" cy="432048"/>
+          </a:xfrm>
+          <a:prstGeom prst="roundRect">
+            <a:avLst/>
+          </a:prstGeom>
+        </p:spPr>
+        <p:style>
+          <a:lnRef idx="1">
+            <a:schemeClr val="accent1"/>
+          </a:lnRef>
+          <a:fillRef idx="3">
+            <a:schemeClr val="accent1"/>
+          </a:fillRef>
+          <a:effectRef idx="2">
+            <a:schemeClr val="accent1"/>
+          </a:effectRef>
+          <a:fontRef idx="minor">
+            <a:schemeClr val="lt1"/>
+          </a:fontRef>
+        </p:style>
+        <p:txBody>
+          <a:bodyPr rtlCol="0" anchor="ctr"/>
+          <a:lstStyle/>
+          <a:p>
+            <a:pPr algn="ctr"/>
+            <a:r>
+              <a:rPr lang="fr-FR" sz="2800" b="1" dirty="0" smtClean="0">
+                <a:effectLst>
+                  <a:outerShdw blurRad="38100" dist="38100" dir="2700000" algn="tl">
+                    <a:srgbClr val="000000">
+                      <a:alpha val="43137"/>
+                    </a:srgbClr>
+                  </a:outerShdw>
+                </a:effectLst>
+                <a:latin typeface="Garamond" pitchFamily="18" charset="0"/>
+              </a:rPr>
+              <a:t>Particulier : écrire un commentaire</a:t>
+            </a:r>
+            <a:endParaRPr lang="fr-FR" sz="2800" b="1" dirty="0">
+              <a:effectLst>
+                <a:outerShdw blurRad="38100" dist="38100" dir="2700000" algn="tl">
+                  <a:srgbClr val="000000">
+                    <a:alpha val="43137"/>
+                  </a:srgbClr>
+                </a:outerShdw>
+              </a:effectLst>
+              <a:latin typeface="Garamond" pitchFamily="18" charset="0"/>
+            </a:endParaRPr>
+          </a:p>
+        </p:txBody>
+      </p:sp>
+      <p:cxnSp>
+        <p:nvCxnSpPr>
+          <p:cNvPr id="5" name="Connecteur droit 4"/>
+          <p:cNvCxnSpPr/>
+          <p:nvPr/>
+        </p:nvCxnSpPr>
+        <p:spPr>
+          <a:xfrm>
+            <a:off x="107504" y="692696"/>
+            <a:ext cx="8928992" cy="0"/>
+          </a:xfrm>
+          <a:prstGeom prst="line">
+            <a:avLst/>
+          </a:prstGeom>
+          <a:ln w="12700">
+            <a:prstDash val="dash"/>
+          </a:ln>
+        </p:spPr>
+        <p:style>
+          <a:lnRef idx="1">
+            <a:schemeClr val="accent1"/>
+          </a:lnRef>
+          <a:fillRef idx="0">
+            <a:schemeClr val="accent1"/>
+          </a:fillRef>
+          <a:effectRef idx="0">
+            <a:schemeClr val="accent1"/>
+          </a:effectRef>
+          <a:fontRef idx="minor">
+            <a:schemeClr val="tx1"/>
+          </a:fontRef>
+        </p:style>
+      </p:cxnSp>
+      <p:cxnSp>
+        <p:nvCxnSpPr>
+          <p:cNvPr id="12" name="Connecteur droit 11"/>
+          <p:cNvCxnSpPr/>
+          <p:nvPr/>
+        </p:nvCxnSpPr>
+        <p:spPr>
+          <a:xfrm>
+            <a:off x="107504" y="6453336"/>
+            <a:ext cx="8928992" cy="0"/>
+          </a:xfrm>
+          <a:prstGeom prst="line">
+            <a:avLst/>
+          </a:prstGeom>
+          <a:ln w="12700">
+            <a:prstDash val="dash"/>
+          </a:ln>
+        </p:spPr>
+        <p:style>
+          <a:lnRef idx="1">
+            <a:schemeClr val="accent1"/>
+          </a:lnRef>
+          <a:fillRef idx="0">
+            <a:schemeClr val="accent1"/>
+          </a:fillRef>
+          <a:effectRef idx="0">
+            <a:schemeClr val="accent1"/>
+          </a:effectRef>
+          <a:fontRef idx="minor">
+            <a:schemeClr val="tx1"/>
+          </a:fontRef>
+        </p:style>
+      </p:cxnSp>
+      <p:sp>
+        <p:nvSpPr>
+          <p:cNvPr id="13" name="Rectangle à coins arrondis 12"/>
+          <p:cNvSpPr/>
+          <p:nvPr/>
+        </p:nvSpPr>
+        <p:spPr>
+          <a:xfrm>
+            <a:off x="96893" y="6518056"/>
+            <a:ext cx="2448272" cy="279648"/>
+          </a:xfrm>
+          <a:prstGeom prst="roundRect">
+            <a:avLst/>
+          </a:prstGeom>
+        </p:spPr>
+        <p:style>
+          <a:lnRef idx="1">
+            <a:schemeClr val="accent3"/>
+          </a:lnRef>
+          <a:fillRef idx="2">
+            <a:schemeClr val="accent3"/>
+          </a:fillRef>
+          <a:effectRef idx="1">
+            <a:schemeClr val="accent3"/>
+          </a:effectRef>
+          <a:fontRef idx="minor">
+            <a:schemeClr val="dk1"/>
+          </a:fontRef>
+        </p:style>
+        <p:txBody>
+          <a:bodyPr rtlCol="0" anchor="ctr"/>
+          <a:lstStyle/>
+          <a:p>
+            <a:pPr algn="ctr"/>
+            <a:r>
+              <a:rPr lang="fr-FR" dirty="0" err="1" smtClean="0">
+                <a:effectLst>
+                  <a:outerShdw blurRad="38100" dist="38100" dir="2700000" algn="tl">
+                    <a:srgbClr val="000000">
+                      <a:alpha val="43137"/>
+                    </a:srgbClr>
+                  </a:outerShdw>
+                </a:effectLst>
+                <a:latin typeface="Garamond" pitchFamily="18" charset="0"/>
+              </a:rPr>
+              <a:t>Observ’Indus</a:t>
+            </a:r>
+            <a:r>
+              <a:rPr lang="fr-FR" dirty="0" smtClean="0">
+                <a:effectLst>
+                  <a:outerShdw blurRad="38100" dist="38100" dir="2700000" algn="tl">
+                    <a:srgbClr val="000000">
+                      <a:alpha val="43137"/>
+                    </a:srgbClr>
+                  </a:outerShdw>
+                </a:effectLst>
+                <a:latin typeface="Garamond" pitchFamily="18" charset="0"/>
+              </a:rPr>
+              <a:t> (</a:t>
+            </a:r>
+            <a:r>
+              <a:rPr lang="fr-FR" dirty="0" err="1" smtClean="0">
+                <a:effectLst>
+                  <a:outerShdw blurRad="38100" dist="38100" dir="2700000" algn="tl">
+                    <a:srgbClr val="000000">
+                      <a:alpha val="43137"/>
+                    </a:srgbClr>
+                  </a:outerShdw>
+                </a:effectLst>
+                <a:latin typeface="Garamond" pitchFamily="18" charset="0"/>
+              </a:rPr>
+              <a:t>HiLaL</a:t>
+            </a:r>
+            <a:r>
+              <a:rPr lang="fr-FR" dirty="0" smtClean="0">
+                <a:effectLst>
+                  <a:outerShdw blurRad="38100" dist="38100" dir="2700000" algn="tl">
+                    <a:srgbClr val="000000">
+                      <a:alpha val="43137"/>
+                    </a:srgbClr>
+                  </a:outerShdw>
+                </a:effectLst>
+                <a:latin typeface="Garamond" pitchFamily="18" charset="0"/>
+              </a:rPr>
+              <a:t>)</a:t>
+            </a:r>
+            <a:endParaRPr lang="fr-FR" dirty="0">
+              <a:effectLst>
+                <a:outerShdw blurRad="38100" dist="38100" dir="2700000" algn="tl">
+                  <a:srgbClr val="000000">
+                    <a:alpha val="43137"/>
+                  </a:srgbClr>
+                </a:outerShdw>
+              </a:effectLst>
+              <a:latin typeface="Garamond" pitchFamily="18" charset="0"/>
+            </a:endParaRPr>
+          </a:p>
+        </p:txBody>
+      </p:sp>
+      <p:pic>
+        <p:nvPicPr>
+          <p:cNvPr id="4098" name="Picture 2"/>
+          <p:cNvPicPr>
+            <a:picLocks noChangeAspect="1" noChangeArrowheads="1"/>
+          </p:cNvPicPr>
+          <p:nvPr/>
+        </p:nvPicPr>
+        <p:blipFill>
+          <a:blip r:embed="rId2">
+            <a:extLst>
+              <a:ext uri="{28A0092B-C50C-407E-A947-70E740481C1C}">
+                <a14:useLocalDpi xmlns:a14="http://schemas.microsoft.com/office/drawing/2010/main" val="0"/>
+              </a:ext>
+            </a:extLst>
+          </a:blip>
+          <a:stretch>
+            <a:fillRect/>
+          </a:stretch>
+        </p:blipFill>
+        <p:spPr bwMode="auto">
+          <a:xfrm>
+            <a:off x="775538" y="763731"/>
+            <a:ext cx="7540876" cy="5655657"/>
+          </a:xfrm>
+          <a:prstGeom prst="rect">
+            <a:avLst/>
+          </a:prstGeom>
+          <a:noFill/>
+          <a:extLst>
+            <a:ext uri="{909E8E84-426E-40DD-AFC4-6F175D3DCCD1}">
+              <a14:hiddenFill xmlns:a14="http://schemas.microsoft.com/office/drawing/2010/main">
+                <a:solidFill>
+                  <a:srgbClr val="FFFFFF"/>
+                </a:solidFill>
+              </a14:hiddenFill>
+            </a:ext>
+          </a:extLst>
+        </p:spPr>
+      </p:pic>
+    </p:spTree>
+    <p:extLst>
+      <p:ext uri="{BB962C8B-B14F-4D97-AF65-F5344CB8AC3E}">
+        <p14:creationId xmlns:p14="http://schemas.microsoft.com/office/powerpoint/2010/main" val="1982839304"/>
+      </p:ext>
+    </p:extLst>
+  </p:cSld>
+  <p:clrMapOvr>
+    <a:masterClrMapping/>
+  </p:clrMapOvr>
+  <p:timing>
+    <p:tnLst>
+      <p:par>
+        <p:cTn id="1" dur="indefinite" restart="never" nodeType="tmRoot"/>
+      </p:par>
+    </p:tnLst>
+  </p:timing>
+</p:sld>
+</file>
+
+<file path=ppt/slides/slide19.xml><?xml version="1.0" encoding="utf-8"?>
+<p:sld xmlns:a="http://schemas.openxmlformats.org/drawingml/2006/main" xmlns:r="http://schemas.openxmlformats.org/officeDocument/2006/relationships" xmlns:p="http://schemas.openxmlformats.org/presentationml/2006/main" showMasterSp="0">
+  <p:cSld>
+    <p:spTree>
+      <p:nvGrpSpPr>
+        <p:cNvPr id="1" name=""/>
+        <p:cNvGrpSpPr/>
+        <p:nvPr/>
+      </p:nvGrpSpPr>
+      <p:grpSpPr>
+        <a:xfrm>
+          <a:off x="0" y="0"/>
+          <a:ext cx="0" cy="0"/>
+          <a:chOff x="0" y="0"/>
+          <a:chExt cx="0" cy="0"/>
+        </a:xfrm>
+      </p:grpSpPr>
+      <p:sp>
+        <p:nvSpPr>
+          <p:cNvPr id="7" name="Titre 1"/>
+          <p:cNvSpPr txBox="1">
+            <a:spLocks/>
+          </p:cNvSpPr>
+          <p:nvPr/>
+        </p:nvSpPr>
+        <p:spPr>
+          <a:xfrm>
+            <a:off x="806896" y="6497958"/>
+            <a:ext cx="8229600" cy="319845"/>
+          </a:xfrm>
+          <a:prstGeom prst="rect">
+            <a:avLst/>
+          </a:prstGeom>
+        </p:spPr>
+        <p:txBody>
+          <a:bodyPr vert="horz" anchor="b" anchorCtr="0">
+            <a:normAutofit lnSpcReduction="10000"/>
+          </a:bodyPr>
+          <a:lstStyle>
+            <a:lvl1pPr algn="l" rtl="0" eaLnBrk="1" latinLnBrk="0" hangingPunct="1">
+              <a:spcBef>
+                <a:spcPct val="0"/>
+              </a:spcBef>
+              <a:buNone/>
+              <a:defRPr kumimoji="0" sz="3200" kern="1200">
+                <a:solidFill>
+                  <a:schemeClr val="tx2"/>
+                </a:solidFill>
+                <a:latin typeface="+mj-lt"/>
+                <a:ea typeface="+mj-ea"/>
+                <a:cs typeface="+mj-cs"/>
+              </a:defRPr>
+            </a:lvl1pPr>
+          </a:lstStyle>
+          <a:p>
+            <a:pPr algn="r"/>
+            <a:r>
+              <a:rPr lang="fr-FR" sz="1600" i="1" dirty="0" smtClean="0">
+                <a:effectLst>
+                  <a:outerShdw blurRad="38100" dist="38100" dir="2700000" algn="tl">
+                    <a:srgbClr val="000000">
+                      <a:alpha val="43137"/>
+                    </a:srgbClr>
+                  </a:outerShdw>
+                </a:effectLst>
+                <a:latin typeface="+mn-lt"/>
+              </a:rPr>
+              <a:t>Soutenance de projet IF16 – 13 Décembre 2012</a:t>
+            </a:r>
+            <a:endParaRPr lang="fr-FR" sz="1600" i="1" dirty="0">
+              <a:effectLst>
+                <a:outerShdw blurRad="38100" dist="38100" dir="2700000" algn="tl">
+                  <a:srgbClr val="000000">
+                    <a:alpha val="43137"/>
+                  </a:srgbClr>
+                </a:outerShdw>
+              </a:effectLst>
+              <a:latin typeface="+mn-lt"/>
+            </a:endParaRPr>
+          </a:p>
+        </p:txBody>
+      </p:sp>
+      <p:sp>
+        <p:nvSpPr>
+          <p:cNvPr id="8" name="Espace réservé du contenu 2"/>
+          <p:cNvSpPr>
+            <a:spLocks noGrp="1"/>
+          </p:cNvSpPr>
+          <p:nvPr>
+            <p:ph sz="quarter" idx="1"/>
+          </p:nvPr>
+        </p:nvSpPr>
+        <p:spPr>
+          <a:xfrm>
+            <a:off x="107504" y="764704"/>
+            <a:ext cx="8928992" cy="5616624"/>
+          </a:xfrm>
+        </p:spPr>
+        <p:txBody>
+          <a:bodyPr>
+            <a:normAutofit/>
+          </a:bodyPr>
+          <a:lstStyle/>
+          <a:p>
+            <a:r>
+              <a:rPr lang="fr-FR" b="1" dirty="0" smtClean="0">
+                <a:solidFill>
+                  <a:schemeClr val="tx2"/>
+                </a:solidFill>
+                <a:effectLst>
+                  <a:outerShdw blurRad="38100" dist="38100" dir="2700000" algn="tl">
+                    <a:srgbClr val="000000">
+                      <a:alpha val="43137"/>
+                    </a:srgbClr>
+                  </a:outerShdw>
+                </a:effectLst>
+              </a:rPr>
+              <a:t>// @TODO</a:t>
+            </a:r>
+            <a:endParaRPr lang="fr-FR" dirty="0">
+              <a:solidFill>
+                <a:schemeClr val="tx2"/>
+              </a:solidFill>
+              <a:effectLst>
+                <a:outerShdw blurRad="38100" dist="38100" dir="2700000" algn="tl">
+                  <a:srgbClr val="000000">
+                    <a:alpha val="43137"/>
+                  </a:srgbClr>
+                </a:outerShdw>
+              </a:effectLst>
+            </a:endParaRPr>
+          </a:p>
+        </p:txBody>
+      </p:sp>
+      <p:sp>
+        <p:nvSpPr>
+          <p:cNvPr id="2" name="Rectangle à coins arrondis 1"/>
+          <p:cNvSpPr/>
+          <p:nvPr/>
+        </p:nvSpPr>
+        <p:spPr>
+          <a:xfrm>
+            <a:off x="107505" y="116632"/>
+            <a:ext cx="2304255" cy="432048"/>
+          </a:xfrm>
+          <a:prstGeom prst="roundRect">
+            <a:avLst/>
+          </a:prstGeom>
+        </p:spPr>
+        <p:style>
+          <a:lnRef idx="1">
+            <a:schemeClr val="accent4"/>
+          </a:lnRef>
+          <a:fillRef idx="3">
+            <a:schemeClr val="accent4"/>
+          </a:fillRef>
+          <a:effectRef idx="2">
+            <a:schemeClr val="accent4"/>
+          </a:effectRef>
+          <a:fontRef idx="minor">
+            <a:schemeClr val="lt1"/>
+          </a:fontRef>
+        </p:style>
+        <p:txBody>
+          <a:bodyPr rtlCol="0" anchor="ctr"/>
+          <a:lstStyle/>
+          <a:p>
+            <a:pPr algn="ctr"/>
+            <a:r>
+              <a:rPr lang="fr-FR" sz="2800" b="1" dirty="0" smtClean="0">
+                <a:effectLst>
+                  <a:outerShdw blurRad="38100" dist="38100" dir="2700000" algn="tl">
+                    <a:srgbClr val="000000">
+                      <a:alpha val="43137"/>
+                    </a:srgbClr>
+                  </a:outerShdw>
+                </a:effectLst>
+                <a:latin typeface="Garamond" pitchFamily="18" charset="0"/>
+              </a:rPr>
+              <a:t>IV) Prototype</a:t>
+            </a:r>
+            <a:endParaRPr lang="fr-FR" sz="2800" b="1" dirty="0">
+              <a:effectLst>
+                <a:outerShdw blurRad="38100" dist="38100" dir="2700000" algn="tl">
+                  <a:srgbClr val="000000">
+                    <a:alpha val="43137"/>
+                  </a:srgbClr>
+                </a:outerShdw>
+              </a:effectLst>
+              <a:latin typeface="Garamond" pitchFamily="18" charset="0"/>
+            </a:endParaRPr>
+          </a:p>
+        </p:txBody>
+      </p:sp>
+      <p:sp>
+        <p:nvSpPr>
+          <p:cNvPr id="9" name="Rectangle à coins arrondis 8"/>
+          <p:cNvSpPr/>
+          <p:nvPr/>
+        </p:nvSpPr>
+        <p:spPr>
+          <a:xfrm>
+            <a:off x="2545165" y="116632"/>
+            <a:ext cx="6491331" cy="432048"/>
+          </a:xfrm>
+          <a:prstGeom prst="roundRect">
+            <a:avLst/>
+          </a:prstGeom>
+        </p:spPr>
+        <p:style>
+          <a:lnRef idx="1">
+            <a:schemeClr val="accent1"/>
+          </a:lnRef>
+          <a:fillRef idx="3">
+            <a:schemeClr val="accent1"/>
+          </a:fillRef>
+          <a:effectRef idx="2">
+            <a:schemeClr val="accent1"/>
+          </a:effectRef>
+          <a:fontRef idx="minor">
+            <a:schemeClr val="lt1"/>
+          </a:fontRef>
+        </p:style>
+        <p:txBody>
+          <a:bodyPr rtlCol="0" anchor="ctr"/>
+          <a:lstStyle/>
+          <a:p>
+            <a:pPr algn="ctr"/>
+            <a:r>
+              <a:rPr lang="fr-FR" sz="2800" b="1" dirty="0" smtClean="0">
+                <a:effectLst>
+                  <a:outerShdw blurRad="38100" dist="38100" dir="2700000" algn="tl">
+                    <a:srgbClr val="000000">
+                      <a:alpha val="43137"/>
+                    </a:srgbClr>
+                  </a:outerShdw>
+                </a:effectLst>
+                <a:latin typeface="Garamond" pitchFamily="18" charset="0"/>
+              </a:rPr>
+              <a:t>Particulier : laisser un commentaire</a:t>
+            </a:r>
+            <a:endParaRPr lang="fr-FR" sz="2800" b="1" dirty="0">
+              <a:effectLst>
+                <a:outerShdw blurRad="38100" dist="38100" dir="2700000" algn="tl">
+                  <a:srgbClr val="000000">
+                    <a:alpha val="43137"/>
+                  </a:srgbClr>
+                </a:outerShdw>
+              </a:effectLst>
+              <a:latin typeface="Garamond" pitchFamily="18" charset="0"/>
+            </a:endParaRPr>
+          </a:p>
+        </p:txBody>
+      </p:sp>
+      <p:cxnSp>
+        <p:nvCxnSpPr>
+          <p:cNvPr id="5" name="Connecteur droit 4"/>
+          <p:cNvCxnSpPr/>
+          <p:nvPr/>
+        </p:nvCxnSpPr>
+        <p:spPr>
+          <a:xfrm>
+            <a:off x="107504" y="692696"/>
+            <a:ext cx="8928992" cy="0"/>
+          </a:xfrm>
+          <a:prstGeom prst="line">
+            <a:avLst/>
+          </a:prstGeom>
+          <a:ln w="12700">
+            <a:prstDash val="dash"/>
+          </a:ln>
+        </p:spPr>
+        <p:style>
+          <a:lnRef idx="1">
+            <a:schemeClr val="accent1"/>
+          </a:lnRef>
+          <a:fillRef idx="0">
+            <a:schemeClr val="accent1"/>
+          </a:fillRef>
+          <a:effectRef idx="0">
+            <a:schemeClr val="accent1"/>
+          </a:effectRef>
+          <a:fontRef idx="minor">
+            <a:schemeClr val="tx1"/>
+          </a:fontRef>
+        </p:style>
+      </p:cxnSp>
+      <p:cxnSp>
+        <p:nvCxnSpPr>
+          <p:cNvPr id="12" name="Connecteur droit 11"/>
+          <p:cNvCxnSpPr/>
+          <p:nvPr/>
+        </p:nvCxnSpPr>
+        <p:spPr>
+          <a:xfrm>
+            <a:off x="107504" y="6453336"/>
+            <a:ext cx="8928992" cy="0"/>
+          </a:xfrm>
+          <a:prstGeom prst="line">
+            <a:avLst/>
+          </a:prstGeom>
+          <a:ln w="12700">
+            <a:prstDash val="dash"/>
+          </a:ln>
+        </p:spPr>
+        <p:style>
+          <a:lnRef idx="1">
+            <a:schemeClr val="accent1"/>
+          </a:lnRef>
+          <a:fillRef idx="0">
+            <a:schemeClr val="accent1"/>
+          </a:fillRef>
+          <a:effectRef idx="0">
+            <a:schemeClr val="accent1"/>
+          </a:effectRef>
+          <a:fontRef idx="minor">
+            <a:schemeClr val="tx1"/>
+          </a:fontRef>
+        </p:style>
+      </p:cxnSp>
+      <p:sp>
+        <p:nvSpPr>
+          <p:cNvPr id="13" name="Rectangle à coins arrondis 12"/>
+          <p:cNvSpPr/>
+          <p:nvPr/>
+        </p:nvSpPr>
+        <p:spPr>
+          <a:xfrm>
+            <a:off x="96893" y="6518056"/>
+            <a:ext cx="2448272" cy="279648"/>
+          </a:xfrm>
+          <a:prstGeom prst="roundRect">
+            <a:avLst/>
+          </a:prstGeom>
+        </p:spPr>
+        <p:style>
+          <a:lnRef idx="1">
+            <a:schemeClr val="accent3"/>
+          </a:lnRef>
+          <a:fillRef idx="2">
+            <a:schemeClr val="accent3"/>
+          </a:fillRef>
+          <a:effectRef idx="1">
+            <a:schemeClr val="accent3"/>
+          </a:effectRef>
+          <a:fontRef idx="minor">
+            <a:schemeClr val="dk1"/>
+          </a:fontRef>
+        </p:style>
+        <p:txBody>
+          <a:bodyPr rtlCol="0" anchor="ctr"/>
+          <a:lstStyle/>
+          <a:p>
+            <a:pPr algn="ctr"/>
+            <a:r>
+              <a:rPr lang="fr-FR" dirty="0" err="1" smtClean="0">
+                <a:effectLst>
+                  <a:outerShdw blurRad="38100" dist="38100" dir="2700000" algn="tl">
+                    <a:srgbClr val="000000">
+                      <a:alpha val="43137"/>
+                    </a:srgbClr>
+                  </a:outerShdw>
+                </a:effectLst>
+                <a:latin typeface="Garamond" pitchFamily="18" charset="0"/>
+              </a:rPr>
+              <a:t>Observ’Indus</a:t>
+            </a:r>
+            <a:r>
+              <a:rPr lang="fr-FR" dirty="0" smtClean="0">
+                <a:effectLst>
+                  <a:outerShdw blurRad="38100" dist="38100" dir="2700000" algn="tl">
+                    <a:srgbClr val="000000">
+                      <a:alpha val="43137"/>
+                    </a:srgbClr>
+                  </a:outerShdw>
+                </a:effectLst>
+                <a:latin typeface="Garamond" pitchFamily="18" charset="0"/>
+              </a:rPr>
+              <a:t> (</a:t>
+            </a:r>
+            <a:r>
+              <a:rPr lang="fr-FR" dirty="0" err="1" smtClean="0">
+                <a:effectLst>
+                  <a:outerShdw blurRad="38100" dist="38100" dir="2700000" algn="tl">
+                    <a:srgbClr val="000000">
+                      <a:alpha val="43137"/>
+                    </a:srgbClr>
+                  </a:outerShdw>
+                </a:effectLst>
+                <a:latin typeface="Garamond" pitchFamily="18" charset="0"/>
+              </a:rPr>
+              <a:t>HiLaL</a:t>
+            </a:r>
+            <a:r>
+              <a:rPr lang="fr-FR" dirty="0" smtClean="0">
+                <a:effectLst>
+                  <a:outerShdw blurRad="38100" dist="38100" dir="2700000" algn="tl">
+                    <a:srgbClr val="000000">
+                      <a:alpha val="43137"/>
+                    </a:srgbClr>
+                  </a:outerShdw>
+                </a:effectLst>
+                <a:latin typeface="Garamond" pitchFamily="18" charset="0"/>
+              </a:rPr>
+              <a:t>)</a:t>
+            </a:r>
+            <a:endParaRPr lang="fr-FR" dirty="0">
+              <a:effectLst>
+                <a:outerShdw blurRad="38100" dist="38100" dir="2700000" algn="tl">
+                  <a:srgbClr val="000000">
+                    <a:alpha val="43137"/>
+                  </a:srgbClr>
+                </a:outerShdw>
+              </a:effectLst>
+              <a:latin typeface="Garamond" pitchFamily="18" charset="0"/>
+            </a:endParaRPr>
+          </a:p>
+        </p:txBody>
+      </p:sp>
+    </p:spTree>
+    <p:extLst>
+      <p:ext uri="{BB962C8B-B14F-4D97-AF65-F5344CB8AC3E}">
+        <p14:creationId xmlns:p14="http://schemas.microsoft.com/office/powerpoint/2010/main" val="171712101"/>
       </p:ext>
     </p:extLst>
   </p:cSld>
@@ -6256,46 +10051,7 @@
                 </a:effectLst>
                 <a:latin typeface="+mn-lt"/>
               </a:rPr>
-              <a:t>Soutenance de </a:t>
-            </a:r>
-            <a:r>
-              <a:rPr lang="fr-FR" sz="1600" i="1" dirty="0" smtClean="0">
-                <a:effectLst>
-                  <a:outerShdw blurRad="38100" dist="38100" dir="2700000" algn="tl">
-                    <a:srgbClr val="000000">
-                      <a:alpha val="43137"/>
-                    </a:srgbClr>
-                  </a:outerShdw>
-                </a:effectLst>
-                <a:latin typeface="+mn-lt"/>
-              </a:rPr>
-              <a:t>projet IF16 </a:t>
-            </a:r>
-            <a:r>
-              <a:rPr lang="fr-FR" sz="1600" i="1" dirty="0" smtClean="0">
-                <a:effectLst>
-                  <a:outerShdw blurRad="38100" dist="38100" dir="2700000" algn="tl">
-                    <a:srgbClr val="000000">
-                      <a:alpha val="43137"/>
-                    </a:srgbClr>
-                  </a:outerShdw>
-                </a:effectLst>
-                <a:latin typeface="+mn-lt"/>
-              </a:rPr>
-              <a:t>– 13 Décembre </a:t>
-            </a:r>
-            <a:r>
-              <a:rPr lang="fr-FR" sz="1600" i="1" dirty="0" smtClean="0">
-                <a:effectLst>
-                  <a:outerShdw blurRad="38100" dist="38100" dir="2700000" algn="tl">
-                    <a:srgbClr val="000000">
-                      <a:alpha val="43137"/>
-                    </a:srgbClr>
-                  </a:outerShdw>
-                </a:effectLst>
-                <a:latin typeface="+mn-lt"/>
-              </a:rPr>
-              <a:t>2012</a:t>
+              <a:t>Soutenance de projet IF16 – 13 Décembre 2012</a:t>
             </a:r>
             <a:endParaRPr lang="fr-FR" sz="1600" i="1" dirty="0">
               <a:effectLst>
@@ -6909,10 +10665,869 @@
           </a:p>
         </p:txBody>
       </p:sp>
+      <p:pic>
+        <p:nvPicPr>
+          <p:cNvPr id="2051" name="Picture 3" descr="C:\Users\Jeremie\Documents\Etudes\2011 - Diplome Ingenieur Informatique (UTT)\Semestre 4\IF16 - Groupware et workflow - concepts et mise en oeuvre\Projet\Maquettes\Screenshots Balsamiq\Entreprise+-+Informations.png"/>
+          <p:cNvPicPr>
+            <a:picLocks noChangeAspect="1" noChangeArrowheads="1"/>
+          </p:cNvPicPr>
+          <p:nvPr/>
+        </p:nvPicPr>
+        <p:blipFill>
+          <a:blip r:embed="rId2" cstate="print">
+            <a:extLst>
+              <a:ext uri="{28A0092B-C50C-407E-A947-70E740481C1C}">
+                <a14:useLocalDpi xmlns:a14="http://schemas.microsoft.com/office/drawing/2010/main" val="0"/>
+              </a:ext>
+            </a:extLst>
+          </a:blip>
+          <a:srcRect/>
+          <a:stretch>
+            <a:fillRect/>
+          </a:stretch>
+        </p:blipFill>
+        <p:spPr bwMode="auto">
+          <a:xfrm>
+            <a:off x="4572000" y="1124744"/>
+            <a:ext cx="4104456" cy="3078342"/>
+          </a:xfrm>
+          <a:prstGeom prst="rect">
+            <a:avLst/>
+          </a:prstGeom>
+          <a:noFill/>
+          <a:extLst>
+            <a:ext uri="{909E8E84-426E-40DD-AFC4-6F175D3DCCD1}">
+              <a14:hiddenFill xmlns:a14="http://schemas.microsoft.com/office/drawing/2010/main">
+                <a:solidFill>
+                  <a:srgbClr val="FFFFFF"/>
+                </a:solidFill>
+              </a14:hiddenFill>
+            </a:ext>
+          </a:extLst>
+        </p:spPr>
+      </p:pic>
     </p:spTree>
     <p:extLst>
       <p:ext uri="{BB962C8B-B14F-4D97-AF65-F5344CB8AC3E}">
         <p14:creationId xmlns:p14="http://schemas.microsoft.com/office/powerpoint/2010/main" val="4113834661"/>
+      </p:ext>
+    </p:extLst>
+  </p:cSld>
+  <p:clrMapOvr>
+    <a:masterClrMapping/>
+  </p:clrMapOvr>
+  <p:timing>
+    <p:tnLst>
+      <p:par>
+        <p:cTn id="1" dur="indefinite" restart="never" nodeType="tmRoot"/>
+      </p:par>
+    </p:tnLst>
+  </p:timing>
+</p:sld>
+</file>
+
+<file path=ppt/slides/slide20.xml><?xml version="1.0" encoding="utf-8"?>
+<p:sld xmlns:a="http://schemas.openxmlformats.org/drawingml/2006/main" xmlns:r="http://schemas.openxmlformats.org/officeDocument/2006/relationships" xmlns:p="http://schemas.openxmlformats.org/presentationml/2006/main" showMasterSp="0">
+  <p:cSld>
+    <p:spTree>
+      <p:nvGrpSpPr>
+        <p:cNvPr id="1" name=""/>
+        <p:cNvGrpSpPr/>
+        <p:nvPr/>
+      </p:nvGrpSpPr>
+      <p:grpSpPr>
+        <a:xfrm>
+          <a:off x="0" y="0"/>
+          <a:ext cx="0" cy="0"/>
+          <a:chOff x="0" y="0"/>
+          <a:chExt cx="0" cy="0"/>
+        </a:xfrm>
+      </p:grpSpPr>
+      <p:sp>
+        <p:nvSpPr>
+          <p:cNvPr id="7" name="Titre 1"/>
+          <p:cNvSpPr txBox="1">
+            <a:spLocks/>
+          </p:cNvSpPr>
+          <p:nvPr/>
+        </p:nvSpPr>
+        <p:spPr>
+          <a:xfrm>
+            <a:off x="806896" y="6497958"/>
+            <a:ext cx="8229600" cy="319845"/>
+          </a:xfrm>
+          <a:prstGeom prst="rect">
+            <a:avLst/>
+          </a:prstGeom>
+        </p:spPr>
+        <p:txBody>
+          <a:bodyPr vert="horz" anchor="b" anchorCtr="0">
+            <a:normAutofit lnSpcReduction="10000"/>
+          </a:bodyPr>
+          <a:lstStyle>
+            <a:lvl1pPr algn="l" rtl="0" eaLnBrk="1" latinLnBrk="0" hangingPunct="1">
+              <a:spcBef>
+                <a:spcPct val="0"/>
+              </a:spcBef>
+              <a:buNone/>
+              <a:defRPr kumimoji="0" sz="3200" kern="1200">
+                <a:solidFill>
+                  <a:schemeClr val="tx2"/>
+                </a:solidFill>
+                <a:latin typeface="+mj-lt"/>
+                <a:ea typeface="+mj-ea"/>
+                <a:cs typeface="+mj-cs"/>
+              </a:defRPr>
+            </a:lvl1pPr>
+          </a:lstStyle>
+          <a:p>
+            <a:pPr algn="r"/>
+            <a:r>
+              <a:rPr lang="fr-FR" sz="1600" i="1" dirty="0" smtClean="0">
+                <a:effectLst>
+                  <a:outerShdw blurRad="38100" dist="38100" dir="2700000" algn="tl">
+                    <a:srgbClr val="000000">
+                      <a:alpha val="43137"/>
+                    </a:srgbClr>
+                  </a:outerShdw>
+                </a:effectLst>
+                <a:latin typeface="+mn-lt"/>
+              </a:rPr>
+              <a:t>Soutenance de projet IF16 – 13 Décembre 2012</a:t>
+            </a:r>
+            <a:endParaRPr lang="fr-FR" sz="1600" i="1" dirty="0">
+              <a:effectLst>
+                <a:outerShdw blurRad="38100" dist="38100" dir="2700000" algn="tl">
+                  <a:srgbClr val="000000">
+                    <a:alpha val="43137"/>
+                  </a:srgbClr>
+                </a:outerShdw>
+              </a:effectLst>
+              <a:latin typeface="+mn-lt"/>
+            </a:endParaRPr>
+          </a:p>
+        </p:txBody>
+      </p:sp>
+      <p:sp>
+        <p:nvSpPr>
+          <p:cNvPr id="8" name="Espace réservé du contenu 2"/>
+          <p:cNvSpPr>
+            <a:spLocks noGrp="1"/>
+          </p:cNvSpPr>
+          <p:nvPr>
+            <p:ph sz="quarter" idx="1"/>
+          </p:nvPr>
+        </p:nvSpPr>
+        <p:spPr>
+          <a:xfrm>
+            <a:off x="107504" y="764704"/>
+            <a:ext cx="8928992" cy="5616624"/>
+          </a:xfrm>
+        </p:spPr>
+        <p:txBody>
+          <a:bodyPr>
+            <a:normAutofit/>
+          </a:bodyPr>
+          <a:lstStyle/>
+          <a:p>
+            <a:r>
+              <a:rPr lang="fr-FR" b="1" dirty="0" smtClean="0">
+                <a:solidFill>
+                  <a:schemeClr val="tx2"/>
+                </a:solidFill>
+                <a:effectLst>
+                  <a:outerShdw blurRad="38100" dist="38100" dir="2700000" algn="tl">
+                    <a:srgbClr val="000000">
+                      <a:alpha val="43137"/>
+                    </a:srgbClr>
+                  </a:outerShdw>
+                </a:effectLst>
+              </a:rPr>
+              <a:t>// @TODO</a:t>
+            </a:r>
+            <a:endParaRPr lang="fr-FR" dirty="0">
+              <a:solidFill>
+                <a:schemeClr val="tx2"/>
+              </a:solidFill>
+              <a:effectLst>
+                <a:outerShdw blurRad="38100" dist="38100" dir="2700000" algn="tl">
+                  <a:srgbClr val="000000">
+                    <a:alpha val="43137"/>
+                  </a:srgbClr>
+                </a:outerShdw>
+              </a:effectLst>
+            </a:endParaRPr>
+          </a:p>
+        </p:txBody>
+      </p:sp>
+      <p:sp>
+        <p:nvSpPr>
+          <p:cNvPr id="2" name="Rectangle à coins arrondis 1"/>
+          <p:cNvSpPr/>
+          <p:nvPr/>
+        </p:nvSpPr>
+        <p:spPr>
+          <a:xfrm>
+            <a:off x="107505" y="116632"/>
+            <a:ext cx="2304255" cy="432048"/>
+          </a:xfrm>
+          <a:prstGeom prst="roundRect">
+            <a:avLst/>
+          </a:prstGeom>
+        </p:spPr>
+        <p:style>
+          <a:lnRef idx="1">
+            <a:schemeClr val="accent4"/>
+          </a:lnRef>
+          <a:fillRef idx="3">
+            <a:schemeClr val="accent4"/>
+          </a:fillRef>
+          <a:effectRef idx="2">
+            <a:schemeClr val="accent4"/>
+          </a:effectRef>
+          <a:fontRef idx="minor">
+            <a:schemeClr val="lt1"/>
+          </a:fontRef>
+        </p:style>
+        <p:txBody>
+          <a:bodyPr rtlCol="0" anchor="ctr"/>
+          <a:lstStyle/>
+          <a:p>
+            <a:pPr algn="ctr"/>
+            <a:r>
+              <a:rPr lang="fr-FR" sz="2800" b="1" dirty="0" smtClean="0">
+                <a:effectLst>
+                  <a:outerShdw blurRad="38100" dist="38100" dir="2700000" algn="tl">
+                    <a:srgbClr val="000000">
+                      <a:alpha val="43137"/>
+                    </a:srgbClr>
+                  </a:outerShdw>
+                </a:effectLst>
+                <a:latin typeface="Garamond" pitchFamily="18" charset="0"/>
+              </a:rPr>
+              <a:t>IV) Prototype</a:t>
+            </a:r>
+            <a:endParaRPr lang="fr-FR" sz="2800" b="1" dirty="0">
+              <a:effectLst>
+                <a:outerShdw blurRad="38100" dist="38100" dir="2700000" algn="tl">
+                  <a:srgbClr val="000000">
+                    <a:alpha val="43137"/>
+                  </a:srgbClr>
+                </a:outerShdw>
+              </a:effectLst>
+              <a:latin typeface="Garamond" pitchFamily="18" charset="0"/>
+            </a:endParaRPr>
+          </a:p>
+        </p:txBody>
+      </p:sp>
+      <p:sp>
+        <p:nvSpPr>
+          <p:cNvPr id="9" name="Rectangle à coins arrondis 8"/>
+          <p:cNvSpPr/>
+          <p:nvPr/>
+        </p:nvSpPr>
+        <p:spPr>
+          <a:xfrm>
+            <a:off x="2545165" y="116632"/>
+            <a:ext cx="6491331" cy="432048"/>
+          </a:xfrm>
+          <a:prstGeom prst="roundRect">
+            <a:avLst/>
+          </a:prstGeom>
+        </p:spPr>
+        <p:style>
+          <a:lnRef idx="1">
+            <a:schemeClr val="accent1"/>
+          </a:lnRef>
+          <a:fillRef idx="3">
+            <a:schemeClr val="accent1"/>
+          </a:fillRef>
+          <a:effectRef idx="2">
+            <a:schemeClr val="accent1"/>
+          </a:effectRef>
+          <a:fontRef idx="minor">
+            <a:schemeClr val="lt1"/>
+          </a:fontRef>
+        </p:style>
+        <p:txBody>
+          <a:bodyPr rtlCol="0" anchor="ctr"/>
+          <a:lstStyle/>
+          <a:p>
+            <a:pPr algn="ctr"/>
+            <a:r>
+              <a:rPr lang="fr-FR" sz="2800" b="1" dirty="0" smtClean="0">
+                <a:effectLst>
+                  <a:outerShdw blurRad="38100" dist="38100" dir="2700000" algn="tl">
+                    <a:srgbClr val="000000">
+                      <a:alpha val="43137"/>
+                    </a:srgbClr>
+                  </a:outerShdw>
+                </a:effectLst>
+                <a:latin typeface="Garamond" pitchFamily="18" charset="0"/>
+              </a:rPr>
+              <a:t>Entreprise : ???</a:t>
+            </a:r>
+            <a:endParaRPr lang="fr-FR" sz="2800" b="1" dirty="0">
+              <a:effectLst>
+                <a:outerShdw blurRad="38100" dist="38100" dir="2700000" algn="tl">
+                  <a:srgbClr val="000000">
+                    <a:alpha val="43137"/>
+                  </a:srgbClr>
+                </a:outerShdw>
+              </a:effectLst>
+              <a:latin typeface="Garamond" pitchFamily="18" charset="0"/>
+            </a:endParaRPr>
+          </a:p>
+        </p:txBody>
+      </p:sp>
+      <p:cxnSp>
+        <p:nvCxnSpPr>
+          <p:cNvPr id="5" name="Connecteur droit 4"/>
+          <p:cNvCxnSpPr/>
+          <p:nvPr/>
+        </p:nvCxnSpPr>
+        <p:spPr>
+          <a:xfrm>
+            <a:off x="107504" y="692696"/>
+            <a:ext cx="8928992" cy="0"/>
+          </a:xfrm>
+          <a:prstGeom prst="line">
+            <a:avLst/>
+          </a:prstGeom>
+          <a:ln w="12700">
+            <a:prstDash val="dash"/>
+          </a:ln>
+        </p:spPr>
+        <p:style>
+          <a:lnRef idx="1">
+            <a:schemeClr val="accent1"/>
+          </a:lnRef>
+          <a:fillRef idx="0">
+            <a:schemeClr val="accent1"/>
+          </a:fillRef>
+          <a:effectRef idx="0">
+            <a:schemeClr val="accent1"/>
+          </a:effectRef>
+          <a:fontRef idx="minor">
+            <a:schemeClr val="tx1"/>
+          </a:fontRef>
+        </p:style>
+      </p:cxnSp>
+      <p:cxnSp>
+        <p:nvCxnSpPr>
+          <p:cNvPr id="12" name="Connecteur droit 11"/>
+          <p:cNvCxnSpPr/>
+          <p:nvPr/>
+        </p:nvCxnSpPr>
+        <p:spPr>
+          <a:xfrm>
+            <a:off x="107504" y="6453336"/>
+            <a:ext cx="8928992" cy="0"/>
+          </a:xfrm>
+          <a:prstGeom prst="line">
+            <a:avLst/>
+          </a:prstGeom>
+          <a:ln w="12700">
+            <a:prstDash val="dash"/>
+          </a:ln>
+        </p:spPr>
+        <p:style>
+          <a:lnRef idx="1">
+            <a:schemeClr val="accent1"/>
+          </a:lnRef>
+          <a:fillRef idx="0">
+            <a:schemeClr val="accent1"/>
+          </a:fillRef>
+          <a:effectRef idx="0">
+            <a:schemeClr val="accent1"/>
+          </a:effectRef>
+          <a:fontRef idx="minor">
+            <a:schemeClr val="tx1"/>
+          </a:fontRef>
+        </p:style>
+      </p:cxnSp>
+      <p:sp>
+        <p:nvSpPr>
+          <p:cNvPr id="13" name="Rectangle à coins arrondis 12"/>
+          <p:cNvSpPr/>
+          <p:nvPr/>
+        </p:nvSpPr>
+        <p:spPr>
+          <a:xfrm>
+            <a:off x="96893" y="6518056"/>
+            <a:ext cx="2448272" cy="279648"/>
+          </a:xfrm>
+          <a:prstGeom prst="roundRect">
+            <a:avLst/>
+          </a:prstGeom>
+        </p:spPr>
+        <p:style>
+          <a:lnRef idx="1">
+            <a:schemeClr val="accent3"/>
+          </a:lnRef>
+          <a:fillRef idx="2">
+            <a:schemeClr val="accent3"/>
+          </a:fillRef>
+          <a:effectRef idx="1">
+            <a:schemeClr val="accent3"/>
+          </a:effectRef>
+          <a:fontRef idx="minor">
+            <a:schemeClr val="dk1"/>
+          </a:fontRef>
+        </p:style>
+        <p:txBody>
+          <a:bodyPr rtlCol="0" anchor="ctr"/>
+          <a:lstStyle/>
+          <a:p>
+            <a:pPr algn="ctr"/>
+            <a:r>
+              <a:rPr lang="fr-FR" dirty="0" err="1" smtClean="0">
+                <a:effectLst>
+                  <a:outerShdw blurRad="38100" dist="38100" dir="2700000" algn="tl">
+                    <a:srgbClr val="000000">
+                      <a:alpha val="43137"/>
+                    </a:srgbClr>
+                  </a:outerShdw>
+                </a:effectLst>
+                <a:latin typeface="Garamond" pitchFamily="18" charset="0"/>
+              </a:rPr>
+              <a:t>Observ’Indus</a:t>
+            </a:r>
+            <a:r>
+              <a:rPr lang="fr-FR" dirty="0" smtClean="0">
+                <a:effectLst>
+                  <a:outerShdw blurRad="38100" dist="38100" dir="2700000" algn="tl">
+                    <a:srgbClr val="000000">
+                      <a:alpha val="43137"/>
+                    </a:srgbClr>
+                  </a:outerShdw>
+                </a:effectLst>
+                <a:latin typeface="Garamond" pitchFamily="18" charset="0"/>
+              </a:rPr>
+              <a:t> (</a:t>
+            </a:r>
+            <a:r>
+              <a:rPr lang="fr-FR" dirty="0" err="1" smtClean="0">
+                <a:effectLst>
+                  <a:outerShdw blurRad="38100" dist="38100" dir="2700000" algn="tl">
+                    <a:srgbClr val="000000">
+                      <a:alpha val="43137"/>
+                    </a:srgbClr>
+                  </a:outerShdw>
+                </a:effectLst>
+                <a:latin typeface="Garamond" pitchFamily="18" charset="0"/>
+              </a:rPr>
+              <a:t>HiLaL</a:t>
+            </a:r>
+            <a:r>
+              <a:rPr lang="fr-FR" dirty="0" smtClean="0">
+                <a:effectLst>
+                  <a:outerShdw blurRad="38100" dist="38100" dir="2700000" algn="tl">
+                    <a:srgbClr val="000000">
+                      <a:alpha val="43137"/>
+                    </a:srgbClr>
+                  </a:outerShdw>
+                </a:effectLst>
+                <a:latin typeface="Garamond" pitchFamily="18" charset="0"/>
+              </a:rPr>
+              <a:t>)</a:t>
+            </a:r>
+            <a:endParaRPr lang="fr-FR" dirty="0">
+              <a:effectLst>
+                <a:outerShdw blurRad="38100" dist="38100" dir="2700000" algn="tl">
+                  <a:srgbClr val="000000">
+                    <a:alpha val="43137"/>
+                  </a:srgbClr>
+                </a:outerShdw>
+              </a:effectLst>
+              <a:latin typeface="Garamond" pitchFamily="18" charset="0"/>
+            </a:endParaRPr>
+          </a:p>
+        </p:txBody>
+      </p:sp>
+    </p:spTree>
+    <p:extLst>
+      <p:ext uri="{BB962C8B-B14F-4D97-AF65-F5344CB8AC3E}">
+        <p14:creationId xmlns:p14="http://schemas.microsoft.com/office/powerpoint/2010/main" val="429434989"/>
+      </p:ext>
+    </p:extLst>
+  </p:cSld>
+  <p:clrMapOvr>
+    <a:masterClrMapping/>
+  </p:clrMapOvr>
+  <p:timing>
+    <p:tnLst>
+      <p:par>
+        <p:cTn id="1" dur="indefinite" restart="never" nodeType="tmRoot"/>
+      </p:par>
+    </p:tnLst>
+  </p:timing>
+</p:sld>
+</file>
+
+<file path=ppt/slides/slide21.xml><?xml version="1.0" encoding="utf-8"?>
+<p:sld xmlns:a="http://schemas.openxmlformats.org/drawingml/2006/main" xmlns:r="http://schemas.openxmlformats.org/officeDocument/2006/relationships" xmlns:p="http://schemas.openxmlformats.org/presentationml/2006/main" showMasterSp="0">
+  <p:cSld>
+    <p:spTree>
+      <p:nvGrpSpPr>
+        <p:cNvPr id="1" name=""/>
+        <p:cNvGrpSpPr/>
+        <p:nvPr/>
+      </p:nvGrpSpPr>
+      <p:grpSpPr>
+        <a:xfrm>
+          <a:off x="0" y="0"/>
+          <a:ext cx="0" cy="0"/>
+          <a:chOff x="0" y="0"/>
+          <a:chExt cx="0" cy="0"/>
+        </a:xfrm>
+      </p:grpSpPr>
+      <p:sp>
+        <p:nvSpPr>
+          <p:cNvPr id="7" name="Titre 1"/>
+          <p:cNvSpPr txBox="1">
+            <a:spLocks/>
+          </p:cNvSpPr>
+          <p:nvPr/>
+        </p:nvSpPr>
+        <p:spPr>
+          <a:xfrm>
+            <a:off x="806896" y="6497958"/>
+            <a:ext cx="8229600" cy="319845"/>
+          </a:xfrm>
+          <a:prstGeom prst="rect">
+            <a:avLst/>
+          </a:prstGeom>
+        </p:spPr>
+        <p:txBody>
+          <a:bodyPr vert="horz" anchor="b" anchorCtr="0">
+            <a:normAutofit lnSpcReduction="10000"/>
+          </a:bodyPr>
+          <a:lstStyle>
+            <a:lvl1pPr algn="l" rtl="0" eaLnBrk="1" latinLnBrk="0" hangingPunct="1">
+              <a:spcBef>
+                <a:spcPct val="0"/>
+              </a:spcBef>
+              <a:buNone/>
+              <a:defRPr kumimoji="0" sz="3200" kern="1200">
+                <a:solidFill>
+                  <a:schemeClr val="tx2"/>
+                </a:solidFill>
+                <a:latin typeface="+mj-lt"/>
+                <a:ea typeface="+mj-ea"/>
+                <a:cs typeface="+mj-cs"/>
+              </a:defRPr>
+            </a:lvl1pPr>
+          </a:lstStyle>
+          <a:p>
+            <a:pPr algn="r"/>
+            <a:r>
+              <a:rPr lang="fr-FR" sz="1600" i="1" dirty="0" smtClean="0">
+                <a:effectLst>
+                  <a:outerShdw blurRad="38100" dist="38100" dir="2700000" algn="tl">
+                    <a:srgbClr val="000000">
+                      <a:alpha val="43137"/>
+                    </a:srgbClr>
+                  </a:outerShdw>
+                </a:effectLst>
+                <a:latin typeface="+mn-lt"/>
+              </a:rPr>
+              <a:t>Soutenance de projet IF16 – 13 Décembre 2012</a:t>
+            </a:r>
+            <a:endParaRPr lang="fr-FR" sz="1600" i="1" dirty="0">
+              <a:effectLst>
+                <a:outerShdw blurRad="38100" dist="38100" dir="2700000" algn="tl">
+                  <a:srgbClr val="000000">
+                    <a:alpha val="43137"/>
+                  </a:srgbClr>
+                </a:outerShdw>
+              </a:effectLst>
+              <a:latin typeface="+mn-lt"/>
+            </a:endParaRPr>
+          </a:p>
+        </p:txBody>
+      </p:sp>
+      <p:sp>
+        <p:nvSpPr>
+          <p:cNvPr id="2" name="Rectangle à coins arrondis 1"/>
+          <p:cNvSpPr/>
+          <p:nvPr/>
+        </p:nvSpPr>
+        <p:spPr>
+          <a:xfrm>
+            <a:off x="107504" y="116632"/>
+            <a:ext cx="1944216" cy="432048"/>
+          </a:xfrm>
+          <a:prstGeom prst="roundRect">
+            <a:avLst/>
+          </a:prstGeom>
+        </p:spPr>
+        <p:style>
+          <a:lnRef idx="1">
+            <a:schemeClr val="accent4"/>
+          </a:lnRef>
+          <a:fillRef idx="3">
+            <a:schemeClr val="accent4"/>
+          </a:fillRef>
+          <a:effectRef idx="2">
+            <a:schemeClr val="accent4"/>
+          </a:effectRef>
+          <a:fontRef idx="minor">
+            <a:schemeClr val="lt1"/>
+          </a:fontRef>
+        </p:style>
+        <p:txBody>
+          <a:bodyPr rtlCol="0" anchor="ctr"/>
+          <a:lstStyle/>
+          <a:p>
+            <a:pPr algn="ctr"/>
+            <a:r>
+              <a:rPr lang="fr-FR" sz="2800" b="1" dirty="0" smtClean="0">
+                <a:effectLst>
+                  <a:outerShdw blurRad="38100" dist="38100" dir="2700000" algn="tl">
+                    <a:srgbClr val="000000">
+                      <a:alpha val="43137"/>
+                    </a:srgbClr>
+                  </a:outerShdw>
+                </a:effectLst>
+                <a:latin typeface="Garamond" pitchFamily="18" charset="0"/>
+              </a:rPr>
+              <a:t>Conclusion</a:t>
+            </a:r>
+            <a:endParaRPr lang="fr-FR" sz="2800" b="1" dirty="0">
+              <a:effectLst>
+                <a:outerShdw blurRad="38100" dist="38100" dir="2700000" algn="tl">
+                  <a:srgbClr val="000000">
+                    <a:alpha val="43137"/>
+                  </a:srgbClr>
+                </a:outerShdw>
+              </a:effectLst>
+              <a:latin typeface="Garamond" pitchFamily="18" charset="0"/>
+            </a:endParaRPr>
+          </a:p>
+        </p:txBody>
+      </p:sp>
+      <p:cxnSp>
+        <p:nvCxnSpPr>
+          <p:cNvPr id="5" name="Connecteur droit 4"/>
+          <p:cNvCxnSpPr/>
+          <p:nvPr/>
+        </p:nvCxnSpPr>
+        <p:spPr>
+          <a:xfrm>
+            <a:off x="107504" y="692696"/>
+            <a:ext cx="8928992" cy="0"/>
+          </a:xfrm>
+          <a:prstGeom prst="line">
+            <a:avLst/>
+          </a:prstGeom>
+          <a:ln w="12700">
+            <a:prstDash val="dash"/>
+          </a:ln>
+        </p:spPr>
+        <p:style>
+          <a:lnRef idx="1">
+            <a:schemeClr val="accent1"/>
+          </a:lnRef>
+          <a:fillRef idx="0">
+            <a:schemeClr val="accent1"/>
+          </a:fillRef>
+          <a:effectRef idx="0">
+            <a:schemeClr val="accent1"/>
+          </a:effectRef>
+          <a:fontRef idx="minor">
+            <a:schemeClr val="tx1"/>
+          </a:fontRef>
+        </p:style>
+      </p:cxnSp>
+      <p:cxnSp>
+        <p:nvCxnSpPr>
+          <p:cNvPr id="12" name="Connecteur droit 11"/>
+          <p:cNvCxnSpPr/>
+          <p:nvPr/>
+        </p:nvCxnSpPr>
+        <p:spPr>
+          <a:xfrm>
+            <a:off x="107504" y="6453336"/>
+            <a:ext cx="8928992" cy="0"/>
+          </a:xfrm>
+          <a:prstGeom prst="line">
+            <a:avLst/>
+          </a:prstGeom>
+          <a:ln w="12700">
+            <a:prstDash val="dash"/>
+          </a:ln>
+        </p:spPr>
+        <p:style>
+          <a:lnRef idx="1">
+            <a:schemeClr val="accent1"/>
+          </a:lnRef>
+          <a:fillRef idx="0">
+            <a:schemeClr val="accent1"/>
+          </a:fillRef>
+          <a:effectRef idx="0">
+            <a:schemeClr val="accent1"/>
+          </a:effectRef>
+          <a:fontRef idx="minor">
+            <a:schemeClr val="tx1"/>
+          </a:fontRef>
+        </p:style>
+      </p:cxnSp>
+      <p:sp>
+        <p:nvSpPr>
+          <p:cNvPr id="15" name="Espace réservé du contenu 2"/>
+          <p:cNvSpPr>
+            <a:spLocks noGrp="1"/>
+          </p:cNvSpPr>
+          <p:nvPr>
+            <p:ph sz="quarter" idx="1"/>
+          </p:nvPr>
+        </p:nvSpPr>
+        <p:spPr>
+          <a:xfrm>
+            <a:off x="107504" y="836712"/>
+            <a:ext cx="8928992" cy="5544616"/>
+          </a:xfrm>
+        </p:spPr>
+        <p:txBody>
+          <a:bodyPr>
+            <a:normAutofit/>
+          </a:bodyPr>
+          <a:lstStyle/>
+          <a:p>
+            <a:r>
+              <a:rPr lang="fr-FR" dirty="0" smtClean="0">
+                <a:solidFill>
+                  <a:schemeClr val="tx2"/>
+                </a:solidFill>
+                <a:effectLst>
+                  <a:outerShdw blurRad="38100" dist="38100" dir="2700000" algn="tl">
+                    <a:srgbClr val="000000">
+                      <a:alpha val="43137"/>
+                    </a:srgbClr>
+                  </a:outerShdw>
+                </a:effectLst>
+              </a:rPr>
+              <a:t>// @TODO</a:t>
+            </a:r>
+            <a:endParaRPr lang="fr-FR" dirty="0">
+              <a:solidFill>
+                <a:schemeClr val="tx2"/>
+              </a:solidFill>
+              <a:effectLst>
+                <a:outerShdw blurRad="38100" dist="38100" dir="2700000" algn="tl">
+                  <a:srgbClr val="000000">
+                    <a:alpha val="43137"/>
+                  </a:srgbClr>
+                </a:outerShdw>
+              </a:effectLst>
+            </a:endParaRPr>
+          </a:p>
+        </p:txBody>
+      </p:sp>
+      <p:sp>
+        <p:nvSpPr>
+          <p:cNvPr id="16" name="Rectangle à coins arrondis 15"/>
+          <p:cNvSpPr/>
+          <p:nvPr/>
+        </p:nvSpPr>
+        <p:spPr>
+          <a:xfrm>
+            <a:off x="96893" y="6518056"/>
+            <a:ext cx="2448272" cy="279648"/>
+          </a:xfrm>
+          <a:prstGeom prst="roundRect">
+            <a:avLst/>
+          </a:prstGeom>
+        </p:spPr>
+        <p:style>
+          <a:lnRef idx="1">
+            <a:schemeClr val="accent3"/>
+          </a:lnRef>
+          <a:fillRef idx="2">
+            <a:schemeClr val="accent3"/>
+          </a:fillRef>
+          <a:effectRef idx="1">
+            <a:schemeClr val="accent3"/>
+          </a:effectRef>
+          <a:fontRef idx="minor">
+            <a:schemeClr val="dk1"/>
+          </a:fontRef>
+        </p:style>
+        <p:txBody>
+          <a:bodyPr rtlCol="0" anchor="ctr"/>
+          <a:lstStyle/>
+          <a:p>
+            <a:pPr algn="ctr"/>
+            <a:r>
+              <a:rPr lang="fr-FR" dirty="0" err="1" smtClean="0">
+                <a:effectLst>
+                  <a:outerShdw blurRad="38100" dist="38100" dir="2700000" algn="tl">
+                    <a:srgbClr val="000000">
+                      <a:alpha val="43137"/>
+                    </a:srgbClr>
+                  </a:outerShdw>
+                </a:effectLst>
+                <a:latin typeface="Garamond" pitchFamily="18" charset="0"/>
+              </a:rPr>
+              <a:t>Observ’Indus</a:t>
+            </a:r>
+            <a:r>
+              <a:rPr lang="fr-FR" dirty="0" smtClean="0">
+                <a:effectLst>
+                  <a:outerShdw blurRad="38100" dist="38100" dir="2700000" algn="tl">
+                    <a:srgbClr val="000000">
+                      <a:alpha val="43137"/>
+                    </a:srgbClr>
+                  </a:outerShdw>
+                </a:effectLst>
+                <a:latin typeface="Garamond" pitchFamily="18" charset="0"/>
+              </a:rPr>
+              <a:t> (</a:t>
+            </a:r>
+            <a:r>
+              <a:rPr lang="fr-FR" dirty="0" err="1" smtClean="0">
+                <a:effectLst>
+                  <a:outerShdw blurRad="38100" dist="38100" dir="2700000" algn="tl">
+                    <a:srgbClr val="000000">
+                      <a:alpha val="43137"/>
+                    </a:srgbClr>
+                  </a:outerShdw>
+                </a:effectLst>
+                <a:latin typeface="Garamond" pitchFamily="18" charset="0"/>
+              </a:rPr>
+              <a:t>HiLaL</a:t>
+            </a:r>
+            <a:r>
+              <a:rPr lang="fr-FR" dirty="0" smtClean="0">
+                <a:effectLst>
+                  <a:outerShdw blurRad="38100" dist="38100" dir="2700000" algn="tl">
+                    <a:srgbClr val="000000">
+                      <a:alpha val="43137"/>
+                    </a:srgbClr>
+                  </a:outerShdw>
+                </a:effectLst>
+                <a:latin typeface="Garamond" pitchFamily="18" charset="0"/>
+              </a:rPr>
+              <a:t>)</a:t>
+            </a:r>
+            <a:endParaRPr lang="fr-FR" dirty="0">
+              <a:effectLst>
+                <a:outerShdw blurRad="38100" dist="38100" dir="2700000" algn="tl">
+                  <a:srgbClr val="000000">
+                    <a:alpha val="43137"/>
+                  </a:srgbClr>
+                </a:outerShdw>
+              </a:effectLst>
+              <a:latin typeface="Garamond" pitchFamily="18" charset="0"/>
+            </a:endParaRPr>
+          </a:p>
+        </p:txBody>
+      </p:sp>
+    </p:spTree>
+    <p:extLst>
+      <p:ext uri="{BB962C8B-B14F-4D97-AF65-F5344CB8AC3E}">
+        <p14:creationId xmlns:p14="http://schemas.microsoft.com/office/powerpoint/2010/main" val="3998399572"/>
       </p:ext>
     </p:extLst>
   </p:cSld>
@@ -6996,46 +11611,7 @@
                 </a:effectLst>
                 <a:latin typeface="+mn-lt"/>
               </a:rPr>
-              <a:t>Soutenance de </a:t>
-            </a:r>
-            <a:r>
-              <a:rPr lang="fr-FR" sz="1600" i="1" dirty="0" smtClean="0">
-                <a:effectLst>
-                  <a:outerShdw blurRad="38100" dist="38100" dir="2700000" algn="tl">
-                    <a:srgbClr val="000000">
-                      <a:alpha val="43137"/>
-                    </a:srgbClr>
-                  </a:outerShdw>
-                </a:effectLst>
-                <a:latin typeface="+mn-lt"/>
-              </a:rPr>
-              <a:t>projet IF16 </a:t>
-            </a:r>
-            <a:r>
-              <a:rPr lang="fr-FR" sz="1600" i="1" dirty="0" smtClean="0">
-                <a:effectLst>
-                  <a:outerShdw blurRad="38100" dist="38100" dir="2700000" algn="tl">
-                    <a:srgbClr val="000000">
-                      <a:alpha val="43137"/>
-                    </a:srgbClr>
-                  </a:outerShdw>
-                </a:effectLst>
-                <a:latin typeface="+mn-lt"/>
-              </a:rPr>
-              <a:t>– 13 Décembre </a:t>
-            </a:r>
-            <a:r>
-              <a:rPr lang="fr-FR" sz="1600" i="1" dirty="0" smtClean="0">
-                <a:effectLst>
-                  <a:outerShdw blurRad="38100" dist="38100" dir="2700000" algn="tl">
-                    <a:srgbClr val="000000">
-                      <a:alpha val="43137"/>
-                    </a:srgbClr>
-                  </a:outerShdw>
-                </a:effectLst>
-                <a:latin typeface="+mn-lt"/>
-              </a:rPr>
-              <a:t>2012</a:t>
+              <a:t>Soutenance de projet IF16 – 13 Décembre 2012</a:t>
             </a:r>
             <a:endParaRPr lang="fr-FR" sz="1600" i="1" dirty="0">
               <a:effectLst>
@@ -7711,46 +12287,7 @@
                 </a:effectLst>
                 <a:latin typeface="+mn-lt"/>
               </a:rPr>
-              <a:t>Soutenance de </a:t>
-            </a:r>
-            <a:r>
-              <a:rPr lang="fr-FR" sz="1600" i="1" dirty="0" smtClean="0">
-                <a:effectLst>
-                  <a:outerShdw blurRad="38100" dist="38100" dir="2700000" algn="tl">
-                    <a:srgbClr val="000000">
-                      <a:alpha val="43137"/>
-                    </a:srgbClr>
-                  </a:outerShdw>
-                </a:effectLst>
-                <a:latin typeface="+mn-lt"/>
-              </a:rPr>
-              <a:t>projet IF16 </a:t>
-            </a:r>
-            <a:r>
-              <a:rPr lang="fr-FR" sz="1600" i="1" dirty="0" smtClean="0">
-                <a:effectLst>
-                  <a:outerShdw blurRad="38100" dist="38100" dir="2700000" algn="tl">
-                    <a:srgbClr val="000000">
-                      <a:alpha val="43137"/>
-                    </a:srgbClr>
-                  </a:outerShdw>
-                </a:effectLst>
-                <a:latin typeface="+mn-lt"/>
-              </a:rPr>
-              <a:t>– 13 Décembre </a:t>
-            </a:r>
-            <a:r>
-              <a:rPr lang="fr-FR" sz="1600" i="1" dirty="0" smtClean="0">
-                <a:effectLst>
-                  <a:outerShdw blurRad="38100" dist="38100" dir="2700000" algn="tl">
-                    <a:srgbClr val="000000">
-                      <a:alpha val="43137"/>
-                    </a:srgbClr>
-                  </a:outerShdw>
-                </a:effectLst>
-                <a:latin typeface="+mn-lt"/>
-              </a:rPr>
-              <a:t>2012</a:t>
+              <a:t>Soutenance de projet IF16 – 13 Décembre 2012</a:t>
             </a:r>
             <a:endParaRPr lang="fr-FR" sz="1600" i="1" dirty="0">
               <a:effectLst>
@@ -8557,46 +13094,7 @@
                 </a:effectLst>
                 <a:latin typeface="+mn-lt"/>
               </a:rPr>
-              <a:t>Soutenance de </a:t>
-            </a:r>
-            <a:r>
-              <a:rPr lang="fr-FR" sz="1600" i="1" dirty="0" smtClean="0">
-                <a:effectLst>
-                  <a:outerShdw blurRad="38100" dist="38100" dir="2700000" algn="tl">
-                    <a:srgbClr val="000000">
-                      <a:alpha val="43137"/>
-                    </a:srgbClr>
-                  </a:outerShdw>
-                </a:effectLst>
-                <a:latin typeface="+mn-lt"/>
-              </a:rPr>
-              <a:t>projet IF16 </a:t>
-            </a:r>
-            <a:r>
-              <a:rPr lang="fr-FR" sz="1600" i="1" dirty="0" smtClean="0">
-                <a:effectLst>
-                  <a:outerShdw blurRad="38100" dist="38100" dir="2700000" algn="tl">
-                    <a:srgbClr val="000000">
-                      <a:alpha val="43137"/>
-                    </a:srgbClr>
-                  </a:outerShdw>
-                </a:effectLst>
-                <a:latin typeface="+mn-lt"/>
-              </a:rPr>
-              <a:t>– 13 Décembre </a:t>
-            </a:r>
-            <a:r>
-              <a:rPr lang="fr-FR" sz="1600" i="1" dirty="0" smtClean="0">
-                <a:effectLst>
-                  <a:outerShdw blurRad="38100" dist="38100" dir="2700000" algn="tl">
-                    <a:srgbClr val="000000">
-                      <a:alpha val="43137"/>
-                    </a:srgbClr>
-                  </a:outerShdw>
-                </a:effectLst>
-                <a:latin typeface="+mn-lt"/>
-              </a:rPr>
-              <a:t>2012</a:t>
+              <a:t>Soutenance de projet IF16 – 13 Décembre 2012</a:t>
             </a:r>
             <a:endParaRPr lang="fr-FR" sz="1600" i="1" dirty="0">
               <a:effectLst>
@@ -9035,46 +13533,7 @@
                 </a:effectLst>
                 <a:latin typeface="+mn-lt"/>
               </a:rPr>
-              <a:t>Soutenance de </a:t>
-            </a:r>
-            <a:r>
-              <a:rPr lang="fr-FR" sz="1600" i="1" dirty="0" smtClean="0">
-                <a:effectLst>
-                  <a:outerShdw blurRad="38100" dist="38100" dir="2700000" algn="tl">
-                    <a:srgbClr val="000000">
-                      <a:alpha val="43137"/>
-                    </a:srgbClr>
-                  </a:outerShdw>
-                </a:effectLst>
-                <a:latin typeface="+mn-lt"/>
-              </a:rPr>
-              <a:t>projet IF16 </a:t>
-            </a:r>
-            <a:r>
-              <a:rPr lang="fr-FR" sz="1600" i="1" dirty="0" smtClean="0">
-                <a:effectLst>
-                  <a:outerShdw blurRad="38100" dist="38100" dir="2700000" algn="tl">
-                    <a:srgbClr val="000000">
-                      <a:alpha val="43137"/>
-                    </a:srgbClr>
-                  </a:outerShdw>
-                </a:effectLst>
-                <a:latin typeface="+mn-lt"/>
-              </a:rPr>
-              <a:t>– 13 Décembre </a:t>
-            </a:r>
-            <a:r>
-              <a:rPr lang="fr-FR" sz="1600" i="1" dirty="0" smtClean="0">
-                <a:effectLst>
-                  <a:outerShdw blurRad="38100" dist="38100" dir="2700000" algn="tl">
-                    <a:srgbClr val="000000">
-                      <a:alpha val="43137"/>
-                    </a:srgbClr>
-                  </a:outerShdw>
-                </a:effectLst>
-                <a:latin typeface="+mn-lt"/>
-              </a:rPr>
-              <a:t>2012</a:t>
+              <a:t>Soutenance de projet IF16 – 13 Décembre 2012</a:t>
             </a:r>
             <a:endParaRPr lang="fr-FR" sz="1600" i="1" dirty="0">
               <a:effectLst>
@@ -9360,20 +13819,6 @@
               </a:rPr>
               <a:t>Personnes de confiance : entreprises/particuliers ayant fourni un certain nombre d’informations pertinentes</a:t>
             </a:r>
-            <a:endParaRPr lang="fr-FR" dirty="0">
-              <a:solidFill>
-                <a:schemeClr val="accent1">
-                  <a:lumMod val="75000"/>
-                </a:schemeClr>
-              </a:solidFill>
-              <a:effectLst>
-                <a:outerShdw blurRad="38100" dist="38100" dir="2700000" algn="tl">
-                  <a:srgbClr val="000000">
-                    <a:alpha val="43137"/>
-                  </a:srgbClr>
-                </a:outerShdw>
-              </a:effectLst>
-            </a:endParaRPr>
           </a:p>
         </p:txBody>
       </p:sp>
@@ -9749,46 +14194,7 @@
                 </a:effectLst>
                 <a:latin typeface="+mn-lt"/>
               </a:rPr>
-              <a:t>Soutenance de </a:t>
-            </a:r>
-            <a:r>
-              <a:rPr lang="fr-FR" sz="1600" i="1" dirty="0" smtClean="0">
-                <a:effectLst>
-                  <a:outerShdw blurRad="38100" dist="38100" dir="2700000" algn="tl">
-                    <a:srgbClr val="000000">
-                      <a:alpha val="43137"/>
-                    </a:srgbClr>
-                  </a:outerShdw>
-                </a:effectLst>
-                <a:latin typeface="+mn-lt"/>
-              </a:rPr>
-              <a:t>projet IF16 </a:t>
-            </a:r>
-            <a:r>
-              <a:rPr lang="fr-FR" sz="1600" i="1" dirty="0" smtClean="0">
-                <a:effectLst>
-                  <a:outerShdw blurRad="38100" dist="38100" dir="2700000" algn="tl">
-                    <a:srgbClr val="000000">
-                      <a:alpha val="43137"/>
-                    </a:srgbClr>
-                  </a:outerShdw>
-                </a:effectLst>
-                <a:latin typeface="+mn-lt"/>
-              </a:rPr>
-              <a:t>– 13 Décembre </a:t>
-            </a:r>
-            <a:r>
-              <a:rPr lang="fr-FR" sz="1600" i="1" dirty="0" smtClean="0">
-                <a:effectLst>
-                  <a:outerShdw blurRad="38100" dist="38100" dir="2700000" algn="tl">
-                    <a:srgbClr val="000000">
-                      <a:alpha val="43137"/>
-                    </a:srgbClr>
-                  </a:outerShdw>
-                </a:effectLst>
-                <a:latin typeface="+mn-lt"/>
-              </a:rPr>
-              <a:t>2012</a:t>
+              <a:t>Soutenance de projet IF16 – 13 Décembre 2012</a:t>
             </a:r>
             <a:endParaRPr lang="fr-FR" sz="1600" i="1" dirty="0">
               <a:effectLst>
@@ -10201,46 +14607,7 @@
                 </a:effectLst>
                 <a:latin typeface="+mn-lt"/>
               </a:rPr>
-              <a:t>Soutenance de </a:t>
-            </a:r>
-            <a:r>
-              <a:rPr lang="fr-FR" sz="1600" i="1" dirty="0" smtClean="0">
-                <a:effectLst>
-                  <a:outerShdw blurRad="38100" dist="38100" dir="2700000" algn="tl">
-                    <a:srgbClr val="000000">
-                      <a:alpha val="43137"/>
-                    </a:srgbClr>
-                  </a:outerShdw>
-                </a:effectLst>
-                <a:latin typeface="+mn-lt"/>
-              </a:rPr>
-              <a:t>projet IF16 </a:t>
-            </a:r>
-            <a:r>
-              <a:rPr lang="fr-FR" sz="1600" i="1" dirty="0" smtClean="0">
-                <a:effectLst>
-                  <a:outerShdw blurRad="38100" dist="38100" dir="2700000" algn="tl">
-                    <a:srgbClr val="000000">
-                      <a:alpha val="43137"/>
-                    </a:srgbClr>
-                  </a:outerShdw>
-                </a:effectLst>
-                <a:latin typeface="+mn-lt"/>
-              </a:rPr>
-              <a:t>– 13 Décembre </a:t>
-            </a:r>
-            <a:r>
-              <a:rPr lang="fr-FR" sz="1600" i="1" dirty="0" smtClean="0">
-                <a:effectLst>
-                  <a:outerShdw blurRad="38100" dist="38100" dir="2700000" algn="tl">
-                    <a:srgbClr val="000000">
-                      <a:alpha val="43137"/>
-                    </a:srgbClr>
-                  </a:outerShdw>
-                </a:effectLst>
-                <a:latin typeface="+mn-lt"/>
-              </a:rPr>
-              <a:t>2012</a:t>
+              <a:t>Soutenance de projet IF16 – 13 Décembre 2012</a:t>
             </a:r>
             <a:endParaRPr lang="fr-FR" sz="1600" i="1" dirty="0">
               <a:effectLst>
@@ -10703,7 +15070,9 @@
             </a:r>
           </a:p>
           <a:p>
-            <a:pPr lvl="1"/>
+            <a:pPr marL="274320" lvl="1" indent="0">
+              <a:buNone/>
+            </a:pPr>
             <a:r>
               <a:rPr lang="fr-FR" dirty="0" smtClean="0">
                 <a:solidFill>
@@ -10717,10 +15086,10 @@
                   </a:outerShdw>
                 </a:effectLst>
               </a:rPr>
-              <a:t>Site industriel		Exemple : </a:t>
-            </a:r>
-            <a:r>
-              <a:rPr lang="fr-FR" dirty="0" err="1" smtClean="0">
+              <a:t>	Site </a:t>
+            </a:r>
+            <a:r>
+              <a:rPr lang="fr-FR" dirty="0" smtClean="0">
                 <a:solidFill>
                   <a:schemeClr val="tx2"/>
                 </a:solidFill>
@@ -10732,9 +15101,69 @@
                   </a:outerShdw>
                 </a:effectLst>
               </a:rPr>
+              <a:t>industriel		</a:t>
+            </a:r>
+            <a:r>
+              <a:rPr lang="fr-FR" dirty="0" smtClean="0">
+                <a:solidFill>
+                  <a:schemeClr val="tx2"/>
+                </a:solidFill>
+                <a:effectLst>
+                  <a:outerShdw blurRad="38100" dist="38100" dir="2700000" algn="tl">
+                    <a:srgbClr val="000000">
+                      <a:alpha val="43137"/>
+                    </a:srgbClr>
+                  </a:outerShdw>
+                </a:effectLst>
+              </a:rPr>
+              <a:t>	</a:t>
+            </a:r>
+            <a:r>
+              <a:rPr lang="fr-FR" sz="1600" i="1" dirty="0" smtClean="0">
+                <a:solidFill>
+                  <a:schemeClr val="tx2"/>
+                </a:solidFill>
+                <a:effectLst>
+                  <a:outerShdw blurRad="38100" dist="38100" dir="2700000" algn="tl">
+                    <a:srgbClr val="000000">
+                      <a:alpha val="43137"/>
+                    </a:srgbClr>
+                  </a:outerShdw>
+                </a:effectLst>
+              </a:rPr>
+              <a:t>Exemple </a:t>
+            </a:r>
+            <a:r>
+              <a:rPr lang="fr-FR" sz="1600" i="1" dirty="0" smtClean="0">
+                <a:solidFill>
+                  <a:schemeClr val="tx2"/>
+                </a:solidFill>
+                <a:effectLst>
+                  <a:outerShdw blurRad="38100" dist="38100" dir="2700000" algn="tl">
+                    <a:srgbClr val="000000">
+                      <a:alpha val="43137"/>
+                    </a:srgbClr>
+                  </a:outerShdw>
+                </a:effectLst>
+              </a:rPr>
+              <a:t>: </a:t>
+            </a:r>
+            <a:r>
+              <a:rPr lang="fr-FR" sz="1600" i="1" dirty="0" err="1" smtClean="0">
+                <a:solidFill>
+                  <a:schemeClr val="tx2"/>
+                </a:solidFill>
+                <a:effectLst>
+                  <a:outerShdw blurRad="38100" dist="38100" dir="2700000" algn="tl">
+                    <a:srgbClr val="000000">
+                      <a:alpha val="43137"/>
+                    </a:srgbClr>
+                  </a:outerShdw>
+                </a:effectLst>
+              </a:rPr>
               <a:t>Dislaub</a:t>
             </a:r>
-            <a:endParaRPr lang="fr-FR" dirty="0" smtClean="0">
+            <a:endParaRPr lang="fr-FR" sz="1600" i="1" dirty="0" smtClean="0">
               <a:solidFill>
                 <a:schemeClr val="tx2"/>
               </a:solidFill>
@@ -10748,7 +15177,9 @@
             </a:endParaRPr>
           </a:p>
           <a:p>
-            <a:pPr lvl="1"/>
+            <a:pPr marL="274320" lvl="1" indent="0">
+              <a:buNone/>
+            </a:pPr>
             <a:r>
               <a:rPr lang="fr-FR" dirty="0" smtClean="0">
                 <a:solidFill>
@@ -10762,26 +15193,23 @@
                   </a:outerShdw>
                 </a:effectLst>
               </a:rPr>
-              <a:t>Site non industriel 	Exemple : UTT</a:t>
-            </a:r>
-          </a:p>
-          <a:p>
-            <a:pPr lvl="1"/>
+              <a:t>	Site </a:t>
+            </a:r>
             <a:r>
               <a:rPr lang="fr-FR" dirty="0" smtClean="0">
-                <a:effectLst>
-                  <a:outerShdw blurRad="38100" dist="38100" dir="2700000" algn="tl">
-                    <a:srgbClr val="000000">
-                      <a:alpha val="43137"/>
-                    </a:srgbClr>
-                  </a:outerShdw>
-                </a:effectLst>
-              </a:rPr>
-              <a:t>Produit ou service	Exemple :</a:t>
-            </a:r>
-          </a:p>
-          <a:p>
-            <a:pPr lvl="1"/>
+                <a:solidFill>
+                  <a:schemeClr val="tx2"/>
+                </a:solidFill>
+                <a:effectLst>
+                  <a:outerShdw blurRad="38100" dist="38100" dir="2700000" algn="tl">
+                    <a:srgbClr val="000000">
+                      <a:alpha val="43137"/>
+                    </a:srgbClr>
+                  </a:outerShdw>
+                </a:effectLst>
+              </a:rPr>
+              <a:t>non industriel 	</a:t>
+            </a:r>
             <a:r>
               <a:rPr lang="fr-FR" dirty="0" smtClean="0">
                 <a:solidFill>
@@ -10795,11 +15223,43 @@
                   </a:outerShdw>
                 </a:effectLst>
               </a:rPr>
-              <a:t>Initiative éco-industrielle	Exemple : Recyclage de boues</a:t>
-            </a:r>
-          </a:p>
-          <a:p>
-            <a:pPr lvl="1"/>
+              <a:t>	</a:t>
+            </a:r>
+            <a:r>
+              <a:rPr lang="fr-FR" sz="1600" i="1" dirty="0" smtClean="0">
+                <a:solidFill>
+                  <a:schemeClr val="tx2"/>
+                </a:solidFill>
+                <a:effectLst>
+                  <a:outerShdw blurRad="38100" dist="38100" dir="2700000" algn="tl">
+                    <a:srgbClr val="000000">
+                      <a:alpha val="43137"/>
+                    </a:srgbClr>
+                  </a:outerShdw>
+                </a:effectLst>
+              </a:rPr>
+              <a:t>Exemple </a:t>
+            </a:r>
+            <a:r>
+              <a:rPr lang="fr-FR" sz="1600" i="1" dirty="0" smtClean="0">
+                <a:solidFill>
+                  <a:schemeClr val="tx2"/>
+                </a:solidFill>
+                <a:effectLst>
+                  <a:outerShdw blurRad="38100" dist="38100" dir="2700000" algn="tl">
+                    <a:srgbClr val="000000">
+                      <a:alpha val="43137"/>
+                    </a:srgbClr>
+                  </a:outerShdw>
+                </a:effectLst>
+              </a:rPr>
+              <a:t>: UTT</a:t>
+            </a:r>
+          </a:p>
+          <a:p>
+            <a:pPr marL="274320" lvl="1" indent="0">
+              <a:buNone/>
+            </a:pPr>
             <a:r>
               <a:rPr lang="fr-FR" dirty="0" smtClean="0">
                 <a:effectLst>
@@ -10810,8 +15270,129 @@
                   </a:outerShdw>
                 </a:effectLst>
               </a:rPr>
-              <a:t>Risque				Exemple :</a:t>
-            </a:r>
+              <a:t>	Produit </a:t>
+            </a:r>
+            <a:r>
+              <a:rPr lang="fr-FR" dirty="0" smtClean="0">
+                <a:effectLst>
+                  <a:outerShdw blurRad="38100" dist="38100" dir="2700000" algn="tl">
+                    <a:srgbClr val="000000">
+                      <a:alpha val="43137"/>
+                    </a:srgbClr>
+                  </a:outerShdw>
+                </a:effectLst>
+              </a:rPr>
+              <a:t>ou </a:t>
+            </a:r>
+            <a:r>
+              <a:rPr lang="fr-FR" dirty="0" smtClean="0">
+                <a:effectLst>
+                  <a:outerShdw blurRad="38100" dist="38100" dir="2700000" algn="tl">
+                    <a:srgbClr val="000000">
+                      <a:alpha val="43137"/>
+                    </a:srgbClr>
+                  </a:outerShdw>
+                </a:effectLst>
+              </a:rPr>
+              <a:t>service		</a:t>
+            </a:r>
+            <a:r>
+              <a:rPr lang="fr-FR" sz="1600" i="1" dirty="0" smtClean="0">
+                <a:effectLst>
+                  <a:outerShdw blurRad="38100" dist="38100" dir="2700000" algn="tl">
+                    <a:srgbClr val="000000">
+                      <a:alpha val="43137"/>
+                    </a:srgbClr>
+                  </a:outerShdw>
+                </a:effectLst>
+              </a:rPr>
+              <a:t>Exemple : Bioéthanol</a:t>
+            </a:r>
+          </a:p>
+          <a:p>
+            <a:pPr marL="274320" lvl="1" indent="0">
+              <a:buNone/>
+            </a:pPr>
+            <a:r>
+              <a:rPr lang="fr-FR" dirty="0" smtClean="0">
+                <a:solidFill>
+                  <a:schemeClr val="tx2"/>
+                </a:solidFill>
+                <a:effectLst>
+                  <a:outerShdw blurRad="38100" dist="38100" dir="2700000" algn="tl">
+                    <a:srgbClr val="000000">
+                      <a:alpha val="43137"/>
+                    </a:srgbClr>
+                  </a:outerShdw>
+                </a:effectLst>
+              </a:rPr>
+              <a:t>	Initiative éco-industrielle	</a:t>
+            </a:r>
+            <a:r>
+              <a:rPr lang="fr-FR" sz="1600" i="1" dirty="0" smtClean="0">
+                <a:solidFill>
+                  <a:schemeClr val="tx2"/>
+                </a:solidFill>
+                <a:effectLst>
+                  <a:outerShdw blurRad="38100" dist="38100" dir="2700000" algn="tl">
+                    <a:srgbClr val="000000">
+                      <a:alpha val="43137"/>
+                    </a:srgbClr>
+                  </a:outerShdw>
+                </a:effectLst>
+              </a:rPr>
+              <a:t>Exemple : Recyclage de boues</a:t>
+            </a:r>
+          </a:p>
+          <a:p>
+            <a:pPr marL="274320" lvl="1" indent="0">
+              <a:buNone/>
+            </a:pPr>
+            <a:r>
+              <a:rPr lang="fr-FR" dirty="0" smtClean="0">
+                <a:effectLst>
+                  <a:outerShdw blurRad="38100" dist="38100" dir="2700000" algn="tl">
+                    <a:srgbClr val="000000">
+                      <a:alpha val="43137"/>
+                    </a:srgbClr>
+                  </a:outerShdw>
+                </a:effectLst>
+              </a:rPr>
+              <a:t>	Risque</a:t>
+            </a:r>
+            <a:r>
+              <a:rPr lang="fr-FR" dirty="0" smtClean="0">
+                <a:effectLst>
+                  <a:outerShdw blurRad="38100" dist="38100" dir="2700000" algn="tl">
+                    <a:srgbClr val="000000">
+                      <a:alpha val="43137"/>
+                    </a:srgbClr>
+                  </a:outerShdw>
+                </a:effectLst>
+              </a:rPr>
+              <a:t>				</a:t>
+            </a:r>
+            <a:r>
+              <a:rPr lang="fr-FR" sz="1600" i="1" dirty="0" smtClean="0">
+                <a:effectLst>
+                  <a:outerShdw blurRad="38100" dist="38100" dir="2700000" algn="tl">
+                    <a:srgbClr val="000000">
+                      <a:alpha val="43137"/>
+                    </a:srgbClr>
+                  </a:outerShdw>
+                </a:effectLst>
+              </a:rPr>
+              <a:t>Exemple : Centrale nucléaire</a:t>
+            </a:r>
+            <a:endParaRPr lang="fr-FR" sz="1600" i="1" dirty="0" smtClean="0">
+              <a:effectLst>
+                <a:outerShdw blurRad="38100" dist="38100" dir="2700000" algn="tl">
+                  <a:srgbClr val="000000">
+                    <a:alpha val="43137"/>
+                  </a:srgbClr>
+                </a:outerShdw>
+              </a:effectLst>
+            </a:endParaRPr>
           </a:p>
           <a:p>
             <a:pPr lvl="1"/>
@@ -10898,6 +15479,211 @@
           </a:p>
         </p:txBody>
       </p:sp>
+      <p:pic>
+        <p:nvPicPr>
+          <p:cNvPr id="1026" name="Picture 2" descr="C:\Users\Jeremie\Documents\Etudes\2011 - Diplome Ingenieur Informatique (UTT)\Semestre 4\IF16 - Groupware et workflow - concepts et mise en oeuvre\Projet\Maquettes\Images\item_site-industriel.png"/>
+          <p:cNvPicPr>
+            <a:picLocks noChangeAspect="1" noChangeArrowheads="1"/>
+          </p:cNvPicPr>
+          <p:nvPr/>
+        </p:nvPicPr>
+        <p:blipFill>
+          <a:blip r:embed="rId2" cstate="print">
+            <a:extLst>
+              <a:ext uri="{28A0092B-C50C-407E-A947-70E740481C1C}">
+                <a14:useLocalDpi xmlns:a14="http://schemas.microsoft.com/office/drawing/2010/main" val="0"/>
+              </a:ext>
+            </a:extLst>
+          </a:blip>
+          <a:srcRect/>
+          <a:stretch>
+            <a:fillRect/>
+          </a:stretch>
+        </p:blipFill>
+        <p:spPr bwMode="auto">
+          <a:xfrm>
+            <a:off x="815781" y="2375789"/>
+            <a:ext cx="191300" cy="288000"/>
+          </a:xfrm>
+          <a:prstGeom prst="rect">
+            <a:avLst/>
+          </a:prstGeom>
+          <a:noFill/>
+          <a:extLst>
+            <a:ext uri="{909E8E84-426E-40DD-AFC4-6F175D3DCCD1}">
+              <a14:hiddenFill xmlns:a14="http://schemas.microsoft.com/office/drawing/2010/main">
+                <a:solidFill>
+                  <a:srgbClr val="FFFFFF"/>
+                </a:solidFill>
+              </a14:hiddenFill>
+            </a:ext>
+          </a:extLst>
+        </p:spPr>
+      </p:pic>
+      <p:pic>
+        <p:nvPicPr>
+          <p:cNvPr id="1027" name="Picture 3" descr="C:\Users\Jeremie\Documents\Etudes\2011 - Diplome Ingenieur Informatique (UTT)\Semestre 4\IF16 - Groupware et workflow - concepts et mise en oeuvre\Projet\Maquettes\Images\item_site-non-industriel.png"/>
+          <p:cNvPicPr>
+            <a:picLocks noChangeAspect="1" noChangeArrowheads="1"/>
+          </p:cNvPicPr>
+          <p:nvPr/>
+        </p:nvPicPr>
+        <p:blipFill>
+          <a:blip r:embed="rId3" cstate="print">
+            <a:extLst>
+              <a:ext uri="{28A0092B-C50C-407E-A947-70E740481C1C}">
+                <a14:useLocalDpi xmlns:a14="http://schemas.microsoft.com/office/drawing/2010/main" val="0"/>
+              </a:ext>
+            </a:extLst>
+          </a:blip>
+          <a:srcRect/>
+          <a:stretch>
+            <a:fillRect/>
+          </a:stretch>
+        </p:blipFill>
+        <p:spPr bwMode="auto">
+          <a:xfrm>
+            <a:off x="821464" y="2780928"/>
+            <a:ext cx="188946" cy="288000"/>
+          </a:xfrm>
+          <a:prstGeom prst="rect">
+            <a:avLst/>
+          </a:prstGeom>
+          <a:noFill/>
+          <a:extLst>
+            <a:ext uri="{909E8E84-426E-40DD-AFC4-6F175D3DCCD1}">
+              <a14:hiddenFill xmlns:a14="http://schemas.microsoft.com/office/drawing/2010/main">
+                <a:solidFill>
+                  <a:srgbClr val="FFFFFF"/>
+                </a:solidFill>
+              </a14:hiddenFill>
+            </a:ext>
+          </a:extLst>
+        </p:spPr>
+      </p:pic>
+      <p:pic>
+        <p:nvPicPr>
+          <p:cNvPr id="1028" name="Picture 4" descr="C:\Users\Jeremie\Documents\Etudes\2011 - Diplome Ingenieur Informatique (UTT)\Semestre 4\IF16 - Groupware et workflow - concepts et mise en oeuvre\Projet\Maquettes\Images\item_produit-ou-service.png"/>
+          <p:cNvPicPr>
+            <a:picLocks noChangeAspect="1" noChangeArrowheads="1"/>
+          </p:cNvPicPr>
+          <p:nvPr/>
+        </p:nvPicPr>
+        <p:blipFill>
+          <a:blip r:embed="rId4">
+            <a:extLst>
+              <a:ext uri="{28A0092B-C50C-407E-A947-70E740481C1C}">
+                <a14:useLocalDpi xmlns:a14="http://schemas.microsoft.com/office/drawing/2010/main" val="0"/>
+              </a:ext>
+            </a:extLst>
+          </a:blip>
+          <a:srcRect/>
+          <a:stretch>
+            <a:fillRect/>
+          </a:stretch>
+        </p:blipFill>
+        <p:spPr bwMode="auto">
+          <a:xfrm>
+            <a:off x="759682" y="3110307"/>
+            <a:ext cx="312510" cy="288000"/>
+          </a:xfrm>
+          <a:prstGeom prst="rect">
+            <a:avLst/>
+          </a:prstGeom>
+          <a:noFill/>
+          <a:extLst>
+            <a:ext uri="{909E8E84-426E-40DD-AFC4-6F175D3DCCD1}">
+              <a14:hiddenFill xmlns:a14="http://schemas.microsoft.com/office/drawing/2010/main">
+                <a:solidFill>
+                  <a:srgbClr val="FFFFFF"/>
+                </a:solidFill>
+              </a14:hiddenFill>
+            </a:ext>
+          </a:extLst>
+        </p:spPr>
+      </p:pic>
+      <p:pic>
+        <p:nvPicPr>
+          <p:cNvPr id="1029" name="Picture 5" descr="C:\Users\Jeremie\Documents\Etudes\2011 - Diplome Ingenieur Informatique (UTT)\Semestre 4\IF16 - Groupware et workflow - concepts et mise en oeuvre\Projet\Maquettes\Images\item_initiative.png"/>
+          <p:cNvPicPr>
+            <a:picLocks noChangeAspect="1" noChangeArrowheads="1"/>
+          </p:cNvPicPr>
+          <p:nvPr/>
+        </p:nvPicPr>
+        <p:blipFill>
+          <a:blip r:embed="rId5">
+            <a:extLst>
+              <a:ext uri="{28A0092B-C50C-407E-A947-70E740481C1C}">
+                <a14:useLocalDpi xmlns:a14="http://schemas.microsoft.com/office/drawing/2010/main" val="0"/>
+              </a:ext>
+            </a:extLst>
+          </a:blip>
+          <a:srcRect/>
+          <a:stretch>
+            <a:fillRect/>
+          </a:stretch>
+        </p:blipFill>
+        <p:spPr bwMode="auto">
+          <a:xfrm>
+            <a:off x="759682" y="3551178"/>
+            <a:ext cx="288000" cy="288000"/>
+          </a:xfrm>
+          <a:prstGeom prst="rect">
+            <a:avLst/>
+          </a:prstGeom>
+          <a:noFill/>
+          <a:extLst>
+            <a:ext uri="{909E8E84-426E-40DD-AFC4-6F175D3DCCD1}">
+              <a14:hiddenFill xmlns:a14="http://schemas.microsoft.com/office/drawing/2010/main">
+                <a:solidFill>
+                  <a:srgbClr val="FFFFFF"/>
+                </a:solidFill>
+              </a14:hiddenFill>
+            </a:ext>
+          </a:extLst>
+        </p:spPr>
+      </p:pic>
+      <p:pic>
+        <p:nvPicPr>
+          <p:cNvPr id="1030" name="Picture 6" descr="C:\Users\Jeremie\Documents\Etudes\2011 - Diplome Ingenieur Informatique (UTT)\Semestre 4\IF16 - Groupware et workflow - concepts et mise en oeuvre\Projet\Maquettes\Images\item_risque.png"/>
+          <p:cNvPicPr>
+            <a:picLocks noChangeAspect="1" noChangeArrowheads="1"/>
+          </p:cNvPicPr>
+          <p:nvPr/>
+        </p:nvPicPr>
+        <p:blipFill>
+          <a:blip r:embed="rId6">
+            <a:extLst>
+              <a:ext uri="{28A0092B-C50C-407E-A947-70E740481C1C}">
+                <a14:useLocalDpi xmlns:a14="http://schemas.microsoft.com/office/drawing/2010/main" val="0"/>
+              </a:ext>
+            </a:extLst>
+          </a:blip>
+          <a:srcRect/>
+          <a:stretch>
+            <a:fillRect/>
+          </a:stretch>
+        </p:blipFill>
+        <p:spPr bwMode="auto">
+          <a:xfrm>
+            <a:off x="750961" y="3888649"/>
+            <a:ext cx="321231" cy="288000"/>
+          </a:xfrm>
+          <a:prstGeom prst="rect">
+            <a:avLst/>
+          </a:prstGeom>
+          <a:noFill/>
+          <a:extLst>
+            <a:ext uri="{909E8E84-426E-40DD-AFC4-6F175D3DCCD1}">
+              <a14:hiddenFill xmlns:a14="http://schemas.microsoft.com/office/drawing/2010/main">
+                <a:solidFill>
+                  <a:srgbClr val="FFFFFF"/>
+                </a:solidFill>
+              </a14:hiddenFill>
+            </a:ext>
+          </a:extLst>
+        </p:spPr>
+      </p:pic>
     </p:spTree>
     <p:extLst>
       <p:ext uri="{BB962C8B-B14F-4D97-AF65-F5344CB8AC3E}">
@@ -10985,46 +15771,7 @@
                 </a:effectLst>
                 <a:latin typeface="+mn-lt"/>
               </a:rPr>
-              <a:t>Soutenance de </a:t>
-            </a:r>
-            <a:r>
-              <a:rPr lang="fr-FR" sz="1600" i="1" dirty="0" smtClean="0">
-                <a:effectLst>
-                  <a:outerShdw blurRad="38100" dist="38100" dir="2700000" algn="tl">
-                    <a:srgbClr val="000000">
-                      <a:alpha val="43137"/>
-                    </a:srgbClr>
-                  </a:outerShdw>
-                </a:effectLst>
-                <a:latin typeface="+mn-lt"/>
-              </a:rPr>
-              <a:t>projet IF16 </a:t>
-            </a:r>
-            <a:r>
-              <a:rPr lang="fr-FR" sz="1600" i="1" dirty="0" smtClean="0">
-                <a:effectLst>
-                  <a:outerShdw blurRad="38100" dist="38100" dir="2700000" algn="tl">
-                    <a:srgbClr val="000000">
-                      <a:alpha val="43137"/>
-                    </a:srgbClr>
-                  </a:outerShdw>
-                </a:effectLst>
-                <a:latin typeface="+mn-lt"/>
-              </a:rPr>
-              <a:t>– 13 Décembre </a:t>
-            </a:r>
-            <a:r>
-              <a:rPr lang="fr-FR" sz="1600" i="1" dirty="0" smtClean="0">
-                <a:effectLst>
-                  <a:outerShdw blurRad="38100" dist="38100" dir="2700000" algn="tl">
-                    <a:srgbClr val="000000">
-                      <a:alpha val="43137"/>
-                    </a:srgbClr>
-                  </a:outerShdw>
-                </a:effectLst>
-                <a:latin typeface="+mn-lt"/>
-              </a:rPr>
-              <a:t>2012</a:t>
+              <a:t>Soutenance de projet IF16 – 13 Décembre 2012</a:t>
             </a:r>
             <a:endParaRPr lang="fr-FR" sz="1600" i="1" dirty="0">
               <a:effectLst>

--- a/Presentations/IF16 - Soutenance (2012-12-13).pptx
+++ b/Presentations/IF16 - Soutenance (2012-12-13).pptx
@@ -215,7 +215,7 @@
           <a:p>
             <a:fld id="{D61A2565-6D40-4B23-859E-D9BCB3692BB7}" type="datetimeFigureOut">
               <a:rPr lang="fr-FR" smtClean="0"/>
-              <a:t>10/12/2012</a:t>
+              <a:t>11/12/2012</a:t>
             </a:fld>
             <a:endParaRPr lang="fr-FR"/>
           </a:p>
@@ -381,7 +381,7 @@
           <a:p>
             <a:fld id="{6512828A-03C7-48BD-9576-CC18287F59C4}" type="datetimeFigureOut">
               <a:rPr lang="fr-FR" smtClean="0"/>
-              <a:t>10/12/2012</a:t>
+              <a:t>11/12/2012</a:t>
             </a:fld>
             <a:endParaRPr lang="fr-FR"/>
           </a:p>
@@ -854,7 +854,7 @@
           <a:p>
             <a:fld id="{28D617E9-4DC5-4EC6-98C6-0B64B6588A26}" type="datetime1">
               <a:rPr lang="fr-FR" smtClean="0"/>
-              <a:t>10/12/2012</a:t>
+              <a:t>11/12/2012</a:t>
             </a:fld>
             <a:endParaRPr lang="fr-FR"/>
           </a:p>
@@ -1217,7 +1217,7 @@
           <a:p>
             <a:fld id="{1EF804A6-386E-4EA4-A6B6-19A29D51B22F}" type="datetime1">
               <a:rPr lang="fr-FR" smtClean="0"/>
-              <a:t>10/12/2012</a:t>
+              <a:t>11/12/2012</a:t>
             </a:fld>
             <a:endParaRPr lang="fr-FR"/>
           </a:p>
@@ -1396,7 +1396,7 @@
           <a:p>
             <a:fld id="{9F510D14-2919-4415-9E6E-50288C4A0185}" type="datetime1">
               <a:rPr lang="fr-FR" smtClean="0"/>
-              <a:t>10/12/2012</a:t>
+              <a:t>11/12/2012</a:t>
             </a:fld>
             <a:endParaRPr lang="fr-FR"/>
           </a:p>
@@ -1635,7 +1635,7 @@
           <a:p>
             <a:fld id="{5B5D0BCA-E9F6-49CA-A266-F6B3862FD3D7}" type="datetime1">
               <a:rPr lang="fr-FR" smtClean="0"/>
-              <a:t>10/12/2012</a:t>
+              <a:t>11/12/2012</a:t>
             </a:fld>
             <a:endParaRPr lang="fr-FR"/>
           </a:p>
@@ -1903,7 +1903,7 @@
           <a:p>
             <a:fld id="{B5520773-D51C-4823-B4CC-093751D56B0B}" type="datetime1">
               <a:rPr lang="fr-FR" smtClean="0"/>
-              <a:t>10/12/2012</a:t>
+              <a:t>11/12/2012</a:t>
             </a:fld>
             <a:endParaRPr lang="fr-FR"/>
           </a:p>
@@ -2127,7 +2127,7 @@
           <a:p>
             <a:fld id="{760E2561-2F1F-489B-9C82-ED2BCDEF1B35}" type="datetime1">
               <a:rPr lang="fr-FR" smtClean="0"/>
-              <a:t>10/12/2012</a:t>
+              <a:t>11/12/2012</a:t>
             </a:fld>
             <a:endParaRPr lang="fr-FR"/>
           </a:p>
@@ -2483,7 +2483,7 @@
           <a:p>
             <a:fld id="{FF1A709E-936A-474A-AB8A-6EA9DEBE7546}" type="datetime1">
               <a:rPr lang="fr-FR" smtClean="0"/>
-              <a:t>10/12/2012</a:t>
+              <a:t>11/12/2012</a:t>
             </a:fld>
             <a:endParaRPr lang="fr-FR"/>
           </a:p>
@@ -2719,7 +2719,7 @@
           <a:p>
             <a:fld id="{7B908017-ADEF-4E54-B7C0-9B30DE52A226}" type="datetime1">
               <a:rPr lang="fr-FR" smtClean="0"/>
-              <a:t>10/12/2012</a:t>
+              <a:t>11/12/2012</a:t>
             </a:fld>
             <a:endParaRPr lang="fr-FR"/>
           </a:p>
@@ -2863,7 +2863,7 @@
           <a:p>
             <a:fld id="{367235AC-B55B-45CF-ADCB-00D8B13D5995}" type="datetime1">
               <a:rPr lang="fr-FR" smtClean="0"/>
-              <a:t>10/12/2012</a:t>
+              <a:t>11/12/2012</a:t>
             </a:fld>
             <a:endParaRPr lang="fr-FR"/>
           </a:p>
@@ -3144,7 +3144,7 @@
           <a:p>
             <a:fld id="{795BD412-05F1-4438-8B30-7893F6C9CE12}" type="datetime1">
               <a:rPr lang="fr-FR" smtClean="0"/>
-              <a:t>10/12/2012</a:t>
+              <a:t>11/12/2012</a:t>
             </a:fld>
             <a:endParaRPr lang="fr-FR"/>
           </a:p>
@@ -3550,7 +3550,7 @@
           <a:p>
             <a:fld id="{41750BCA-D5C2-4C66-88FD-6F3511557B99}" type="datetime1">
               <a:rPr lang="fr-FR" smtClean="0"/>
-              <a:t>10/12/2012</a:t>
+              <a:t>11/12/2012</a:t>
             </a:fld>
             <a:endParaRPr lang="fr-FR"/>
           </a:p>
@@ -3892,7 +3892,7 @@
           <a:p>
             <a:fld id="{CD43F58E-4C02-4BD8-8E8C-FEFDDC22BAD1}" type="datetime1">
               <a:rPr lang="fr-FR" smtClean="0"/>
-              <a:t>10/12/2012</a:t>
+              <a:t>11/12/2012</a:t>
             </a:fld>
             <a:endParaRPr lang="fr-FR"/>
           </a:p>
@@ -6924,7 +6924,7 @@
       </p:sp>
       <p:pic>
         <p:nvPicPr>
-          <p:cNvPr id="4098" name="Picture 2" descr="C:\Users\Jeremie\Documents\Etudes\2011 - Diplome Ingenieur Informatique (UTT)\Semestre 4\IF16 - Groupware et workflow - concepts et mise en oeuvre\Projet\Maquettes\Screenshots Balsamiq\VISITEUR+-+Accueil.png"/>
+          <p:cNvPr id="4098" name="Picture 2"/>
           <p:cNvPicPr>
             <a:picLocks noChangeAspect="1" noChangeArrowheads="1"/>
           </p:cNvPicPr>
@@ -6938,7 +6938,6 @@
               </a:ext>
             </a:extLst>
           </a:blip>
-          <a:srcRect/>
           <a:stretch>
             <a:fillRect/>
           </a:stretch>
@@ -6946,7 +6945,7 @@
         <p:spPr bwMode="auto">
           <a:xfrm>
             <a:off x="775538" y="763731"/>
-            <a:ext cx="7540878" cy="5655659"/>
+            <a:ext cx="7540878" cy="5655658"/>
           </a:xfrm>
           <a:prstGeom prst="rect">
             <a:avLst/>
@@ -7373,7 +7372,7 @@
         <p:spPr bwMode="auto">
           <a:xfrm>
             <a:off x="775538" y="763731"/>
-            <a:ext cx="7540878" cy="5655658"/>
+            <a:ext cx="7540877" cy="5655658"/>
           </a:xfrm>
           <a:prstGeom prst="rect">
             <a:avLst/>
@@ -7800,7 +7799,7 @@
         <p:spPr bwMode="auto">
           <a:xfrm>
             <a:off x="775538" y="763731"/>
-            <a:ext cx="7540877" cy="5655658"/>
+            <a:ext cx="7540877" cy="5655657"/>
           </a:xfrm>
           <a:prstGeom prst="rect">
             <a:avLst/>
@@ -8227,7 +8226,7 @@
         <p:spPr bwMode="auto">
           <a:xfrm>
             <a:off x="775538" y="763731"/>
-            <a:ext cx="7540877" cy="5655657"/>
+            <a:ext cx="7540876" cy="5655657"/>
           </a:xfrm>
           <a:prstGeom prst="rect">
             <a:avLst/>
@@ -15086,10 +15085,10 @@
                   </a:outerShdw>
                 </a:effectLst>
               </a:rPr>
-              <a:t>	Site </a:t>
-            </a:r>
-            <a:r>
-              <a:rPr lang="fr-FR" dirty="0" smtClean="0">
+              <a:t>	Site industriel			</a:t>
+            </a:r>
+            <a:r>
+              <a:rPr lang="fr-FR" sz="1600" i="1" dirty="0" smtClean="0">
                 <a:solidFill>
                   <a:schemeClr val="tx2"/>
                 </a:solidFill>
@@ -15101,52 +15100,7 @@
                   </a:outerShdw>
                 </a:effectLst>
               </a:rPr>
-              <a:t>industriel		</a:t>
-            </a:r>
-            <a:r>
-              <a:rPr lang="fr-FR" dirty="0" smtClean="0">
-                <a:solidFill>
-                  <a:schemeClr val="tx2"/>
-                </a:solidFill>
-                <a:effectLst>
-                  <a:outerShdw blurRad="38100" dist="38100" dir="2700000" algn="tl">
-                    <a:srgbClr val="000000">
-                      <a:alpha val="43137"/>
-                    </a:srgbClr>
-                  </a:outerShdw>
-                </a:effectLst>
-              </a:rPr>
-              <a:t>	</a:t>
-            </a:r>
-            <a:r>
-              <a:rPr lang="fr-FR" sz="1600" i="1" dirty="0" smtClean="0">
-                <a:solidFill>
-                  <a:schemeClr val="tx2"/>
-                </a:solidFill>
-                <a:effectLst>
-                  <a:outerShdw blurRad="38100" dist="38100" dir="2700000" algn="tl">
-                    <a:srgbClr val="000000">
-                      <a:alpha val="43137"/>
-                    </a:srgbClr>
-                  </a:outerShdw>
-                </a:effectLst>
-              </a:rPr>
-              <a:t>Exemple </a:t>
-            </a:r>
-            <a:r>
-              <a:rPr lang="fr-FR" sz="1600" i="1" dirty="0" smtClean="0">
-                <a:solidFill>
-                  <a:schemeClr val="tx2"/>
-                </a:solidFill>
-                <a:effectLst>
-                  <a:outerShdw blurRad="38100" dist="38100" dir="2700000" algn="tl">
-                    <a:srgbClr val="000000">
-                      <a:alpha val="43137"/>
-                    </a:srgbClr>
-                  </a:outerShdw>
-                </a:effectLst>
-              </a:rPr>
-              <a:t>: </a:t>
+              <a:t>Exemple : </a:t>
             </a:r>
             <a:r>
               <a:rPr lang="fr-FR" sz="1600" i="1" dirty="0" err="1" smtClean="0">
@@ -15193,10 +15147,10 @@
                   </a:outerShdw>
                 </a:effectLst>
               </a:rPr>
-              <a:t>	Site </a:t>
-            </a:r>
-            <a:r>
-              <a:rPr lang="fr-FR" dirty="0" smtClean="0">
+              <a:t>	Site non industriel 		</a:t>
+            </a:r>
+            <a:r>
+              <a:rPr lang="fr-FR" sz="1600" i="1" dirty="0" smtClean="0">
                 <a:solidFill>
                   <a:schemeClr val="tx2"/>
                 </a:solidFill>
@@ -15208,52 +15162,7 @@
                   </a:outerShdw>
                 </a:effectLst>
               </a:rPr>
-              <a:t>non industriel 	</a:t>
-            </a:r>
-            <a:r>
-              <a:rPr lang="fr-FR" dirty="0" smtClean="0">
-                <a:solidFill>
-                  <a:schemeClr val="tx2"/>
-                </a:solidFill>
-                <a:effectLst>
-                  <a:outerShdw blurRad="38100" dist="38100" dir="2700000" algn="tl">
-                    <a:srgbClr val="000000">
-                      <a:alpha val="43137"/>
-                    </a:srgbClr>
-                  </a:outerShdw>
-                </a:effectLst>
-              </a:rPr>
-              <a:t>	</a:t>
-            </a:r>
-            <a:r>
-              <a:rPr lang="fr-FR" sz="1600" i="1" dirty="0" smtClean="0">
-                <a:solidFill>
-                  <a:schemeClr val="tx2"/>
-                </a:solidFill>
-                <a:effectLst>
-                  <a:outerShdw blurRad="38100" dist="38100" dir="2700000" algn="tl">
-                    <a:srgbClr val="000000">
-                      <a:alpha val="43137"/>
-                    </a:srgbClr>
-                  </a:outerShdw>
-                </a:effectLst>
-              </a:rPr>
-              <a:t>Exemple </a:t>
-            </a:r>
-            <a:r>
-              <a:rPr lang="fr-FR" sz="1600" i="1" dirty="0" smtClean="0">
-                <a:solidFill>
-                  <a:schemeClr val="tx2"/>
-                </a:solidFill>
-                <a:effectLst>
-                  <a:outerShdw blurRad="38100" dist="38100" dir="2700000" algn="tl">
-                    <a:srgbClr val="000000">
-                      <a:alpha val="43137"/>
-                    </a:srgbClr>
-                  </a:outerShdw>
-                </a:effectLst>
-              </a:rPr>
-              <a:t>: UTT</a:t>
+              <a:t>Exemple : UTT</a:t>
             </a:r>
           </a:p>
           <a:p>
@@ -15270,31 +15179,7 @@
                   </a:outerShdw>
                 </a:effectLst>
               </a:rPr>
-              <a:t>	Produit </a:t>
-            </a:r>
-            <a:r>
-              <a:rPr lang="fr-FR" dirty="0" smtClean="0">
-                <a:effectLst>
-                  <a:outerShdw blurRad="38100" dist="38100" dir="2700000" algn="tl">
-                    <a:srgbClr val="000000">
-                      <a:alpha val="43137"/>
-                    </a:srgbClr>
-                  </a:outerShdw>
-                </a:effectLst>
-              </a:rPr>
-              <a:t>ou </a:t>
-            </a:r>
-            <a:r>
-              <a:rPr lang="fr-FR" dirty="0" smtClean="0">
-                <a:effectLst>
-                  <a:outerShdw blurRad="38100" dist="38100" dir="2700000" algn="tl">
-                    <a:srgbClr val="000000">
-                      <a:alpha val="43137"/>
-                    </a:srgbClr>
-                  </a:outerShdw>
-                </a:effectLst>
-              </a:rPr>
-              <a:t>service		</a:t>
+              <a:t>	Produit ou service		</a:t>
             </a:r>
             <a:r>
               <a:rPr lang="fr-FR" sz="1600" i="1" dirty="0" smtClean="0">
@@ -15358,19 +15243,7 @@
                   </a:outerShdw>
                 </a:effectLst>
               </a:rPr>
-              <a:t>	Risque</a:t>
-            </a:r>
-            <a:r>
-              <a:rPr lang="fr-FR" dirty="0" smtClean="0">
-                <a:effectLst>
-                  <a:outerShdw blurRad="38100" dist="38100" dir="2700000" algn="tl">
-                    <a:srgbClr val="000000">
-                      <a:alpha val="43137"/>
-                    </a:srgbClr>
-                  </a:outerShdw>
-                </a:effectLst>
-              </a:rPr>
-              <a:t>				</a:t>
+              <a:t>	Risque				</a:t>
             </a:r>
             <a:r>
               <a:rPr lang="fr-FR" sz="1600" i="1" dirty="0" smtClean="0">
@@ -15384,15 +15257,6 @@
               </a:rPr>
               <a:t>Exemple : Centrale nucléaire</a:t>
             </a:r>
-            <a:endParaRPr lang="fr-FR" sz="1600" i="1" dirty="0" smtClean="0">
-              <a:effectLst>
-                <a:outerShdw blurRad="38100" dist="38100" dir="2700000" algn="tl">
-                  <a:srgbClr val="000000">
-                    <a:alpha val="43137"/>
-                  </a:srgbClr>
-                </a:outerShdw>
-              </a:effectLst>
-            </a:endParaRPr>
           </a:p>
           <a:p>
             <a:pPr lvl="1"/>
